--- a/PPT/ppt.pptx
+++ b/PPT/ppt.pptx
@@ -5,7 +5,7 @@
     <p:sldMasterId id="2147483648" r:id="rId1"/>
   </p:sldMasterIdLst>
   <p:notesMasterIdLst>
-    <p:notesMasterId r:id="rId24"/>
+    <p:notesMasterId r:id="rId25"/>
   </p:notesMasterIdLst>
   <p:sldIdLst>
     <p:sldId id="279" r:id="rId2"/>
@@ -14,42 +14,43 @@
     <p:sldId id="275" r:id="rId5"/>
     <p:sldId id="281" r:id="rId6"/>
     <p:sldId id="284" r:id="rId7"/>
-    <p:sldId id="285" r:id="rId8"/>
-    <p:sldId id="282" r:id="rId9"/>
-    <p:sldId id="283" r:id="rId10"/>
-    <p:sldId id="280" r:id="rId11"/>
-    <p:sldId id="265" r:id="rId12"/>
-    <p:sldId id="267" r:id="rId13"/>
-    <p:sldId id="270" r:id="rId14"/>
-    <p:sldId id="273" r:id="rId15"/>
-    <p:sldId id="274" r:id="rId16"/>
-    <p:sldId id="268" r:id="rId17"/>
-    <p:sldId id="271" r:id="rId18"/>
-    <p:sldId id="276" r:id="rId19"/>
-    <p:sldId id="277" r:id="rId20"/>
-    <p:sldId id="269" r:id="rId21"/>
-    <p:sldId id="278" r:id="rId22"/>
-    <p:sldId id="272" r:id="rId23"/>
+    <p:sldId id="286" r:id="rId8"/>
+    <p:sldId id="285" r:id="rId9"/>
+    <p:sldId id="282" r:id="rId10"/>
+    <p:sldId id="283" r:id="rId11"/>
+    <p:sldId id="280" r:id="rId12"/>
+    <p:sldId id="265" r:id="rId13"/>
+    <p:sldId id="267" r:id="rId14"/>
+    <p:sldId id="270" r:id="rId15"/>
+    <p:sldId id="273" r:id="rId16"/>
+    <p:sldId id="274" r:id="rId17"/>
+    <p:sldId id="268" r:id="rId18"/>
+    <p:sldId id="271" r:id="rId19"/>
+    <p:sldId id="276" r:id="rId20"/>
+    <p:sldId id="277" r:id="rId21"/>
+    <p:sldId id="269" r:id="rId22"/>
+    <p:sldId id="278" r:id="rId23"/>
+    <p:sldId id="272" r:id="rId24"/>
   </p:sldIdLst>
   <p:sldSz cx="12192000" cy="6858000"/>
   <p:notesSz cx="6858000" cy="9144000"/>
   <p:embeddedFontLst>
     <p:embeddedFont>
       <p:font typeface="맑은 고딕" panose="020B0503020000020004" pitchFamily="34" charset="-127"/>
-      <p:regular r:id="rId25"/>
-      <p:bold r:id="rId26"/>
+      <p:regular r:id="rId26"/>
+      <p:bold r:id="rId27"/>
     </p:embeddedFont>
     <p:embeddedFont>
       <p:font typeface="에스코어 드림 4 Regular" panose="020B0503030302020204" pitchFamily="34" charset="-127"/>
-      <p:regular r:id="rId27"/>
+      <p:regular r:id="rId28"/>
     </p:embeddedFont>
     <p:embeddedFont>
       <p:font typeface="에스코어 드림 8 Heavy" panose="020B0503030302020204" pitchFamily="34" charset="-127"/>
-      <p:bold r:id="rId28"/>
+      <p:bold r:id="rId29"/>
     </p:embeddedFont>
     <p:embeddedFont>
       <p:font typeface="Cambria Math" panose="02040503050406030204" pitchFamily="18" charset="0"/>
-      <p:regular r:id="rId29"/>
+      <p:regular r:id="rId30"/>
     </p:embeddedFont>
   </p:embeddedFontLst>
   <p:defaultTextStyle>
@@ -237,7 +238,7 @@
           <a:p>
             <a:fld id="{D4E50624-143F-4945-83AE-BEFB7CDC8626}" type="datetimeFigureOut">
               <a:rPr kumimoji="1" lang="ko-KR" altLang="en-US" smtClean="0"/>
-              <a:t>2024. 6. 10.</a:t>
+              <a:t>2024. 6. 18.</a:t>
             </a:fld>
             <a:endParaRPr kumimoji="1" lang="ko-KR" altLang="en-US"/>
           </a:p>
@@ -569,7 +570,7 @@
           <a:p>
             <a:fld id="{B8B34993-33F9-314B-B4A0-65E01EFB7ACD}" type="slidenum">
               <a:rPr kumimoji="1" lang="ko-KR" altLang="en-US" smtClean="0"/>
-              <a:t>13</a:t>
+              <a:t>14</a:t>
             </a:fld>
             <a:endParaRPr kumimoji="1" lang="ko-KR" altLang="en-US"/>
           </a:p>
@@ -735,7 +736,7 @@
           <a:p>
             <a:fld id="{F40DD5F8-769D-42A4-8431-1999C6ACF644}" type="datetimeFigureOut">
               <a:rPr lang="ko-KR" altLang="en-US" smtClean="0"/>
-              <a:t>2024. 6. 10.</a:t>
+              <a:t>2024. 6. 18.</a:t>
             </a:fld>
             <a:endParaRPr lang="ko-KR" altLang="en-US" dirty="0"/>
           </a:p>
@@ -933,7 +934,7 @@
           <a:p>
             <a:fld id="{F40DD5F8-769D-42A4-8431-1999C6ACF644}" type="datetimeFigureOut">
               <a:rPr lang="ko-KR" altLang="en-US" smtClean="0"/>
-              <a:t>2024. 6. 10.</a:t>
+              <a:t>2024. 6. 18.</a:t>
             </a:fld>
             <a:endParaRPr lang="ko-KR" altLang="en-US" dirty="0"/>
           </a:p>
@@ -1141,7 +1142,7 @@
           <a:p>
             <a:fld id="{F40DD5F8-769D-42A4-8431-1999C6ACF644}" type="datetimeFigureOut">
               <a:rPr lang="ko-KR" altLang="en-US" smtClean="0"/>
-              <a:t>2024. 6. 10.</a:t>
+              <a:t>2024. 6. 18.</a:t>
             </a:fld>
             <a:endParaRPr lang="ko-KR" altLang="en-US" dirty="0"/>
           </a:p>
@@ -1339,7 +1340,7 @@
           <a:p>
             <a:fld id="{F40DD5F8-769D-42A4-8431-1999C6ACF644}" type="datetimeFigureOut">
               <a:rPr lang="ko-KR" altLang="en-US" smtClean="0"/>
-              <a:t>2024. 6. 10.</a:t>
+              <a:t>2024. 6. 18.</a:t>
             </a:fld>
             <a:endParaRPr lang="ko-KR" altLang="en-US" dirty="0"/>
           </a:p>
@@ -1614,7 +1615,7 @@
           <a:p>
             <a:fld id="{F40DD5F8-769D-42A4-8431-1999C6ACF644}" type="datetimeFigureOut">
               <a:rPr lang="ko-KR" altLang="en-US" smtClean="0"/>
-              <a:t>2024. 6. 10.</a:t>
+              <a:t>2024. 6. 18.</a:t>
             </a:fld>
             <a:endParaRPr lang="ko-KR" altLang="en-US" dirty="0"/>
           </a:p>
@@ -1879,7 +1880,7 @@
           <a:p>
             <a:fld id="{F40DD5F8-769D-42A4-8431-1999C6ACF644}" type="datetimeFigureOut">
               <a:rPr lang="ko-KR" altLang="en-US" smtClean="0"/>
-              <a:t>2024. 6. 10.</a:t>
+              <a:t>2024. 6. 18.</a:t>
             </a:fld>
             <a:endParaRPr lang="ko-KR" altLang="en-US" dirty="0"/>
           </a:p>
@@ -2291,7 +2292,7 @@
           <a:p>
             <a:fld id="{F40DD5F8-769D-42A4-8431-1999C6ACF644}" type="datetimeFigureOut">
               <a:rPr lang="ko-KR" altLang="en-US" smtClean="0"/>
-              <a:t>2024. 6. 10.</a:t>
+              <a:t>2024. 6. 18.</a:t>
             </a:fld>
             <a:endParaRPr lang="ko-KR" altLang="en-US" dirty="0"/>
           </a:p>
@@ -2432,7 +2433,7 @@
           <a:p>
             <a:fld id="{F40DD5F8-769D-42A4-8431-1999C6ACF644}" type="datetimeFigureOut">
               <a:rPr lang="ko-KR" altLang="en-US" smtClean="0"/>
-              <a:t>2024. 6. 10.</a:t>
+              <a:t>2024. 6. 18.</a:t>
             </a:fld>
             <a:endParaRPr lang="ko-KR" altLang="en-US" dirty="0"/>
           </a:p>
@@ -2545,7 +2546,7 @@
           <a:p>
             <a:fld id="{F40DD5F8-769D-42A4-8431-1999C6ACF644}" type="datetimeFigureOut">
               <a:rPr lang="ko-KR" altLang="en-US" smtClean="0"/>
-              <a:t>2024. 6. 10.</a:t>
+              <a:t>2024. 6. 18.</a:t>
             </a:fld>
             <a:endParaRPr lang="ko-KR" altLang="en-US" dirty="0"/>
           </a:p>
@@ -2856,7 +2857,7 @@
           <a:p>
             <a:fld id="{F40DD5F8-769D-42A4-8431-1999C6ACF644}" type="datetimeFigureOut">
               <a:rPr lang="ko-KR" altLang="en-US" smtClean="0"/>
-              <a:t>2024. 6. 10.</a:t>
+              <a:t>2024. 6. 18.</a:t>
             </a:fld>
             <a:endParaRPr lang="ko-KR" altLang="en-US" dirty="0"/>
           </a:p>
@@ -3144,7 +3145,7 @@
           <a:p>
             <a:fld id="{F40DD5F8-769D-42A4-8431-1999C6ACF644}" type="datetimeFigureOut">
               <a:rPr lang="ko-KR" altLang="en-US" smtClean="0"/>
-              <a:t>2024. 6. 10.</a:t>
+              <a:t>2024. 6. 18.</a:t>
             </a:fld>
             <a:endParaRPr lang="ko-KR" altLang="en-US" dirty="0"/>
           </a:p>
@@ -3385,7 +3386,7 @@
           <a:p>
             <a:fld id="{F40DD5F8-769D-42A4-8431-1999C6ACF644}" type="datetimeFigureOut">
               <a:rPr lang="ko-KR" altLang="en-US" smtClean="0"/>
-              <a:t>2024. 6. 10.</a:t>
+              <a:t>2024. 6. 18.</a:t>
             </a:fld>
             <a:endParaRPr lang="ko-KR" altLang="en-US" dirty="0"/>
           </a:p>
@@ -4539,6 +4540,829 @@
         </p:nvSpPr>
         <p:spPr>
           <a:xfrm>
+            <a:off x="232282" y="312473"/>
+            <a:ext cx="3120517" cy="369332"/>
+          </a:xfrm>
+          <a:prstGeom prst="rect">
+            <a:avLst/>
+          </a:prstGeom>
+          <a:noFill/>
+        </p:spPr>
+        <p:txBody>
+          <a:bodyPr wrap="square">
+            <a:spAutoFit/>
+          </a:bodyPr>
+          <a:lstStyle/>
+          <a:p>
+            <a:pPr marL="0" marR="0" lvl="0" indent="0" defTabSz="914400" rtl="0" eaLnBrk="1" fontAlgn="auto" latinLnBrk="1" hangingPunct="1">
+              <a:lnSpc>
+                <a:spcPct val="100000"/>
+              </a:lnSpc>
+              <a:spcBef>
+                <a:spcPts val="0"/>
+              </a:spcBef>
+              <a:spcAft>
+                <a:spcPts val="0"/>
+              </a:spcAft>
+              <a:buClrTx/>
+              <a:buSzTx/>
+              <a:buFontTx/>
+              <a:buNone/>
+              <a:tabLst/>
+              <a:defRPr/>
+            </a:pPr>
+            <a:r>
+              <a:rPr kumimoji="0" lang="en-US" altLang="ko-KR" b="0" i="0" u="none" strike="noStrike" kern="1200" cap="none" normalizeH="0" baseline="0" noProof="0" dirty="0">
+                <a:ln>
+                  <a:noFill/>
+                </a:ln>
+                <a:solidFill>
+                  <a:prstClr val="black"/>
+                </a:solidFill>
+                <a:effectLst/>
+                <a:uLnTx/>
+                <a:uFillTx/>
+                <a:latin typeface="에스코어 드림 8 Heavy" panose="020B0903030302020204" pitchFamily="34" charset="-127"/>
+                <a:ea typeface="에스코어 드림 8 Heavy" panose="020B0903030302020204" pitchFamily="34" charset="-127"/>
+                <a:cs typeface="코트라 고딕체" panose="02020603020101020101" pitchFamily="18" charset="-127"/>
+              </a:rPr>
+              <a:t>First Pipeline</a:t>
+            </a:r>
+          </a:p>
+        </p:txBody>
+      </p:sp>
+      <p:sp>
+        <p:nvSpPr>
+          <p:cNvPr id="3" name="TextBox 2">
+            <a:extLst>
+              <a:ext uri="{FF2B5EF4-FFF2-40B4-BE49-F238E27FC236}">
+                <a16:creationId xmlns:a16="http://schemas.microsoft.com/office/drawing/2014/main" id="{A10A948F-B87F-2EBF-05BB-8CDE3F902684}"/>
+              </a:ext>
+            </a:extLst>
+          </p:cNvPr>
+          <p:cNvSpPr txBox="1"/>
+          <p:nvPr/>
+        </p:nvSpPr>
+        <p:spPr>
+          <a:xfrm>
+            <a:off x="623455" y="1339735"/>
+            <a:ext cx="1025957" cy="369332"/>
+          </a:xfrm>
+          <a:prstGeom prst="rect">
+            <a:avLst/>
+          </a:prstGeom>
+          <a:noFill/>
+        </p:spPr>
+        <p:txBody>
+          <a:bodyPr wrap="square" rtlCol="0">
+            <a:spAutoFit/>
+          </a:bodyPr>
+          <a:lstStyle/>
+          <a:p>
+            <a:r>
+              <a:rPr kumimoji="1" lang="en-US" altLang="ko-KR" dirty="0">
+                <a:latin typeface="S-Core Dream 4 Regular" panose="020B0503030302020204" pitchFamily="34" charset="-127"/>
+                <a:ea typeface="S-Core Dream 4 Regular" panose="020B0503030302020204" pitchFamily="34" charset="-127"/>
+              </a:rPr>
+              <a:t>Video</a:t>
+            </a:r>
+            <a:endParaRPr kumimoji="1" lang="ko-KR" altLang="en-US" dirty="0">
+              <a:latin typeface="S-Core Dream 4 Regular" panose="020B0503030302020204" pitchFamily="34" charset="-127"/>
+              <a:ea typeface="S-Core Dream 4 Regular" panose="020B0503030302020204" pitchFamily="34" charset="-127"/>
+            </a:endParaRPr>
+          </a:p>
+        </p:txBody>
+      </p:sp>
+      <p:sp>
+        <p:nvSpPr>
+          <p:cNvPr id="5" name="TextBox 4">
+            <a:extLst>
+              <a:ext uri="{FF2B5EF4-FFF2-40B4-BE49-F238E27FC236}">
+                <a16:creationId xmlns:a16="http://schemas.microsoft.com/office/drawing/2014/main" id="{65CC3A4C-3430-04B6-32E1-41B27CD68829}"/>
+              </a:ext>
+            </a:extLst>
+          </p:cNvPr>
+          <p:cNvSpPr txBox="1"/>
+          <p:nvPr/>
+        </p:nvSpPr>
+        <p:spPr>
+          <a:xfrm>
+            <a:off x="623452" y="3359539"/>
+            <a:ext cx="1025957" cy="369332"/>
+          </a:xfrm>
+          <a:prstGeom prst="rect">
+            <a:avLst/>
+          </a:prstGeom>
+          <a:noFill/>
+        </p:spPr>
+        <p:txBody>
+          <a:bodyPr wrap="square" rtlCol="0">
+            <a:spAutoFit/>
+          </a:bodyPr>
+          <a:lstStyle/>
+          <a:p>
+            <a:r>
+              <a:rPr kumimoji="1" lang="en-US" altLang="ko-KR" dirty="0">
+                <a:latin typeface="S-Core Dream 4 Regular" panose="020B0503030302020204" pitchFamily="34" charset="-127"/>
+                <a:ea typeface="S-Core Dream 4 Regular" panose="020B0503030302020204" pitchFamily="34" charset="-127"/>
+              </a:rPr>
+              <a:t>Audio</a:t>
+            </a:r>
+            <a:endParaRPr kumimoji="1" lang="ko-KR" altLang="en-US" dirty="0">
+              <a:latin typeface="S-Core Dream 4 Regular" panose="020B0503030302020204" pitchFamily="34" charset="-127"/>
+              <a:ea typeface="S-Core Dream 4 Regular" panose="020B0503030302020204" pitchFamily="34" charset="-127"/>
+            </a:endParaRPr>
+          </a:p>
+        </p:txBody>
+      </p:sp>
+      <p:sp>
+        <p:nvSpPr>
+          <p:cNvPr id="6" name="TextBox 5">
+            <a:extLst>
+              <a:ext uri="{FF2B5EF4-FFF2-40B4-BE49-F238E27FC236}">
+                <a16:creationId xmlns:a16="http://schemas.microsoft.com/office/drawing/2014/main" id="{90149C9D-EA9E-9AB2-3728-50C0718A190E}"/>
+              </a:ext>
+            </a:extLst>
+          </p:cNvPr>
+          <p:cNvSpPr txBox="1"/>
+          <p:nvPr/>
+        </p:nvSpPr>
+        <p:spPr>
+          <a:xfrm>
+            <a:off x="623453" y="5379344"/>
+            <a:ext cx="1025957" cy="369332"/>
+          </a:xfrm>
+          <a:prstGeom prst="rect">
+            <a:avLst/>
+          </a:prstGeom>
+          <a:noFill/>
+        </p:spPr>
+        <p:txBody>
+          <a:bodyPr wrap="square" rtlCol="0">
+            <a:spAutoFit/>
+          </a:bodyPr>
+          <a:lstStyle/>
+          <a:p>
+            <a:r>
+              <a:rPr kumimoji="1" lang="en-US" altLang="ko-KR" dirty="0">
+                <a:latin typeface="S-Core Dream 4 Regular" panose="020B0503030302020204" pitchFamily="34" charset="-127"/>
+                <a:ea typeface="S-Core Dream 4 Regular" panose="020B0503030302020204" pitchFamily="34" charset="-127"/>
+              </a:rPr>
+              <a:t>Text</a:t>
+            </a:r>
+            <a:endParaRPr kumimoji="1" lang="ko-KR" altLang="en-US" dirty="0">
+              <a:latin typeface="S-Core Dream 4 Regular" panose="020B0503030302020204" pitchFamily="34" charset="-127"/>
+              <a:ea typeface="S-Core Dream 4 Regular" panose="020B0503030302020204" pitchFamily="34" charset="-127"/>
+            </a:endParaRPr>
+          </a:p>
+        </p:txBody>
+      </p:sp>
+      <p:sp>
+        <p:nvSpPr>
+          <p:cNvPr id="7" name="수동 작업 6">
+            <a:extLst>
+              <a:ext uri="{FF2B5EF4-FFF2-40B4-BE49-F238E27FC236}">
+                <a16:creationId xmlns:a16="http://schemas.microsoft.com/office/drawing/2014/main" id="{E0FA231E-A104-CE20-20F1-0F7C0F9DEB4B}"/>
+              </a:ext>
+            </a:extLst>
+          </p:cNvPr>
+          <p:cNvSpPr/>
+          <p:nvPr/>
+        </p:nvSpPr>
+        <p:spPr>
+          <a:xfrm rot="16200000">
+            <a:off x="1915686" y="833716"/>
+            <a:ext cx="848813" cy="1381368"/>
+          </a:xfrm>
+          <a:prstGeom prst="flowChartManualOperation">
+            <a:avLst/>
+          </a:prstGeom>
+          <a:solidFill>
+            <a:srgbClr val="00AFB9"/>
+          </a:solidFill>
+          <a:ln>
+            <a:noFill/>
+          </a:ln>
+        </p:spPr>
+        <p:style>
+          <a:lnRef idx="2">
+            <a:schemeClr val="accent1">
+              <a:shade val="15000"/>
+            </a:schemeClr>
+          </a:lnRef>
+          <a:fillRef idx="1">
+            <a:schemeClr val="accent1"/>
+          </a:fillRef>
+          <a:effectRef idx="0">
+            <a:schemeClr val="accent1"/>
+          </a:effectRef>
+          <a:fontRef idx="minor">
+            <a:schemeClr val="lt1"/>
+          </a:fontRef>
+        </p:style>
+        <p:txBody>
+          <a:bodyPr rtlCol="0" anchor="ctr"/>
+          <a:lstStyle/>
+          <a:p>
+            <a:pPr algn="ctr"/>
+            <a:endParaRPr kumimoji="1" lang="ko-KR" altLang="en-US" dirty="0"/>
+          </a:p>
+        </p:txBody>
+      </p:sp>
+      <p:sp>
+        <p:nvSpPr>
+          <p:cNvPr id="8" name="수동 작업 7">
+            <a:extLst>
+              <a:ext uri="{FF2B5EF4-FFF2-40B4-BE49-F238E27FC236}">
+                <a16:creationId xmlns:a16="http://schemas.microsoft.com/office/drawing/2014/main" id="{1DA875DC-DFBC-5B80-1A8E-DA921100B8FD}"/>
+              </a:ext>
+            </a:extLst>
+          </p:cNvPr>
+          <p:cNvSpPr/>
+          <p:nvPr/>
+        </p:nvSpPr>
+        <p:spPr>
+          <a:xfrm rot="16200000">
+            <a:off x="1915686" y="2853520"/>
+            <a:ext cx="848813" cy="1381368"/>
+          </a:xfrm>
+          <a:prstGeom prst="flowChartManualOperation">
+            <a:avLst/>
+          </a:prstGeom>
+          <a:solidFill>
+            <a:srgbClr val="F07167"/>
+          </a:solidFill>
+          <a:ln>
+            <a:noFill/>
+          </a:ln>
+        </p:spPr>
+        <p:style>
+          <a:lnRef idx="2">
+            <a:schemeClr val="accent1">
+              <a:shade val="15000"/>
+            </a:schemeClr>
+          </a:lnRef>
+          <a:fillRef idx="1">
+            <a:schemeClr val="accent1"/>
+          </a:fillRef>
+          <a:effectRef idx="0">
+            <a:schemeClr val="accent1"/>
+          </a:effectRef>
+          <a:fontRef idx="minor">
+            <a:schemeClr val="lt1"/>
+          </a:fontRef>
+        </p:style>
+        <p:txBody>
+          <a:bodyPr rtlCol="0" anchor="ctr"/>
+          <a:lstStyle/>
+          <a:p>
+            <a:pPr algn="ctr"/>
+            <a:endParaRPr kumimoji="1" lang="ko-KR" altLang="en-US"/>
+          </a:p>
+        </p:txBody>
+      </p:sp>
+      <p:sp>
+        <p:nvSpPr>
+          <p:cNvPr id="9" name="수동 작업 8">
+            <a:extLst>
+              <a:ext uri="{FF2B5EF4-FFF2-40B4-BE49-F238E27FC236}">
+                <a16:creationId xmlns:a16="http://schemas.microsoft.com/office/drawing/2014/main" id="{0B0E7FE4-4E7F-4B2F-68EB-8A389552283A}"/>
+              </a:ext>
+            </a:extLst>
+          </p:cNvPr>
+          <p:cNvSpPr/>
+          <p:nvPr/>
+        </p:nvSpPr>
+        <p:spPr>
+          <a:xfrm rot="16200000">
+            <a:off x="1915686" y="4873324"/>
+            <a:ext cx="848813" cy="1381368"/>
+          </a:xfrm>
+          <a:prstGeom prst="flowChartManualOperation">
+            <a:avLst/>
+          </a:prstGeom>
+          <a:solidFill>
+            <a:srgbClr val="DFCF00"/>
+          </a:solidFill>
+          <a:ln>
+            <a:noFill/>
+          </a:ln>
+        </p:spPr>
+        <p:style>
+          <a:lnRef idx="2">
+            <a:schemeClr val="accent1">
+              <a:shade val="15000"/>
+            </a:schemeClr>
+          </a:lnRef>
+          <a:fillRef idx="1">
+            <a:schemeClr val="accent1"/>
+          </a:fillRef>
+          <a:effectRef idx="0">
+            <a:schemeClr val="accent1"/>
+          </a:effectRef>
+          <a:fontRef idx="minor">
+            <a:schemeClr val="lt1"/>
+          </a:fontRef>
+        </p:style>
+        <p:txBody>
+          <a:bodyPr rtlCol="0" anchor="ctr"/>
+          <a:lstStyle/>
+          <a:p>
+            <a:pPr algn="ctr"/>
+            <a:endParaRPr kumimoji="1" lang="ko-KR" altLang="en-US"/>
+          </a:p>
+        </p:txBody>
+      </p:sp>
+      <p:sp>
+        <p:nvSpPr>
+          <p:cNvPr id="10" name="TextBox 9">
+            <a:extLst>
+              <a:ext uri="{FF2B5EF4-FFF2-40B4-BE49-F238E27FC236}">
+                <a16:creationId xmlns:a16="http://schemas.microsoft.com/office/drawing/2014/main" id="{659445F1-09BF-CCDC-2168-3126710560DC}"/>
+              </a:ext>
+            </a:extLst>
+          </p:cNvPr>
+          <p:cNvSpPr txBox="1"/>
+          <p:nvPr/>
+        </p:nvSpPr>
+        <p:spPr>
+          <a:xfrm>
+            <a:off x="1740039" y="730661"/>
+            <a:ext cx="1290738" cy="369332"/>
+          </a:xfrm>
+          <a:prstGeom prst="rect">
+            <a:avLst/>
+          </a:prstGeom>
+          <a:noFill/>
+        </p:spPr>
+        <p:txBody>
+          <a:bodyPr wrap="none" rtlCol="0">
+            <a:spAutoFit/>
+          </a:bodyPr>
+          <a:lstStyle/>
+          <a:p>
+            <a:r>
+              <a:rPr kumimoji="1" lang="en-US" altLang="ko-KR" dirty="0">
+                <a:latin typeface="S-Core Dream 4 Regular" panose="020B0503030302020204" pitchFamily="34" charset="-127"/>
+                <a:ea typeface="S-Core Dream 4 Regular" panose="020B0503030302020204" pitchFamily="34" charset="-127"/>
+              </a:rPr>
+              <a:t>swin3D/B</a:t>
+            </a:r>
+            <a:endParaRPr kumimoji="1" lang="ko-KR" altLang="en-US" dirty="0">
+              <a:latin typeface="S-Core Dream 4 Regular" panose="020B0503030302020204" pitchFamily="34" charset="-127"/>
+              <a:ea typeface="S-Core Dream 4 Regular" panose="020B0503030302020204" pitchFamily="34" charset="-127"/>
+            </a:endParaRPr>
+          </a:p>
+        </p:txBody>
+      </p:sp>
+      <p:sp>
+        <p:nvSpPr>
+          <p:cNvPr id="11" name="TextBox 10">
+            <a:extLst>
+              <a:ext uri="{FF2B5EF4-FFF2-40B4-BE49-F238E27FC236}">
+                <a16:creationId xmlns:a16="http://schemas.microsoft.com/office/drawing/2014/main" id="{4D598C64-1C80-5160-6328-EEA374F85FCF}"/>
+              </a:ext>
+            </a:extLst>
+          </p:cNvPr>
+          <p:cNvSpPr txBox="1"/>
+          <p:nvPr/>
+        </p:nvSpPr>
+        <p:spPr>
+          <a:xfrm>
+            <a:off x="1740039" y="2750465"/>
+            <a:ext cx="631904" cy="369332"/>
+          </a:xfrm>
+          <a:prstGeom prst="rect">
+            <a:avLst/>
+          </a:prstGeom>
+          <a:noFill/>
+        </p:spPr>
+        <p:txBody>
+          <a:bodyPr wrap="none" rtlCol="0">
+            <a:spAutoFit/>
+          </a:bodyPr>
+          <a:lstStyle/>
+          <a:p>
+            <a:r>
+              <a:rPr kumimoji="1" lang="en-US" altLang="ko-KR" dirty="0">
+                <a:latin typeface="S-Core Dream 4 Regular" panose="020B0503030302020204" pitchFamily="34" charset="-127"/>
+                <a:ea typeface="S-Core Dream 4 Regular" panose="020B0503030302020204" pitchFamily="34" charset="-127"/>
+              </a:rPr>
+              <a:t>AST</a:t>
+            </a:r>
+            <a:endParaRPr kumimoji="1" lang="ko-KR" altLang="en-US" dirty="0">
+              <a:latin typeface="S-Core Dream 4 Regular" panose="020B0503030302020204" pitchFamily="34" charset="-127"/>
+              <a:ea typeface="S-Core Dream 4 Regular" panose="020B0503030302020204" pitchFamily="34" charset="-127"/>
+            </a:endParaRPr>
+          </a:p>
+        </p:txBody>
+      </p:sp>
+      <p:sp>
+        <p:nvSpPr>
+          <p:cNvPr id="14" name="TextBox 13">
+            <a:extLst>
+              <a:ext uri="{FF2B5EF4-FFF2-40B4-BE49-F238E27FC236}">
+                <a16:creationId xmlns:a16="http://schemas.microsoft.com/office/drawing/2014/main" id="{0848E21F-8C93-657F-7BED-9748C349554D}"/>
+              </a:ext>
+            </a:extLst>
+          </p:cNvPr>
+          <p:cNvSpPr txBox="1"/>
+          <p:nvPr/>
+        </p:nvSpPr>
+        <p:spPr>
+          <a:xfrm>
+            <a:off x="1740039" y="4817913"/>
+            <a:ext cx="1218603" cy="369332"/>
+          </a:xfrm>
+          <a:prstGeom prst="rect">
+            <a:avLst/>
+          </a:prstGeom>
+          <a:noFill/>
+        </p:spPr>
+        <p:txBody>
+          <a:bodyPr wrap="none" rtlCol="0">
+            <a:spAutoFit/>
+          </a:bodyPr>
+          <a:lstStyle/>
+          <a:p>
+            <a:r>
+              <a:rPr kumimoji="1" lang="en-US" altLang="ko-KR" dirty="0" err="1">
+                <a:latin typeface="S-Core Dream 4 Regular" panose="020B0503030302020204" pitchFamily="34" charset="-127"/>
+                <a:ea typeface="S-Core Dream 4 Regular" panose="020B0503030302020204" pitchFamily="34" charset="-127"/>
+              </a:rPr>
+              <a:t>DeBERTa</a:t>
+            </a:r>
+            <a:endParaRPr kumimoji="1" lang="ko-KR" altLang="en-US" dirty="0">
+              <a:latin typeface="S-Core Dream 4 Regular" panose="020B0503030302020204" pitchFamily="34" charset="-127"/>
+              <a:ea typeface="S-Core Dream 4 Regular" panose="020B0503030302020204" pitchFamily="34" charset="-127"/>
+            </a:endParaRPr>
+          </a:p>
+        </p:txBody>
+      </p:sp>
+      <p:sp>
+        <p:nvSpPr>
+          <p:cNvPr id="16" name="직사각형 15">
+            <a:extLst>
+              <a:ext uri="{FF2B5EF4-FFF2-40B4-BE49-F238E27FC236}">
+                <a16:creationId xmlns:a16="http://schemas.microsoft.com/office/drawing/2014/main" id="{6D35B790-288F-B2C7-6DAD-76ACD2ADD7BE}"/>
+              </a:ext>
+            </a:extLst>
+          </p:cNvPr>
+          <p:cNvSpPr/>
+          <p:nvPr/>
+        </p:nvSpPr>
+        <p:spPr>
+          <a:xfrm>
+            <a:off x="4056730" y="907873"/>
+            <a:ext cx="304800" cy="1233054"/>
+          </a:xfrm>
+          <a:prstGeom prst="rect">
+            <a:avLst/>
+          </a:prstGeom>
+          <a:solidFill>
+            <a:srgbClr val="0081A7"/>
+          </a:solidFill>
+          <a:ln>
+            <a:noFill/>
+          </a:ln>
+        </p:spPr>
+        <p:style>
+          <a:lnRef idx="2">
+            <a:schemeClr val="accent1">
+              <a:shade val="15000"/>
+            </a:schemeClr>
+          </a:lnRef>
+          <a:fillRef idx="1">
+            <a:schemeClr val="accent1"/>
+          </a:fillRef>
+          <a:effectRef idx="0">
+            <a:schemeClr val="accent1"/>
+          </a:effectRef>
+          <a:fontRef idx="minor">
+            <a:schemeClr val="lt1"/>
+          </a:fontRef>
+        </p:style>
+        <p:txBody>
+          <a:bodyPr rtlCol="0" anchor="ctr"/>
+          <a:lstStyle/>
+          <a:p>
+            <a:pPr algn="ctr"/>
+            <a:endParaRPr kumimoji="1" lang="ko-KR" altLang="en-US"/>
+          </a:p>
+        </p:txBody>
+      </p:sp>
+      <p:sp>
+        <p:nvSpPr>
+          <p:cNvPr id="19" name="직사각형 18">
+            <a:extLst>
+              <a:ext uri="{FF2B5EF4-FFF2-40B4-BE49-F238E27FC236}">
+                <a16:creationId xmlns:a16="http://schemas.microsoft.com/office/drawing/2014/main" id="{C2BA5249-EFE4-DE72-6C1D-B5132416BC78}"/>
+              </a:ext>
+            </a:extLst>
+          </p:cNvPr>
+          <p:cNvSpPr/>
+          <p:nvPr/>
+        </p:nvSpPr>
+        <p:spPr>
+          <a:xfrm>
+            <a:off x="4056730" y="2927677"/>
+            <a:ext cx="304800" cy="1233054"/>
+          </a:xfrm>
+          <a:prstGeom prst="rect">
+            <a:avLst/>
+          </a:prstGeom>
+          <a:solidFill>
+            <a:srgbClr val="0081A7"/>
+          </a:solidFill>
+          <a:ln>
+            <a:noFill/>
+          </a:ln>
+        </p:spPr>
+        <p:style>
+          <a:lnRef idx="2">
+            <a:schemeClr val="accent1">
+              <a:shade val="15000"/>
+            </a:schemeClr>
+          </a:lnRef>
+          <a:fillRef idx="1">
+            <a:schemeClr val="accent1"/>
+          </a:fillRef>
+          <a:effectRef idx="0">
+            <a:schemeClr val="accent1"/>
+          </a:effectRef>
+          <a:fontRef idx="minor">
+            <a:schemeClr val="lt1"/>
+          </a:fontRef>
+        </p:style>
+        <p:txBody>
+          <a:bodyPr rtlCol="0" anchor="ctr"/>
+          <a:lstStyle/>
+          <a:p>
+            <a:pPr algn="ctr"/>
+            <a:endParaRPr kumimoji="1" lang="ko-KR" altLang="en-US"/>
+          </a:p>
+        </p:txBody>
+      </p:sp>
+      <p:sp>
+        <p:nvSpPr>
+          <p:cNvPr id="21" name="직사각형 20">
+            <a:extLst>
+              <a:ext uri="{FF2B5EF4-FFF2-40B4-BE49-F238E27FC236}">
+                <a16:creationId xmlns:a16="http://schemas.microsoft.com/office/drawing/2014/main" id="{DACD0D26-1BE5-B181-035A-70CB1E022176}"/>
+              </a:ext>
+            </a:extLst>
+          </p:cNvPr>
+          <p:cNvSpPr/>
+          <p:nvPr/>
+        </p:nvSpPr>
+        <p:spPr>
+          <a:xfrm>
+            <a:off x="4056730" y="4950941"/>
+            <a:ext cx="304800" cy="1233054"/>
+          </a:xfrm>
+          <a:prstGeom prst="rect">
+            <a:avLst/>
+          </a:prstGeom>
+          <a:solidFill>
+            <a:srgbClr val="0081A7"/>
+          </a:solidFill>
+          <a:ln>
+            <a:noFill/>
+          </a:ln>
+        </p:spPr>
+        <p:style>
+          <a:lnRef idx="2">
+            <a:schemeClr val="accent1">
+              <a:shade val="15000"/>
+            </a:schemeClr>
+          </a:lnRef>
+          <a:fillRef idx="1">
+            <a:schemeClr val="accent1"/>
+          </a:fillRef>
+          <a:effectRef idx="0">
+            <a:schemeClr val="accent1"/>
+          </a:effectRef>
+          <a:fontRef idx="minor">
+            <a:schemeClr val="lt1"/>
+          </a:fontRef>
+        </p:style>
+        <p:txBody>
+          <a:bodyPr rtlCol="0" anchor="ctr"/>
+          <a:lstStyle/>
+          <a:p>
+            <a:pPr algn="ctr"/>
+            <a:endParaRPr kumimoji="1" lang="ko-KR" altLang="en-US"/>
+          </a:p>
+        </p:txBody>
+      </p:sp>
+    </p:spTree>
+    <p:extLst>
+      <p:ext uri="{BB962C8B-B14F-4D97-AF65-F5344CB8AC3E}">
+        <p14:creationId xmlns:p14="http://schemas.microsoft.com/office/powerpoint/2010/main" val="3111951328"/>
+      </p:ext>
+    </p:extLst>
+  </p:cSld>
+  <p:clrMapOvr>
+    <a:masterClrMapping/>
+  </p:clrMapOvr>
+</p:sld>
+</file>
+
+<file path=ppt/slides/slide11.xml><?xml version="1.0" encoding="utf-8"?>
+<p:sld xmlns:a="http://schemas.openxmlformats.org/drawingml/2006/main" xmlns:r="http://schemas.openxmlformats.org/officeDocument/2006/relationships" xmlns:p="http://schemas.openxmlformats.org/presentationml/2006/main">
+  <p:cSld>
+    <p:bg>
+      <p:bgPr>
+        <a:solidFill>
+          <a:schemeClr val="bg1"/>
+        </a:solidFill>
+        <a:effectLst/>
+      </p:bgPr>
+    </p:bg>
+    <p:spTree>
+      <p:nvGrpSpPr>
+        <p:cNvPr id="1" name=""/>
+        <p:cNvGrpSpPr/>
+        <p:nvPr/>
+      </p:nvGrpSpPr>
+      <p:grpSpPr>
+        <a:xfrm>
+          <a:off x="0" y="0"/>
+          <a:ext cx="0" cy="0"/>
+          <a:chOff x="0" y="0"/>
+          <a:chExt cx="0" cy="0"/>
+        </a:xfrm>
+      </p:grpSpPr>
+      <p:sp>
+        <p:nvSpPr>
+          <p:cNvPr id="2" name="직사각형 1">
+            <a:extLst>
+              <a:ext uri="{FF2B5EF4-FFF2-40B4-BE49-F238E27FC236}">
+                <a16:creationId xmlns:a16="http://schemas.microsoft.com/office/drawing/2014/main" id="{436BE8C2-0A42-4D62-A0FF-810C364FBA98}"/>
+              </a:ext>
+            </a:extLst>
+          </p:cNvPr>
+          <p:cNvSpPr/>
+          <p:nvPr/>
+        </p:nvSpPr>
+        <p:spPr>
+          <a:xfrm>
+            <a:off x="0" y="6705764"/>
+            <a:ext cx="12192000" cy="152236"/>
+          </a:xfrm>
+          <a:prstGeom prst="rect">
+            <a:avLst/>
+          </a:prstGeom>
+          <a:solidFill>
+            <a:srgbClr val="00AFB9"/>
+          </a:solidFill>
+          <a:ln>
+            <a:noFill/>
+          </a:ln>
+        </p:spPr>
+        <p:style>
+          <a:lnRef idx="2">
+            <a:schemeClr val="accent1">
+              <a:shade val="50000"/>
+            </a:schemeClr>
+          </a:lnRef>
+          <a:fillRef idx="1">
+            <a:schemeClr val="accent1"/>
+          </a:fillRef>
+          <a:effectRef idx="0">
+            <a:schemeClr val="accent1"/>
+          </a:effectRef>
+          <a:fontRef idx="minor">
+            <a:schemeClr val="lt1"/>
+          </a:fontRef>
+        </p:style>
+        <p:txBody>
+          <a:bodyPr rtlCol="0" anchor="ctr"/>
+          <a:lstStyle/>
+          <a:p>
+            <a:pPr algn="ctr"/>
+            <a:endParaRPr lang="ko-KR" altLang="en-US" dirty="0"/>
+          </a:p>
+        </p:txBody>
+      </p:sp>
+      <p:sp>
+        <p:nvSpPr>
+          <p:cNvPr id="32" name="사각형: 둥근 모서리 31">
+            <a:extLst>
+              <a:ext uri="{FF2B5EF4-FFF2-40B4-BE49-F238E27FC236}">
+                <a16:creationId xmlns:a16="http://schemas.microsoft.com/office/drawing/2014/main" id="{A4F1A65B-F4DD-4F2D-A55E-9AE50D65236B}"/>
+              </a:ext>
+            </a:extLst>
+          </p:cNvPr>
+          <p:cNvSpPr/>
+          <p:nvPr/>
+        </p:nvSpPr>
+        <p:spPr>
+          <a:xfrm>
+            <a:off x="174450" y="381727"/>
+            <a:ext cx="57833" cy="230825"/>
+          </a:xfrm>
+          <a:prstGeom prst="roundRect">
+            <a:avLst>
+              <a:gd name="adj" fmla="val 27647"/>
+            </a:avLst>
+          </a:prstGeom>
+          <a:solidFill>
+            <a:srgbClr val="FED9B7"/>
+          </a:solidFill>
+          <a:ln w="9525">
+            <a:noFill/>
+          </a:ln>
+        </p:spPr>
+        <p:style>
+          <a:lnRef idx="1">
+            <a:schemeClr val="accent1"/>
+          </a:lnRef>
+          <a:fillRef idx="0">
+            <a:schemeClr val="accent1"/>
+          </a:fillRef>
+          <a:effectRef idx="0">
+            <a:schemeClr val="accent1"/>
+          </a:effectRef>
+          <a:fontRef idx="minor">
+            <a:schemeClr val="tx1"/>
+          </a:fontRef>
+        </p:style>
+        <p:txBody>
+          <a:bodyPr rtlCol="0" anchor="ctr"/>
+          <a:lstStyle/>
+          <a:p>
+            <a:pPr algn="ctr"/>
+            <a:endParaRPr lang="ko-KR" altLang="en-US" dirty="0"/>
+          </a:p>
+        </p:txBody>
+      </p:sp>
+      <p:sp>
+        <p:nvSpPr>
+          <p:cNvPr id="15" name="직사각형 14">
+            <a:extLst>
+              <a:ext uri="{FF2B5EF4-FFF2-40B4-BE49-F238E27FC236}">
+                <a16:creationId xmlns:a16="http://schemas.microsoft.com/office/drawing/2014/main" id="{4AE5C8F8-DDFE-4160-9FFD-B5F02225DE0B}"/>
+              </a:ext>
+            </a:extLst>
+          </p:cNvPr>
+          <p:cNvSpPr/>
+          <p:nvPr/>
+        </p:nvSpPr>
+        <p:spPr>
+          <a:xfrm>
+            <a:off x="0" y="2"/>
+            <a:ext cx="12192000" cy="152234"/>
+          </a:xfrm>
+          <a:prstGeom prst="rect">
+            <a:avLst/>
+          </a:prstGeom>
+          <a:solidFill>
+            <a:srgbClr val="00AFB9"/>
+          </a:solidFill>
+          <a:ln>
+            <a:noFill/>
+          </a:ln>
+        </p:spPr>
+        <p:style>
+          <a:lnRef idx="2">
+            <a:schemeClr val="accent1">
+              <a:shade val="50000"/>
+            </a:schemeClr>
+          </a:lnRef>
+          <a:fillRef idx="1">
+            <a:schemeClr val="accent1"/>
+          </a:fillRef>
+          <a:effectRef idx="0">
+            <a:schemeClr val="accent1"/>
+          </a:effectRef>
+          <a:fontRef idx="minor">
+            <a:schemeClr val="lt1"/>
+          </a:fontRef>
+        </p:style>
+        <p:txBody>
+          <a:bodyPr rtlCol="0" anchor="ctr"/>
+          <a:lstStyle/>
+          <a:p>
+            <a:pPr algn="ctr"/>
+            <a:endParaRPr lang="ko-KR" altLang="en-US" dirty="0"/>
+          </a:p>
+        </p:txBody>
+      </p:sp>
+      <p:sp>
+        <p:nvSpPr>
+          <p:cNvPr id="20" name="TextBox 19">
+            <a:extLst>
+              <a:ext uri="{FF2B5EF4-FFF2-40B4-BE49-F238E27FC236}">
+                <a16:creationId xmlns:a16="http://schemas.microsoft.com/office/drawing/2014/main" id="{DD30E053-010D-4727-8220-5C457994ECE0}"/>
+              </a:ext>
+            </a:extLst>
+          </p:cNvPr>
+          <p:cNvSpPr txBox="1"/>
+          <p:nvPr/>
+        </p:nvSpPr>
+        <p:spPr>
+          <a:xfrm>
             <a:off x="232283" y="312473"/>
             <a:ext cx="1025957" cy="369332"/>
           </a:xfrm>
@@ -5202,7 +6026,7 @@
 </p:sld>
 </file>
 
-<file path=ppt/slides/slide11.xml><?xml version="1.0" encoding="utf-8"?>
+<file path=ppt/slides/slide12.xml><?xml version="1.0" encoding="utf-8"?>
 <p:sld xmlns:a="http://schemas.openxmlformats.org/drawingml/2006/main" xmlns:r="http://schemas.openxmlformats.org/officeDocument/2006/relationships" xmlns:p="http://schemas.openxmlformats.org/presentationml/2006/main">
   <p:cSld>
     <p:bg>
@@ -5741,7 +6565,7 @@
 </p:sld>
 </file>
 
-<file path=ppt/slides/slide12.xml><?xml version="1.0" encoding="utf-8"?>
+<file path=ppt/slides/slide13.xml><?xml version="1.0" encoding="utf-8"?>
 <p:sld xmlns:a="http://schemas.openxmlformats.org/drawingml/2006/main" xmlns:r="http://schemas.openxmlformats.org/officeDocument/2006/relationships" xmlns:p="http://schemas.openxmlformats.org/presentationml/2006/main">
   <p:cSld>
     <p:bg>
@@ -7188,7 +8012,7 @@
 </p:sld>
 </file>
 
-<file path=ppt/slides/slide13.xml><?xml version="1.0" encoding="utf-8"?>
+<file path=ppt/slides/slide14.xml><?xml version="1.0" encoding="utf-8"?>
 <p:sld xmlns:a="http://schemas.openxmlformats.org/drawingml/2006/main" xmlns:r="http://schemas.openxmlformats.org/officeDocument/2006/relationships" xmlns:p="http://schemas.openxmlformats.org/presentationml/2006/main">
   <p:cSld>
     <p:bg>
@@ -8428,7 +9252,7 @@
 </p:sld>
 </file>
 
-<file path=ppt/slides/slide14.xml><?xml version="1.0" encoding="utf-8"?>
+<file path=ppt/slides/slide15.xml><?xml version="1.0" encoding="utf-8"?>
 <p:sld xmlns:a="http://schemas.openxmlformats.org/drawingml/2006/main" xmlns:r="http://schemas.openxmlformats.org/officeDocument/2006/relationships" xmlns:p="http://schemas.openxmlformats.org/presentationml/2006/main">
   <p:cSld>
     <p:bg>
@@ -9075,7 +9899,7 @@
 </p:sld>
 </file>
 
-<file path=ppt/slides/slide15.xml><?xml version="1.0" encoding="utf-8"?>
+<file path=ppt/slides/slide16.xml><?xml version="1.0" encoding="utf-8"?>
 <p:sld xmlns:a="http://schemas.openxmlformats.org/drawingml/2006/main" xmlns:r="http://schemas.openxmlformats.org/officeDocument/2006/relationships" xmlns:p="http://schemas.openxmlformats.org/presentationml/2006/main">
   <p:cSld>
     <p:bg>
@@ -9833,7 +10657,7 @@
 </p:sld>
 </file>
 
-<file path=ppt/slides/slide16.xml><?xml version="1.0" encoding="utf-8"?>
+<file path=ppt/slides/slide17.xml><?xml version="1.0" encoding="utf-8"?>
 <p:sld xmlns:a="http://schemas.openxmlformats.org/drawingml/2006/main" xmlns:r="http://schemas.openxmlformats.org/officeDocument/2006/relationships" xmlns:p="http://schemas.openxmlformats.org/presentationml/2006/main">
   <p:cSld>
     <p:bg>
@@ -10648,7 +11472,7 @@
 </p:sld>
 </file>
 
-<file path=ppt/slides/slide17.xml><?xml version="1.0" encoding="utf-8"?>
+<file path=ppt/slides/slide18.xml><?xml version="1.0" encoding="utf-8"?>
 <p:sld xmlns:a="http://schemas.openxmlformats.org/drawingml/2006/main" xmlns:r="http://schemas.openxmlformats.org/officeDocument/2006/relationships" xmlns:p="http://schemas.openxmlformats.org/presentationml/2006/main">
   <p:cSld>
     <p:bg>
@@ -14543,7 +15367,7 @@
 </p:sld>
 </file>
 
-<file path=ppt/slides/slide18.xml><?xml version="1.0" encoding="utf-8"?>
+<file path=ppt/slides/slide19.xml><?xml version="1.0" encoding="utf-8"?>
 <p:sld xmlns:a="http://schemas.openxmlformats.org/drawingml/2006/main" xmlns:r="http://schemas.openxmlformats.org/officeDocument/2006/relationships" xmlns:p="http://schemas.openxmlformats.org/presentationml/2006/main">
   <p:cSld>
     <p:bg>
@@ -16269,7 +17093,383 @@
 </p:sld>
 </file>
 
-<file path=ppt/slides/slide19.xml><?xml version="1.0" encoding="utf-8"?>
+<file path=ppt/slides/slide2.xml><?xml version="1.0" encoding="utf-8"?>
+<p:sld xmlns:a="http://schemas.openxmlformats.org/drawingml/2006/main" xmlns:r="http://schemas.openxmlformats.org/officeDocument/2006/relationships" xmlns:p="http://schemas.openxmlformats.org/presentationml/2006/main">
+  <p:cSld>
+    <p:spTree>
+      <p:nvGrpSpPr>
+        <p:cNvPr id="1" name=""/>
+        <p:cNvGrpSpPr/>
+        <p:nvPr/>
+      </p:nvGrpSpPr>
+      <p:grpSpPr>
+        <a:xfrm>
+          <a:off x="0" y="0"/>
+          <a:ext cx="0" cy="0"/>
+          <a:chOff x="0" y="0"/>
+          <a:chExt cx="0" cy="0"/>
+        </a:xfrm>
+      </p:grpSpPr>
+      <p:pic>
+        <p:nvPicPr>
+          <p:cNvPr id="1026" name="Picture 2">
+            <a:extLst>
+              <a:ext uri="{FF2B5EF4-FFF2-40B4-BE49-F238E27FC236}">
+                <a16:creationId xmlns:a16="http://schemas.microsoft.com/office/drawing/2014/main" id="{84F905D7-98AB-C4BF-6B26-B31CED4BEFDF}"/>
+              </a:ext>
+            </a:extLst>
+          </p:cNvPr>
+          <p:cNvPicPr>
+            <a:picLocks noChangeAspect="1" noChangeArrowheads="1"/>
+          </p:cNvPicPr>
+          <p:nvPr/>
+        </p:nvPicPr>
+        <p:blipFill>
+          <a:blip r:embed="rId2">
+            <a:extLst>
+              <a:ext uri="{28A0092B-C50C-407E-A947-70E740481C1C}">
+                <a14:useLocalDpi xmlns:a14="http://schemas.microsoft.com/office/drawing/2010/main" val="0"/>
+              </a:ext>
+            </a:extLst>
+          </a:blip>
+          <a:srcRect/>
+          <a:stretch>
+            <a:fillRect/>
+          </a:stretch>
+        </p:blipFill>
+        <p:spPr bwMode="auto">
+          <a:xfrm>
+            <a:off x="11655868" y="91489"/>
+            <a:ext cx="487539" cy="487539"/>
+          </a:xfrm>
+          <a:prstGeom prst="rect">
+            <a:avLst/>
+          </a:prstGeom>
+          <a:noFill/>
+          <a:extLst>
+            <a:ext uri="{909E8E84-426E-40DD-AFC4-6F175D3DCCD1}">
+              <a14:hiddenFill xmlns:a14="http://schemas.microsoft.com/office/drawing/2010/main">
+                <a:solidFill>
+                  <a:srgbClr val="FFFFFF"/>
+                </a:solidFill>
+              </a14:hiddenFill>
+            </a:ext>
+          </a:extLst>
+        </p:spPr>
+      </p:pic>
+      <p:sp>
+        <p:nvSpPr>
+          <p:cNvPr id="4" name="TextBox 3">
+            <a:extLst>
+              <a:ext uri="{FF2B5EF4-FFF2-40B4-BE49-F238E27FC236}">
+                <a16:creationId xmlns:a16="http://schemas.microsoft.com/office/drawing/2014/main" id="{CE3E8E6B-167C-42CA-A999-FEA8F2E30DA6}"/>
+              </a:ext>
+            </a:extLst>
+          </p:cNvPr>
+          <p:cNvSpPr txBox="1"/>
+          <p:nvPr/>
+        </p:nvSpPr>
+        <p:spPr>
+          <a:xfrm>
+            <a:off x="1394742" y="2577492"/>
+            <a:ext cx="7268916" cy="1384995"/>
+          </a:xfrm>
+          <a:prstGeom prst="rect">
+            <a:avLst/>
+          </a:prstGeom>
+          <a:noFill/>
+        </p:spPr>
+        <p:txBody>
+          <a:bodyPr wrap="square" rtlCol="0">
+            <a:spAutoFit/>
+          </a:bodyPr>
+          <a:lstStyle/>
+          <a:p>
+            <a:r>
+              <a:rPr lang="ko-KR" altLang="en-US" sz="2800" spc="-150" dirty="0">
+                <a:latin typeface="에스코어 드림 8 Heavy" panose="020B0903030302020204" pitchFamily="34" charset="-127"/>
+                <a:ea typeface="에스코어 드림 8 Heavy" panose="020B0903030302020204" pitchFamily="34" charset="-127"/>
+                <a:cs typeface="코트라 고딕체" panose="02020603020101020101" pitchFamily="18" charset="-127"/>
+              </a:rPr>
+              <a:t>깔끔한 디자인을 </a:t>
+            </a:r>
+            <a:endParaRPr lang="en-US" altLang="ko-KR" sz="2800" spc="-150" dirty="0">
+              <a:latin typeface="에스코어 드림 8 Heavy" panose="020B0903030302020204" pitchFamily="34" charset="-127"/>
+              <a:ea typeface="에스코어 드림 8 Heavy" panose="020B0903030302020204" pitchFamily="34" charset="-127"/>
+              <a:cs typeface="코트라 고딕체" panose="02020603020101020101" pitchFamily="18" charset="-127"/>
+            </a:endParaRPr>
+          </a:p>
+          <a:p>
+            <a:r>
+              <a:rPr lang="ko-KR" altLang="en-US" sz="2800" spc="-150" dirty="0">
+                <a:solidFill>
+                  <a:srgbClr val="0081A7"/>
+                </a:solidFill>
+                <a:latin typeface="에스코어 드림 8 Heavy" panose="020B0903030302020204" pitchFamily="34" charset="-127"/>
+                <a:ea typeface="에스코어 드림 8 Heavy" panose="020B0903030302020204" pitchFamily="34" charset="-127"/>
+                <a:cs typeface="코트라 고딕체" panose="02020603020101020101" pitchFamily="18" charset="-127"/>
+              </a:rPr>
+              <a:t>좋아하는</a:t>
+            </a:r>
+            <a:endParaRPr lang="en-US" altLang="ko-KR" sz="2800" spc="-150" dirty="0">
+              <a:solidFill>
+                <a:srgbClr val="0081A7"/>
+              </a:solidFill>
+              <a:latin typeface="에스코어 드림 8 Heavy" panose="020B0903030302020204" pitchFamily="34" charset="-127"/>
+              <a:ea typeface="에스코어 드림 8 Heavy" panose="020B0903030302020204" pitchFamily="34" charset="-127"/>
+              <a:cs typeface="코트라 고딕체" panose="02020603020101020101" pitchFamily="18" charset="-127"/>
+            </a:endParaRPr>
+          </a:p>
+          <a:p>
+            <a:r>
+              <a:rPr lang="ko-KR" altLang="en-US" sz="2800" spc="-150" dirty="0">
+                <a:latin typeface="에스코어 드림 8 Heavy" panose="020B0903030302020204" pitchFamily="34" charset="-127"/>
+                <a:ea typeface="에스코어 드림 8 Heavy" panose="020B0903030302020204" pitchFamily="34" charset="-127"/>
+                <a:cs typeface="코트라 고딕체" panose="02020603020101020101" pitchFamily="18" charset="-127"/>
+              </a:rPr>
+              <a:t>사람들을 위한 템플릿</a:t>
+            </a:r>
+            <a:endParaRPr lang="en-US" altLang="ko-KR" sz="2800" spc="-150" dirty="0">
+              <a:latin typeface="에스코어 드림 8 Heavy" panose="020B0903030302020204" pitchFamily="34" charset="-127"/>
+              <a:ea typeface="에스코어 드림 8 Heavy" panose="020B0903030302020204" pitchFamily="34" charset="-127"/>
+              <a:cs typeface="코트라 고딕체" panose="02020603020101020101" pitchFamily="18" charset="-127"/>
+            </a:endParaRPr>
+          </a:p>
+        </p:txBody>
+      </p:sp>
+      <p:sp>
+        <p:nvSpPr>
+          <p:cNvPr id="5" name="TextBox 4">
+            <a:extLst>
+              <a:ext uri="{FF2B5EF4-FFF2-40B4-BE49-F238E27FC236}">
+                <a16:creationId xmlns:a16="http://schemas.microsoft.com/office/drawing/2014/main" id="{301F0919-AA85-4900-A00D-C69B442AD62F}"/>
+              </a:ext>
+            </a:extLst>
+          </p:cNvPr>
+          <p:cNvSpPr txBox="1"/>
+          <p:nvPr/>
+        </p:nvSpPr>
+        <p:spPr>
+          <a:xfrm>
+            <a:off x="1406854" y="2408192"/>
+            <a:ext cx="2948658" cy="276999"/>
+          </a:xfrm>
+          <a:prstGeom prst="rect">
+            <a:avLst/>
+          </a:prstGeom>
+          <a:noFill/>
+        </p:spPr>
+        <p:txBody>
+          <a:bodyPr wrap="square" rtlCol="0">
+            <a:spAutoFit/>
+          </a:bodyPr>
+          <a:lstStyle/>
+          <a:p>
+            <a:r>
+              <a:rPr lang="ko-KR" altLang="en-US" sz="1200" spc="-150" dirty="0">
+                <a:latin typeface="에스코어 드림 4 Regular" panose="020B0503030302020204" pitchFamily="34" charset="-127"/>
+                <a:ea typeface="에스코어 드림 4 Regular" panose="020B0503030302020204" pitchFamily="34" charset="-127"/>
+              </a:rPr>
+              <a:t>심플하게 가지만</a:t>
+            </a:r>
+            <a:r>
+              <a:rPr lang="en-US" altLang="ko-KR" sz="1200" spc="-150" dirty="0">
+                <a:latin typeface="에스코어 드림 4 Regular" panose="020B0503030302020204" pitchFamily="34" charset="-127"/>
+                <a:ea typeface="에스코어 드림 4 Regular" panose="020B0503030302020204" pitchFamily="34" charset="-127"/>
+              </a:rPr>
+              <a:t>, </a:t>
+            </a:r>
+            <a:r>
+              <a:rPr lang="ko-KR" altLang="en-US" sz="1200" spc="-150" dirty="0">
+                <a:latin typeface="에스코어 드림 4 Regular" panose="020B0503030302020204" pitchFamily="34" charset="-127"/>
+                <a:ea typeface="에스코어 드림 4 Regular" panose="020B0503030302020204" pitchFamily="34" charset="-127"/>
+              </a:rPr>
+              <a:t>강조할 포인트는 다 챙길 꺼야</a:t>
+            </a:r>
+          </a:p>
+        </p:txBody>
+      </p:sp>
+      <p:sp>
+        <p:nvSpPr>
+          <p:cNvPr id="6" name="TextBox 5">
+            <a:extLst>
+              <a:ext uri="{FF2B5EF4-FFF2-40B4-BE49-F238E27FC236}">
+                <a16:creationId xmlns:a16="http://schemas.microsoft.com/office/drawing/2014/main" id="{C22AB716-4B23-446A-B27C-F24286BF861D}"/>
+              </a:ext>
+            </a:extLst>
+          </p:cNvPr>
+          <p:cNvSpPr txBox="1"/>
+          <p:nvPr/>
+        </p:nvSpPr>
+        <p:spPr>
+          <a:xfrm>
+            <a:off x="5360765" y="6381750"/>
+            <a:ext cx="1748288" cy="307777"/>
+          </a:xfrm>
+          <a:prstGeom prst="rect">
+            <a:avLst/>
+          </a:prstGeom>
+          <a:noFill/>
+        </p:spPr>
+        <p:txBody>
+          <a:bodyPr wrap="square" rtlCol="0">
+            <a:spAutoFit/>
+          </a:bodyPr>
+          <a:lstStyle/>
+          <a:p>
+            <a:pPr algn="ctr"/>
+            <a:r>
+              <a:rPr lang="en-US" altLang="ko-KR" sz="1400" spc="-150" dirty="0">
+                <a:latin typeface="에스코어 드림 4 Regular" panose="020B0503030302020204" pitchFamily="34" charset="-127"/>
+                <a:ea typeface="에스코어 드림 4 Regular" panose="020B0503030302020204" pitchFamily="34" charset="-127"/>
+              </a:rPr>
+              <a:t>Name</a:t>
+            </a:r>
+            <a:endParaRPr lang="ko-KR" altLang="en-US" sz="1400" spc="-150" dirty="0">
+              <a:latin typeface="에스코어 드림 4 Regular" panose="020B0503030302020204" pitchFamily="34" charset="-127"/>
+              <a:ea typeface="에스코어 드림 4 Regular" panose="020B0503030302020204" pitchFamily="34" charset="-127"/>
+            </a:endParaRPr>
+          </a:p>
+        </p:txBody>
+      </p:sp>
+      <p:cxnSp>
+        <p:nvCxnSpPr>
+          <p:cNvPr id="25" name="직선 연결선 24">
+            <a:extLst>
+              <a:ext uri="{FF2B5EF4-FFF2-40B4-BE49-F238E27FC236}">
+                <a16:creationId xmlns:a16="http://schemas.microsoft.com/office/drawing/2014/main" id="{CC1FD5D9-0E24-4680-812C-3E57EB16C56F}"/>
+              </a:ext>
+            </a:extLst>
+          </p:cNvPr>
+          <p:cNvCxnSpPr>
+            <a:cxnSpLocks/>
+          </p:cNvCxnSpPr>
+          <p:nvPr/>
+        </p:nvCxnSpPr>
+        <p:spPr>
+          <a:xfrm>
+            <a:off x="5702568" y="6381750"/>
+            <a:ext cx="1064683" cy="0"/>
+          </a:xfrm>
+          <a:prstGeom prst="line">
+            <a:avLst/>
+          </a:prstGeom>
+        </p:spPr>
+        <p:style>
+          <a:lnRef idx="1">
+            <a:schemeClr val="dk1"/>
+          </a:lnRef>
+          <a:fillRef idx="0">
+            <a:schemeClr val="dk1"/>
+          </a:fillRef>
+          <a:effectRef idx="0">
+            <a:schemeClr val="dk1"/>
+          </a:effectRef>
+          <a:fontRef idx="minor">
+            <a:schemeClr val="tx1"/>
+          </a:fontRef>
+        </p:style>
+      </p:cxnSp>
+      <p:cxnSp>
+        <p:nvCxnSpPr>
+          <p:cNvPr id="37" name="직선 연결선 36">
+            <a:extLst>
+              <a:ext uri="{FF2B5EF4-FFF2-40B4-BE49-F238E27FC236}">
+                <a16:creationId xmlns:a16="http://schemas.microsoft.com/office/drawing/2014/main" id="{9E23544E-6BA9-42ED-8146-B4699CFA84AD}"/>
+              </a:ext>
+            </a:extLst>
+          </p:cNvPr>
+          <p:cNvCxnSpPr>
+            <a:cxnSpLocks/>
+          </p:cNvCxnSpPr>
+          <p:nvPr/>
+        </p:nvCxnSpPr>
+        <p:spPr>
+          <a:xfrm>
+            <a:off x="2876424" y="3269989"/>
+            <a:ext cx="9315576" cy="0"/>
+          </a:xfrm>
+          <a:prstGeom prst="line">
+            <a:avLst/>
+          </a:prstGeom>
+          <a:ln w="9525">
+            <a:solidFill>
+              <a:srgbClr val="0081A7"/>
+            </a:solidFill>
+          </a:ln>
+        </p:spPr>
+        <p:style>
+          <a:lnRef idx="1">
+            <a:schemeClr val="accent1"/>
+          </a:lnRef>
+          <a:fillRef idx="0">
+            <a:schemeClr val="accent1"/>
+          </a:fillRef>
+          <a:effectRef idx="0">
+            <a:schemeClr val="accent1"/>
+          </a:effectRef>
+          <a:fontRef idx="minor">
+            <a:schemeClr val="tx1"/>
+          </a:fontRef>
+        </p:style>
+      </p:cxnSp>
+      <p:cxnSp>
+        <p:nvCxnSpPr>
+          <p:cNvPr id="51" name="직선 연결선 50">
+            <a:extLst>
+              <a:ext uri="{FF2B5EF4-FFF2-40B4-BE49-F238E27FC236}">
+                <a16:creationId xmlns:a16="http://schemas.microsoft.com/office/drawing/2014/main" id="{39082B28-6966-405E-98C2-B86531ACAFD2}"/>
+              </a:ext>
+            </a:extLst>
+          </p:cNvPr>
+          <p:cNvCxnSpPr>
+            <a:cxnSpLocks/>
+          </p:cNvCxnSpPr>
+          <p:nvPr/>
+        </p:nvCxnSpPr>
+        <p:spPr>
+          <a:xfrm>
+            <a:off x="165100" y="3269728"/>
+            <a:ext cx="1274092" cy="1"/>
+          </a:xfrm>
+          <a:prstGeom prst="line">
+            <a:avLst/>
+          </a:prstGeom>
+          <a:ln w="9525">
+            <a:solidFill>
+              <a:srgbClr val="0081A7"/>
+            </a:solidFill>
+          </a:ln>
+        </p:spPr>
+        <p:style>
+          <a:lnRef idx="1">
+            <a:schemeClr val="accent1"/>
+          </a:lnRef>
+          <a:fillRef idx="0">
+            <a:schemeClr val="accent1"/>
+          </a:fillRef>
+          <a:effectRef idx="0">
+            <a:schemeClr val="accent1"/>
+          </a:effectRef>
+          <a:fontRef idx="minor">
+            <a:schemeClr val="tx1"/>
+          </a:fontRef>
+        </p:style>
+      </p:cxnSp>
+    </p:spTree>
+    <p:extLst>
+      <p:ext uri="{BB962C8B-B14F-4D97-AF65-F5344CB8AC3E}">
+        <p14:creationId xmlns:p14="http://schemas.microsoft.com/office/powerpoint/2010/main" val="1883292546"/>
+      </p:ext>
+    </p:extLst>
+  </p:cSld>
+  <p:clrMapOvr>
+    <a:masterClrMapping/>
+  </p:clrMapOvr>
+</p:sld>
+</file>
+
+<file path=ppt/slides/slide20.xml><?xml version="1.0" encoding="utf-8"?>
 <p:sld xmlns:a="http://schemas.openxmlformats.org/drawingml/2006/main" xmlns:r="http://schemas.openxmlformats.org/officeDocument/2006/relationships" xmlns:p="http://schemas.openxmlformats.org/presentationml/2006/main">
   <p:cSld>
     <p:bg>
@@ -17082,383 +18282,7 @@
 </p:sld>
 </file>
 
-<file path=ppt/slides/slide2.xml><?xml version="1.0" encoding="utf-8"?>
-<p:sld xmlns:a="http://schemas.openxmlformats.org/drawingml/2006/main" xmlns:r="http://schemas.openxmlformats.org/officeDocument/2006/relationships" xmlns:p="http://schemas.openxmlformats.org/presentationml/2006/main">
-  <p:cSld>
-    <p:spTree>
-      <p:nvGrpSpPr>
-        <p:cNvPr id="1" name=""/>
-        <p:cNvGrpSpPr/>
-        <p:nvPr/>
-      </p:nvGrpSpPr>
-      <p:grpSpPr>
-        <a:xfrm>
-          <a:off x="0" y="0"/>
-          <a:ext cx="0" cy="0"/>
-          <a:chOff x="0" y="0"/>
-          <a:chExt cx="0" cy="0"/>
-        </a:xfrm>
-      </p:grpSpPr>
-      <p:pic>
-        <p:nvPicPr>
-          <p:cNvPr id="1026" name="Picture 2">
-            <a:extLst>
-              <a:ext uri="{FF2B5EF4-FFF2-40B4-BE49-F238E27FC236}">
-                <a16:creationId xmlns:a16="http://schemas.microsoft.com/office/drawing/2014/main" id="{84F905D7-98AB-C4BF-6B26-B31CED4BEFDF}"/>
-              </a:ext>
-            </a:extLst>
-          </p:cNvPr>
-          <p:cNvPicPr>
-            <a:picLocks noChangeAspect="1" noChangeArrowheads="1"/>
-          </p:cNvPicPr>
-          <p:nvPr/>
-        </p:nvPicPr>
-        <p:blipFill>
-          <a:blip r:embed="rId2">
-            <a:extLst>
-              <a:ext uri="{28A0092B-C50C-407E-A947-70E740481C1C}">
-                <a14:useLocalDpi xmlns:a14="http://schemas.microsoft.com/office/drawing/2010/main" val="0"/>
-              </a:ext>
-            </a:extLst>
-          </a:blip>
-          <a:srcRect/>
-          <a:stretch>
-            <a:fillRect/>
-          </a:stretch>
-        </p:blipFill>
-        <p:spPr bwMode="auto">
-          <a:xfrm>
-            <a:off x="11655868" y="91489"/>
-            <a:ext cx="487539" cy="487539"/>
-          </a:xfrm>
-          <a:prstGeom prst="rect">
-            <a:avLst/>
-          </a:prstGeom>
-          <a:noFill/>
-          <a:extLst>
-            <a:ext uri="{909E8E84-426E-40DD-AFC4-6F175D3DCCD1}">
-              <a14:hiddenFill xmlns:a14="http://schemas.microsoft.com/office/drawing/2010/main">
-                <a:solidFill>
-                  <a:srgbClr val="FFFFFF"/>
-                </a:solidFill>
-              </a14:hiddenFill>
-            </a:ext>
-          </a:extLst>
-        </p:spPr>
-      </p:pic>
-      <p:sp>
-        <p:nvSpPr>
-          <p:cNvPr id="4" name="TextBox 3">
-            <a:extLst>
-              <a:ext uri="{FF2B5EF4-FFF2-40B4-BE49-F238E27FC236}">
-                <a16:creationId xmlns:a16="http://schemas.microsoft.com/office/drawing/2014/main" id="{CE3E8E6B-167C-42CA-A999-FEA8F2E30DA6}"/>
-              </a:ext>
-            </a:extLst>
-          </p:cNvPr>
-          <p:cNvSpPr txBox="1"/>
-          <p:nvPr/>
-        </p:nvSpPr>
-        <p:spPr>
-          <a:xfrm>
-            <a:off x="1394742" y="2577492"/>
-            <a:ext cx="7268916" cy="1384995"/>
-          </a:xfrm>
-          <a:prstGeom prst="rect">
-            <a:avLst/>
-          </a:prstGeom>
-          <a:noFill/>
-        </p:spPr>
-        <p:txBody>
-          <a:bodyPr wrap="square" rtlCol="0">
-            <a:spAutoFit/>
-          </a:bodyPr>
-          <a:lstStyle/>
-          <a:p>
-            <a:r>
-              <a:rPr lang="ko-KR" altLang="en-US" sz="2800" spc="-150" dirty="0">
-                <a:latin typeface="에스코어 드림 8 Heavy" panose="020B0903030302020204" pitchFamily="34" charset="-127"/>
-                <a:ea typeface="에스코어 드림 8 Heavy" panose="020B0903030302020204" pitchFamily="34" charset="-127"/>
-                <a:cs typeface="코트라 고딕체" panose="02020603020101020101" pitchFamily="18" charset="-127"/>
-              </a:rPr>
-              <a:t>깔끔한 디자인을 </a:t>
-            </a:r>
-            <a:endParaRPr lang="en-US" altLang="ko-KR" sz="2800" spc="-150" dirty="0">
-              <a:latin typeface="에스코어 드림 8 Heavy" panose="020B0903030302020204" pitchFamily="34" charset="-127"/>
-              <a:ea typeface="에스코어 드림 8 Heavy" panose="020B0903030302020204" pitchFamily="34" charset="-127"/>
-              <a:cs typeface="코트라 고딕체" panose="02020603020101020101" pitchFamily="18" charset="-127"/>
-            </a:endParaRPr>
-          </a:p>
-          <a:p>
-            <a:r>
-              <a:rPr lang="ko-KR" altLang="en-US" sz="2800" spc="-150" dirty="0">
-                <a:solidFill>
-                  <a:srgbClr val="0081A7"/>
-                </a:solidFill>
-                <a:latin typeface="에스코어 드림 8 Heavy" panose="020B0903030302020204" pitchFamily="34" charset="-127"/>
-                <a:ea typeface="에스코어 드림 8 Heavy" panose="020B0903030302020204" pitchFamily="34" charset="-127"/>
-                <a:cs typeface="코트라 고딕체" panose="02020603020101020101" pitchFamily="18" charset="-127"/>
-              </a:rPr>
-              <a:t>좋아하는</a:t>
-            </a:r>
-            <a:endParaRPr lang="en-US" altLang="ko-KR" sz="2800" spc="-150" dirty="0">
-              <a:solidFill>
-                <a:srgbClr val="0081A7"/>
-              </a:solidFill>
-              <a:latin typeface="에스코어 드림 8 Heavy" panose="020B0903030302020204" pitchFamily="34" charset="-127"/>
-              <a:ea typeface="에스코어 드림 8 Heavy" panose="020B0903030302020204" pitchFamily="34" charset="-127"/>
-              <a:cs typeface="코트라 고딕체" panose="02020603020101020101" pitchFamily="18" charset="-127"/>
-            </a:endParaRPr>
-          </a:p>
-          <a:p>
-            <a:r>
-              <a:rPr lang="ko-KR" altLang="en-US" sz="2800" spc="-150" dirty="0">
-                <a:latin typeface="에스코어 드림 8 Heavy" panose="020B0903030302020204" pitchFamily="34" charset="-127"/>
-                <a:ea typeface="에스코어 드림 8 Heavy" panose="020B0903030302020204" pitchFamily="34" charset="-127"/>
-                <a:cs typeface="코트라 고딕체" panose="02020603020101020101" pitchFamily="18" charset="-127"/>
-              </a:rPr>
-              <a:t>사람들을 위한 템플릿</a:t>
-            </a:r>
-            <a:endParaRPr lang="en-US" altLang="ko-KR" sz="2800" spc="-150" dirty="0">
-              <a:latin typeface="에스코어 드림 8 Heavy" panose="020B0903030302020204" pitchFamily="34" charset="-127"/>
-              <a:ea typeface="에스코어 드림 8 Heavy" panose="020B0903030302020204" pitchFamily="34" charset="-127"/>
-              <a:cs typeface="코트라 고딕체" panose="02020603020101020101" pitchFamily="18" charset="-127"/>
-            </a:endParaRPr>
-          </a:p>
-        </p:txBody>
-      </p:sp>
-      <p:sp>
-        <p:nvSpPr>
-          <p:cNvPr id="5" name="TextBox 4">
-            <a:extLst>
-              <a:ext uri="{FF2B5EF4-FFF2-40B4-BE49-F238E27FC236}">
-                <a16:creationId xmlns:a16="http://schemas.microsoft.com/office/drawing/2014/main" id="{301F0919-AA85-4900-A00D-C69B442AD62F}"/>
-              </a:ext>
-            </a:extLst>
-          </p:cNvPr>
-          <p:cNvSpPr txBox="1"/>
-          <p:nvPr/>
-        </p:nvSpPr>
-        <p:spPr>
-          <a:xfrm>
-            <a:off x="1406854" y="2408192"/>
-            <a:ext cx="2948658" cy="276999"/>
-          </a:xfrm>
-          <a:prstGeom prst="rect">
-            <a:avLst/>
-          </a:prstGeom>
-          <a:noFill/>
-        </p:spPr>
-        <p:txBody>
-          <a:bodyPr wrap="square" rtlCol="0">
-            <a:spAutoFit/>
-          </a:bodyPr>
-          <a:lstStyle/>
-          <a:p>
-            <a:r>
-              <a:rPr lang="ko-KR" altLang="en-US" sz="1200" spc="-150" dirty="0">
-                <a:latin typeface="에스코어 드림 4 Regular" panose="020B0503030302020204" pitchFamily="34" charset="-127"/>
-                <a:ea typeface="에스코어 드림 4 Regular" panose="020B0503030302020204" pitchFamily="34" charset="-127"/>
-              </a:rPr>
-              <a:t>심플하게 가지만</a:t>
-            </a:r>
-            <a:r>
-              <a:rPr lang="en-US" altLang="ko-KR" sz="1200" spc="-150" dirty="0">
-                <a:latin typeface="에스코어 드림 4 Regular" panose="020B0503030302020204" pitchFamily="34" charset="-127"/>
-                <a:ea typeface="에스코어 드림 4 Regular" panose="020B0503030302020204" pitchFamily="34" charset="-127"/>
-              </a:rPr>
-              <a:t>, </a:t>
-            </a:r>
-            <a:r>
-              <a:rPr lang="ko-KR" altLang="en-US" sz="1200" spc="-150" dirty="0">
-                <a:latin typeface="에스코어 드림 4 Regular" panose="020B0503030302020204" pitchFamily="34" charset="-127"/>
-                <a:ea typeface="에스코어 드림 4 Regular" panose="020B0503030302020204" pitchFamily="34" charset="-127"/>
-              </a:rPr>
-              <a:t>강조할 포인트는 다 챙길 꺼야</a:t>
-            </a:r>
-          </a:p>
-        </p:txBody>
-      </p:sp>
-      <p:sp>
-        <p:nvSpPr>
-          <p:cNvPr id="6" name="TextBox 5">
-            <a:extLst>
-              <a:ext uri="{FF2B5EF4-FFF2-40B4-BE49-F238E27FC236}">
-                <a16:creationId xmlns:a16="http://schemas.microsoft.com/office/drawing/2014/main" id="{C22AB716-4B23-446A-B27C-F24286BF861D}"/>
-              </a:ext>
-            </a:extLst>
-          </p:cNvPr>
-          <p:cNvSpPr txBox="1"/>
-          <p:nvPr/>
-        </p:nvSpPr>
-        <p:spPr>
-          <a:xfrm>
-            <a:off x="5360765" y="6381750"/>
-            <a:ext cx="1748288" cy="307777"/>
-          </a:xfrm>
-          <a:prstGeom prst="rect">
-            <a:avLst/>
-          </a:prstGeom>
-          <a:noFill/>
-        </p:spPr>
-        <p:txBody>
-          <a:bodyPr wrap="square" rtlCol="0">
-            <a:spAutoFit/>
-          </a:bodyPr>
-          <a:lstStyle/>
-          <a:p>
-            <a:pPr algn="ctr"/>
-            <a:r>
-              <a:rPr lang="en-US" altLang="ko-KR" sz="1400" spc="-150" dirty="0">
-                <a:latin typeface="에스코어 드림 4 Regular" panose="020B0503030302020204" pitchFamily="34" charset="-127"/>
-                <a:ea typeface="에스코어 드림 4 Regular" panose="020B0503030302020204" pitchFamily="34" charset="-127"/>
-              </a:rPr>
-              <a:t>Name</a:t>
-            </a:r>
-            <a:endParaRPr lang="ko-KR" altLang="en-US" sz="1400" spc="-150" dirty="0">
-              <a:latin typeface="에스코어 드림 4 Regular" panose="020B0503030302020204" pitchFamily="34" charset="-127"/>
-              <a:ea typeface="에스코어 드림 4 Regular" panose="020B0503030302020204" pitchFamily="34" charset="-127"/>
-            </a:endParaRPr>
-          </a:p>
-        </p:txBody>
-      </p:sp>
-      <p:cxnSp>
-        <p:nvCxnSpPr>
-          <p:cNvPr id="25" name="직선 연결선 24">
-            <a:extLst>
-              <a:ext uri="{FF2B5EF4-FFF2-40B4-BE49-F238E27FC236}">
-                <a16:creationId xmlns:a16="http://schemas.microsoft.com/office/drawing/2014/main" id="{CC1FD5D9-0E24-4680-812C-3E57EB16C56F}"/>
-              </a:ext>
-            </a:extLst>
-          </p:cNvPr>
-          <p:cNvCxnSpPr>
-            <a:cxnSpLocks/>
-          </p:cNvCxnSpPr>
-          <p:nvPr/>
-        </p:nvCxnSpPr>
-        <p:spPr>
-          <a:xfrm>
-            <a:off x="5702568" y="6381750"/>
-            <a:ext cx="1064683" cy="0"/>
-          </a:xfrm>
-          <a:prstGeom prst="line">
-            <a:avLst/>
-          </a:prstGeom>
-        </p:spPr>
-        <p:style>
-          <a:lnRef idx="1">
-            <a:schemeClr val="dk1"/>
-          </a:lnRef>
-          <a:fillRef idx="0">
-            <a:schemeClr val="dk1"/>
-          </a:fillRef>
-          <a:effectRef idx="0">
-            <a:schemeClr val="dk1"/>
-          </a:effectRef>
-          <a:fontRef idx="minor">
-            <a:schemeClr val="tx1"/>
-          </a:fontRef>
-        </p:style>
-      </p:cxnSp>
-      <p:cxnSp>
-        <p:nvCxnSpPr>
-          <p:cNvPr id="37" name="직선 연결선 36">
-            <a:extLst>
-              <a:ext uri="{FF2B5EF4-FFF2-40B4-BE49-F238E27FC236}">
-                <a16:creationId xmlns:a16="http://schemas.microsoft.com/office/drawing/2014/main" id="{9E23544E-6BA9-42ED-8146-B4699CFA84AD}"/>
-              </a:ext>
-            </a:extLst>
-          </p:cNvPr>
-          <p:cNvCxnSpPr>
-            <a:cxnSpLocks/>
-          </p:cNvCxnSpPr>
-          <p:nvPr/>
-        </p:nvCxnSpPr>
-        <p:spPr>
-          <a:xfrm>
-            <a:off x="2876424" y="3269989"/>
-            <a:ext cx="9315576" cy="0"/>
-          </a:xfrm>
-          <a:prstGeom prst="line">
-            <a:avLst/>
-          </a:prstGeom>
-          <a:ln w="9525">
-            <a:solidFill>
-              <a:srgbClr val="0081A7"/>
-            </a:solidFill>
-          </a:ln>
-        </p:spPr>
-        <p:style>
-          <a:lnRef idx="1">
-            <a:schemeClr val="accent1"/>
-          </a:lnRef>
-          <a:fillRef idx="0">
-            <a:schemeClr val="accent1"/>
-          </a:fillRef>
-          <a:effectRef idx="0">
-            <a:schemeClr val="accent1"/>
-          </a:effectRef>
-          <a:fontRef idx="minor">
-            <a:schemeClr val="tx1"/>
-          </a:fontRef>
-        </p:style>
-      </p:cxnSp>
-      <p:cxnSp>
-        <p:nvCxnSpPr>
-          <p:cNvPr id="51" name="직선 연결선 50">
-            <a:extLst>
-              <a:ext uri="{FF2B5EF4-FFF2-40B4-BE49-F238E27FC236}">
-                <a16:creationId xmlns:a16="http://schemas.microsoft.com/office/drawing/2014/main" id="{39082B28-6966-405E-98C2-B86531ACAFD2}"/>
-              </a:ext>
-            </a:extLst>
-          </p:cNvPr>
-          <p:cNvCxnSpPr>
-            <a:cxnSpLocks/>
-          </p:cNvCxnSpPr>
-          <p:nvPr/>
-        </p:nvCxnSpPr>
-        <p:spPr>
-          <a:xfrm>
-            <a:off x="165100" y="3269728"/>
-            <a:ext cx="1274092" cy="1"/>
-          </a:xfrm>
-          <a:prstGeom prst="line">
-            <a:avLst/>
-          </a:prstGeom>
-          <a:ln w="9525">
-            <a:solidFill>
-              <a:srgbClr val="0081A7"/>
-            </a:solidFill>
-          </a:ln>
-        </p:spPr>
-        <p:style>
-          <a:lnRef idx="1">
-            <a:schemeClr val="accent1"/>
-          </a:lnRef>
-          <a:fillRef idx="0">
-            <a:schemeClr val="accent1"/>
-          </a:fillRef>
-          <a:effectRef idx="0">
-            <a:schemeClr val="accent1"/>
-          </a:effectRef>
-          <a:fontRef idx="minor">
-            <a:schemeClr val="tx1"/>
-          </a:fontRef>
-        </p:style>
-      </p:cxnSp>
-    </p:spTree>
-    <p:extLst>
-      <p:ext uri="{BB962C8B-B14F-4D97-AF65-F5344CB8AC3E}">
-        <p14:creationId xmlns:p14="http://schemas.microsoft.com/office/powerpoint/2010/main" val="1883292546"/>
-      </p:ext>
-    </p:extLst>
-  </p:cSld>
-  <p:clrMapOvr>
-    <a:masterClrMapping/>
-  </p:clrMapOvr>
-</p:sld>
-</file>
-
-<file path=ppt/slides/slide20.xml><?xml version="1.0" encoding="utf-8"?>
+<file path=ppt/slides/slide21.xml><?xml version="1.0" encoding="utf-8"?>
 <p:sld xmlns:a="http://schemas.openxmlformats.org/drawingml/2006/main" xmlns:r="http://schemas.openxmlformats.org/officeDocument/2006/relationships" xmlns:p="http://schemas.openxmlformats.org/presentationml/2006/main">
   <p:cSld>
     <p:bg>
@@ -18807,7 +19631,7 @@
 </p:sld>
 </file>
 
-<file path=ppt/slides/slide21.xml><?xml version="1.0" encoding="utf-8"?>
+<file path=ppt/slides/slide22.xml><?xml version="1.0" encoding="utf-8"?>
 <p:sld xmlns:a="http://schemas.openxmlformats.org/drawingml/2006/main" xmlns:r="http://schemas.openxmlformats.org/officeDocument/2006/relationships" xmlns:p="http://schemas.openxmlformats.org/presentationml/2006/main">
   <p:cSld>
     <p:bg>
@@ -19638,7 +20462,7 @@
 </p:sld>
 </file>
 
-<file path=ppt/slides/slide22.xml><?xml version="1.0" encoding="utf-8"?>
+<file path=ppt/slides/slide23.xml><?xml version="1.0" encoding="utf-8"?>
 <p:sld xmlns:a="http://schemas.openxmlformats.org/drawingml/2006/main" xmlns:r="http://schemas.openxmlformats.org/officeDocument/2006/relationships" xmlns:p="http://schemas.openxmlformats.org/presentationml/2006/main">
   <p:cSld>
     <p:bg>
@@ -24329,13 +25153,13 @@
           <p:nvPr>
             <p:extLst>
               <p:ext uri="{D42A27DB-BD31-4B8C-83A1-F6EECF244321}">
-                <p14:modId xmlns:p14="http://schemas.microsoft.com/office/powerpoint/2010/main" val="3502891311"/>
+                <p14:modId xmlns:p14="http://schemas.microsoft.com/office/powerpoint/2010/main" val="4225783134"/>
               </p:ext>
             </p:extLst>
           </p:nvPr>
         </p:nvGraphicFramePr>
         <p:xfrm>
-          <a:off x="10679736" y="2321122"/>
+          <a:off x="10737083" y="2270124"/>
           <a:ext cx="208280" cy="2560320"/>
         </p:xfrm>
         <a:graphic>
@@ -24504,7 +25328,7 @@
             <a:avLst/>
           </a:prstGeom>
           <a:solidFill>
-            <a:srgbClr val="0081A7"/>
+            <a:srgbClr val="93A201"/>
           </a:solidFill>
           <a:ln>
             <a:noFill/>
@@ -24556,7 +25380,10 @@
             <a:avLst/>
           </a:prstGeom>
           <a:solidFill>
-            <a:srgbClr val="0081A7"/>
+            <a:schemeClr val="accent2">
+              <a:lumMod val="60000"/>
+              <a:lumOff val="40000"/>
+            </a:schemeClr>
           </a:solidFill>
           <a:ln>
             <a:noFill/>
@@ -24608,7 +25435,7 @@
             <a:avLst/>
           </a:prstGeom>
           <a:solidFill>
-            <a:srgbClr val="0081A7"/>
+            <a:srgbClr val="93A201"/>
           </a:solidFill>
           <a:ln>
             <a:noFill/>
@@ -24660,7 +25487,10 @@
             <a:avLst/>
           </a:prstGeom>
           <a:solidFill>
-            <a:srgbClr val="0081A7"/>
+            <a:schemeClr val="accent2">
+              <a:lumMod val="60000"/>
+              <a:lumOff val="40000"/>
+            </a:schemeClr>
           </a:solidFill>
           <a:ln>
             <a:noFill/>
@@ -24712,7 +25542,7 @@
             <a:avLst/>
           </a:prstGeom>
           <a:solidFill>
-            <a:srgbClr val="0081A7"/>
+            <a:srgbClr val="93A201"/>
           </a:solidFill>
           <a:ln>
             <a:noFill/>
@@ -24764,7 +25594,10 @@
             <a:avLst/>
           </a:prstGeom>
           <a:solidFill>
-            <a:srgbClr val="0081A7"/>
+            <a:schemeClr val="accent2">
+              <a:lumMod val="60000"/>
+              <a:lumOff val="40000"/>
+            </a:schemeClr>
           </a:solidFill>
           <a:ln>
             <a:noFill/>
@@ -25547,66 +26380,14 @@
         </p:nvSpPr>
         <p:spPr>
           <a:xfrm>
-            <a:off x="5187235" y="907244"/>
+            <a:off x="5550384" y="2123892"/>
             <a:ext cx="304800" cy="1233054"/>
           </a:xfrm>
           <a:prstGeom prst="rect">
             <a:avLst/>
           </a:prstGeom>
           <a:solidFill>
-            <a:srgbClr val="0081A7"/>
-          </a:solidFill>
-          <a:ln>
-            <a:noFill/>
-          </a:ln>
-        </p:spPr>
-        <p:style>
-          <a:lnRef idx="2">
-            <a:schemeClr val="accent1">
-              <a:shade val="15000"/>
-            </a:schemeClr>
-          </a:lnRef>
-          <a:fillRef idx="1">
-            <a:schemeClr val="accent1"/>
-          </a:fillRef>
-          <a:effectRef idx="0">
-            <a:schemeClr val="accent1"/>
-          </a:effectRef>
-          <a:fontRef idx="minor">
-            <a:schemeClr val="lt1"/>
-          </a:fontRef>
-        </p:style>
-        <p:txBody>
-          <a:bodyPr rtlCol="0" anchor="ctr"/>
-          <a:lstStyle/>
-          <a:p>
-            <a:pPr algn="ctr"/>
-            <a:endParaRPr kumimoji="1" lang="ko-KR" altLang="en-US"/>
-          </a:p>
-        </p:txBody>
-      </p:sp>
-      <p:sp>
-        <p:nvSpPr>
-          <p:cNvPr id="44" name="직사각형 43">
-            <a:extLst>
-              <a:ext uri="{FF2B5EF4-FFF2-40B4-BE49-F238E27FC236}">
-                <a16:creationId xmlns:a16="http://schemas.microsoft.com/office/drawing/2014/main" id="{FBA75380-E0AA-95DA-76F9-019D2225CE5A}"/>
-              </a:ext>
-            </a:extLst>
-          </p:cNvPr>
-          <p:cNvSpPr/>
-          <p:nvPr/>
-        </p:nvSpPr>
-        <p:spPr>
-          <a:xfrm>
-            <a:off x="5187235" y="2927048"/>
-            <a:ext cx="304800" cy="1233054"/>
-          </a:xfrm>
-          <a:prstGeom prst="rect">
-            <a:avLst/>
-          </a:prstGeom>
-          <a:solidFill>
-            <a:srgbClr val="0081A7"/>
+            <a:srgbClr val="93A201"/>
           </a:solidFill>
           <a:ln>
             <a:noFill/>
@@ -25651,14 +26432,17 @@
         </p:nvSpPr>
         <p:spPr>
           <a:xfrm>
-            <a:off x="5187235" y="4950312"/>
+            <a:off x="5550252" y="3688711"/>
             <a:ext cx="304800" cy="1233054"/>
           </a:xfrm>
           <a:prstGeom prst="rect">
             <a:avLst/>
           </a:prstGeom>
           <a:solidFill>
-            <a:srgbClr val="0081A7"/>
+            <a:schemeClr val="accent2">
+              <a:lumMod val="60000"/>
+              <a:lumOff val="40000"/>
+            </a:schemeClr>
           </a:solidFill>
           <a:ln>
             <a:noFill/>
@@ -25689,8 +26473,8 @@
           </a:p>
         </p:txBody>
       </p:sp>
-      <mc:AlternateContent xmlns:mc="http://schemas.openxmlformats.org/markup-compatibility/2006" xmlns:a14="http://schemas.microsoft.com/office/drawing/2010/main">
-        <mc:Choice Requires="a14">
+      <mc:AlternateContent xmlns:mc="http://schemas.openxmlformats.org/markup-compatibility/2006">
+        <mc:Choice xmlns:a14="http://schemas.microsoft.com/office/drawing/2010/main" Requires="a14">
           <p:sp>
             <p:nvSpPr>
               <p:cNvPr id="46" name="TextBox 45">
@@ -25705,8 +26489,8 @@
             </p:nvSpPr>
             <p:spPr>
               <a:xfrm>
-                <a:off x="5492035" y="1339106"/>
-                <a:ext cx="1720535" cy="278025"/>
+                <a:off x="5851420" y="2673064"/>
+                <a:ext cx="1963358" cy="278025"/>
               </a:xfrm>
               <a:prstGeom prst="rect">
                 <a:avLst/>
@@ -25723,40 +26507,9 @@
                 <a14:m>
                   <m:oMathPara xmlns:m="http://schemas.openxmlformats.org/officeDocument/2006/math">
                     <m:oMathParaPr>
-                      <m:jc m:val="centerGroup"/>
+                      <m:jc m:val="center"/>
                     </m:oMathParaPr>
                     <m:oMath xmlns:m="http://schemas.openxmlformats.org/officeDocument/2006/math">
-                      <m:sSub>
-                        <m:sSubPr>
-                          <m:ctrlPr>
-                            <a:rPr kumimoji="1" lang="en-US" altLang="ko-KR" b="0" i="1" smtClean="0">
-                              <a:latin typeface="Cambria Math" panose="02040503050406030204" pitchFamily="18" charset="0"/>
-                            </a:rPr>
-                          </m:ctrlPr>
-                        </m:sSubPr>
-                        <m:e>
-                          <m:r>
-                            <a:rPr kumimoji="1" lang="en-US" altLang="ko-KR" b="0" i="1" smtClean="0">
-                              <a:latin typeface="Cambria Math" panose="02040503050406030204" pitchFamily="18" charset="0"/>
-                            </a:rPr>
-                            <m:t>𝑣</m:t>
-                          </m:r>
-                        </m:e>
-                        <m:sub>
-                          <m:r>
-                            <a:rPr kumimoji="1" lang="en-US" altLang="ko-KR" b="0" i="1" smtClean="0">
-                              <a:latin typeface="Cambria Math" panose="02040503050406030204" pitchFamily="18" charset="0"/>
-                            </a:rPr>
-                            <m:t>𝑖</m:t>
-                          </m:r>
-                        </m:sub>
-                      </m:sSub>
-                      <m:r>
-                        <a:rPr kumimoji="1" lang="en-US" altLang="ko-KR" b="0" i="1" smtClean="0">
-                          <a:latin typeface="Cambria Math" panose="02040503050406030204" pitchFamily="18" charset="0"/>
-                        </a:rPr>
-                        <m:t>=[</m:t>
-                      </m:r>
                       <m:sSubSup>
                         <m:sSubSupPr>
                           <m:ctrlPr>
@@ -25770,7 +26523,7 @@
                             <a:rPr kumimoji="1" lang="en-US" altLang="ko-KR" b="0" i="1" smtClean="0">
                               <a:latin typeface="Cambria Math" panose="02040503050406030204" pitchFamily="18" charset="0"/>
                             </a:rPr>
-                            <m:t>𝑣</m:t>
+                            <m:t>𝑓</m:t>
                           </m:r>
                         </m:e>
                         <m:sub>
@@ -25786,7 +26539,7 @@
                             <a:rPr kumimoji="1" lang="en-US" altLang="ko-KR" b="0" i="1" smtClean="0">
                               <a:latin typeface="Cambria Math" panose="02040503050406030204" pitchFamily="18" charset="0"/>
                             </a:rPr>
-                            <m:t>𝑠</m:t>
+                            <m:t>𝑚</m:t>
                           </m:r>
                         </m:sup>
                       </m:sSubSup>
@@ -25794,46 +26547,7 @@
                         <a:rPr kumimoji="1" lang="en-US" altLang="ko-KR" b="0" i="1" smtClean="0">
                           <a:latin typeface="Cambria Math" panose="02040503050406030204" pitchFamily="18" charset="0"/>
                         </a:rPr>
-                        <m:t>,</m:t>
-                      </m:r>
-                      <m:sSubSup>
-                        <m:sSubSupPr>
-                          <m:ctrlPr>
-                            <a:rPr kumimoji="1" lang="en-US" altLang="ko-KR" b="0" i="1" smtClean="0">
-                              <a:latin typeface="Cambria Math" panose="02040503050406030204" pitchFamily="18" charset="0"/>
-                            </a:rPr>
-                          </m:ctrlPr>
-                        </m:sSubSupPr>
-                        <m:e>
-                          <m:r>
-                            <a:rPr kumimoji="1" lang="en-US" altLang="ko-KR" b="0" i="1" smtClean="0">
-                              <a:latin typeface="Cambria Math" panose="02040503050406030204" pitchFamily="18" charset="0"/>
-                            </a:rPr>
-                            <m:t>𝑣</m:t>
-                          </m:r>
-                        </m:e>
-                        <m:sub>
-                          <m:r>
-                            <a:rPr kumimoji="1" lang="en-US" altLang="ko-KR" b="0" i="1" smtClean="0">
-                              <a:latin typeface="Cambria Math" panose="02040503050406030204" pitchFamily="18" charset="0"/>
-                            </a:rPr>
-                            <m:t>𝑖</m:t>
-                          </m:r>
-                        </m:sub>
-                        <m:sup>
-                          <m:r>
-                            <a:rPr kumimoji="1" lang="en-US" altLang="ko-KR" b="0" i="1" smtClean="0">
-                              <a:latin typeface="Cambria Math" panose="02040503050406030204" pitchFamily="18" charset="0"/>
-                            </a:rPr>
-                            <m:t>𝑢</m:t>
-                          </m:r>
-                        </m:sup>
-                      </m:sSubSup>
-                      <m:r>
-                        <a:rPr kumimoji="1" lang="en-US" altLang="ko-KR" b="0" i="1" smtClean="0">
-                          <a:latin typeface="Cambria Math" panose="02040503050406030204" pitchFamily="18" charset="0"/>
-                        </a:rPr>
-                        <m:t>,</m:t>
+                        <m:t>=[</m:t>
                       </m:r>
                       <m:sSubSup>
                         <m:sSubSupPr>
@@ -25872,7 +26586,85 @@
                         <a:rPr kumimoji="1" lang="en-US" altLang="ko-KR" b="0" i="1" smtClean="0">
                           <a:latin typeface="Cambria Math" panose="02040503050406030204" pitchFamily="18" charset="0"/>
                         </a:rPr>
-                        <m:t>]</m:t>
+                        <m:t>,</m:t>
+                      </m:r>
+                      <m:sSubSup>
+                        <m:sSubSupPr>
+                          <m:ctrlPr>
+                            <a:rPr kumimoji="1" lang="en-US" altLang="ko-KR" b="0" i="1" smtClean="0">
+                              <a:latin typeface="Cambria Math" panose="02040503050406030204" pitchFamily="18" charset="0"/>
+                            </a:rPr>
+                          </m:ctrlPr>
+                        </m:sSubSupPr>
+                        <m:e>
+                          <m:r>
+                            <a:rPr kumimoji="1" lang="en-US" altLang="ko-KR" b="0" i="1" smtClean="0">
+                              <a:latin typeface="Cambria Math" panose="02040503050406030204" pitchFamily="18" charset="0"/>
+                            </a:rPr>
+                            <m:t>𝑎</m:t>
+                          </m:r>
+                        </m:e>
+                        <m:sub>
+                          <m:r>
+                            <a:rPr kumimoji="1" lang="en-US" altLang="ko-KR" b="0" i="1" smtClean="0">
+                              <a:latin typeface="Cambria Math" panose="02040503050406030204" pitchFamily="18" charset="0"/>
+                            </a:rPr>
+                            <m:t>𝑖</m:t>
+                          </m:r>
+                        </m:sub>
+                        <m:sup>
+                          <m:r>
+                            <a:rPr kumimoji="1" lang="en-US" altLang="ko-KR" b="0" i="1" smtClean="0">
+                              <a:latin typeface="Cambria Math" panose="02040503050406030204" pitchFamily="18" charset="0"/>
+                            </a:rPr>
+                            <m:t>𝑚</m:t>
+                          </m:r>
+                        </m:sup>
+                      </m:sSubSup>
+                      <m:r>
+                        <a:rPr kumimoji="1" lang="en-US" altLang="ko-KR" b="0" i="1" smtClean="0">
+                          <a:latin typeface="Cambria Math" panose="02040503050406030204" pitchFamily="18" charset="0"/>
+                        </a:rPr>
+                        <m:t>,</m:t>
+                      </m:r>
+                      <m:sSubSup>
+                        <m:sSubSupPr>
+                          <m:ctrlPr>
+                            <a:rPr kumimoji="1" lang="en-US" altLang="ko-KR" b="0" i="1" smtClean="0">
+                              <a:latin typeface="Cambria Math" panose="02040503050406030204" pitchFamily="18" charset="0"/>
+                            </a:rPr>
+                          </m:ctrlPr>
+                        </m:sSubSupPr>
+                        <m:e>
+                          <m:r>
+                            <a:rPr kumimoji="1" lang="en-US" altLang="ko-KR" b="0" i="1" smtClean="0">
+                              <a:latin typeface="Cambria Math" panose="02040503050406030204" pitchFamily="18" charset="0"/>
+                            </a:rPr>
+                            <m:t>𝑡</m:t>
+                          </m:r>
+                        </m:e>
+                        <m:sub>
+                          <m:r>
+                            <a:rPr kumimoji="1" lang="en-US" altLang="ko-KR" b="0" i="1" smtClean="0">
+                              <a:latin typeface="Cambria Math" panose="02040503050406030204" pitchFamily="18" charset="0"/>
+                            </a:rPr>
+                            <m:t>𝑖</m:t>
+                          </m:r>
+                        </m:sub>
+                        <m:sup>
+                          <m:r>
+                            <a:rPr kumimoji="1" lang="en-US" altLang="ko-KR" b="0" i="1" smtClean="0">
+                              <a:latin typeface="Cambria Math" panose="02040503050406030204" pitchFamily="18" charset="0"/>
+                            </a:rPr>
+                            <m:t>𝑚</m:t>
+                          </m:r>
+                        </m:sup>
+                      </m:sSubSup>
+                      <m:r>
+                        <a:rPr kumimoji="1" lang="en-US" altLang="ko-KR" b="0" i="1" smtClean="0">
+                          <a:latin typeface="Cambria Math" panose="02040503050406030204" pitchFamily="18" charset="0"/>
+                        </a:rPr>
+                        <m:t>] </m:t>
                       </m:r>
                     </m:oMath>
                   </m:oMathPara>
@@ -25882,7 +26674,7 @@
             </p:txBody>
           </p:sp>
         </mc:Choice>
-        <mc:Fallback xmlns="">
+        <mc:Fallback>
           <p:sp>
             <p:nvSpPr>
               <p:cNvPr id="46" name="TextBox 45">
@@ -25899,8 +26691,8 @@
             </p:nvSpPr>
             <p:spPr>
               <a:xfrm>
-                <a:off x="5492035" y="1339106"/>
-                <a:ext cx="1720535" cy="278025"/>
+                <a:off x="5851420" y="2673064"/>
+                <a:ext cx="1963358" cy="278025"/>
               </a:xfrm>
               <a:prstGeom prst="rect">
                 <a:avLst/>
@@ -25908,7 +26700,7 @@
               <a:blipFill>
                 <a:blip r:embed="rId11"/>
                 <a:stretch>
-                  <a:fillRect l="-735" r="-3676" b="-34783"/>
+                  <a:fillRect l="-2564" t="-8696" r="-3205" b="-34783"/>
                 </a:stretch>
               </a:blipFill>
             </p:spPr>
@@ -25927,1042 +26719,8 @@
           </p:sp>
         </mc:Fallback>
       </mc:AlternateContent>
-      <mc:AlternateContent xmlns:mc="http://schemas.openxmlformats.org/markup-compatibility/2006" xmlns:a14="http://schemas.microsoft.com/office/drawing/2010/main">
-        <mc:Choice Requires="a14">
-          <p:sp>
-            <p:nvSpPr>
-              <p:cNvPr id="47" name="TextBox 46">
-                <a:extLst>
-                  <a:ext uri="{FF2B5EF4-FFF2-40B4-BE49-F238E27FC236}">
-                    <a16:creationId xmlns:a16="http://schemas.microsoft.com/office/drawing/2014/main" id="{354D1E22-B99B-1062-D6EA-E291A32F3F90}"/>
-                  </a:ext>
-                </a:extLst>
-              </p:cNvPr>
-              <p:cNvSpPr txBox="1"/>
-              <p:nvPr/>
-            </p:nvSpPr>
-            <p:spPr>
-              <a:xfrm>
-                <a:off x="5492034" y="3407192"/>
-                <a:ext cx="1712135" cy="278025"/>
-              </a:xfrm>
-              <a:prstGeom prst="rect">
-                <a:avLst/>
-              </a:prstGeom>
-              <a:noFill/>
-            </p:spPr>
-            <p:txBody>
-              <a:bodyPr wrap="none" lIns="0" tIns="0" rIns="0" bIns="0" rtlCol="0">
-                <a:spAutoFit/>
-              </a:bodyPr>
-              <a:lstStyle/>
-              <a:p>
-                <a:pPr/>
-                <a14:m>
-                  <m:oMathPara xmlns:m="http://schemas.openxmlformats.org/officeDocument/2006/math">
-                    <m:oMathParaPr>
-                      <m:jc m:val="centerGroup"/>
-                    </m:oMathParaPr>
-                    <m:oMath xmlns:m="http://schemas.openxmlformats.org/officeDocument/2006/math">
-                      <m:sSub>
-                        <m:sSubPr>
-                          <m:ctrlPr>
-                            <a:rPr kumimoji="1" lang="en-US" altLang="ko-KR" b="0" i="1" smtClean="0">
-                              <a:latin typeface="Cambria Math" panose="02040503050406030204" pitchFamily="18" charset="0"/>
-                            </a:rPr>
-                          </m:ctrlPr>
-                        </m:sSubPr>
-                        <m:e>
-                          <m:r>
-                            <a:rPr kumimoji="1" lang="en-US" altLang="ko-KR" b="0" i="1" smtClean="0">
-                              <a:latin typeface="Cambria Math" panose="02040503050406030204" pitchFamily="18" charset="0"/>
-                            </a:rPr>
-                            <m:t>𝑎</m:t>
-                          </m:r>
-                        </m:e>
-                        <m:sub>
-                          <m:r>
-                            <a:rPr kumimoji="1" lang="en-US" altLang="ko-KR" b="0" i="1" smtClean="0">
-                              <a:latin typeface="Cambria Math" panose="02040503050406030204" pitchFamily="18" charset="0"/>
-                            </a:rPr>
-                            <m:t>𝑖</m:t>
-                          </m:r>
-                        </m:sub>
-                      </m:sSub>
-                      <m:r>
-                        <a:rPr kumimoji="1" lang="en-US" altLang="ko-KR" i="1">
-                          <a:latin typeface="Cambria Math" panose="02040503050406030204" pitchFamily="18" charset="0"/>
-                        </a:rPr>
-                        <m:t>=[</m:t>
-                      </m:r>
-                      <m:sSubSup>
-                        <m:sSubSupPr>
-                          <m:ctrlPr>
-                            <a:rPr kumimoji="1" lang="en-US" altLang="ko-KR" i="1">
-                              <a:latin typeface="Cambria Math" panose="02040503050406030204" pitchFamily="18" charset="0"/>
-                            </a:rPr>
-                          </m:ctrlPr>
-                        </m:sSubSupPr>
-                        <m:e>
-                          <m:r>
-                            <a:rPr kumimoji="1" lang="en-US" altLang="ko-KR" b="0" i="1" smtClean="0">
-                              <a:latin typeface="Cambria Math" panose="02040503050406030204" pitchFamily="18" charset="0"/>
-                            </a:rPr>
-                            <m:t>𝑎</m:t>
-                          </m:r>
-                        </m:e>
-                        <m:sub>
-                          <m:r>
-                            <a:rPr kumimoji="1" lang="en-US" altLang="ko-KR" i="1">
-                              <a:latin typeface="Cambria Math" panose="02040503050406030204" pitchFamily="18" charset="0"/>
-                            </a:rPr>
-                            <m:t>𝑖</m:t>
-                          </m:r>
-                        </m:sub>
-                        <m:sup>
-                          <m:r>
-                            <a:rPr kumimoji="1" lang="en-US" altLang="ko-KR" i="1">
-                              <a:latin typeface="Cambria Math" panose="02040503050406030204" pitchFamily="18" charset="0"/>
-                            </a:rPr>
-                            <m:t>𝑠</m:t>
-                          </m:r>
-                        </m:sup>
-                      </m:sSubSup>
-                      <m:r>
-                        <a:rPr kumimoji="1" lang="en-US" altLang="ko-KR" i="1">
-                          <a:latin typeface="Cambria Math" panose="02040503050406030204" pitchFamily="18" charset="0"/>
-                        </a:rPr>
-                        <m:t>,</m:t>
-                      </m:r>
-                      <m:sSubSup>
-                        <m:sSubSupPr>
-                          <m:ctrlPr>
-                            <a:rPr kumimoji="1" lang="en-US" altLang="ko-KR" i="1">
-                              <a:latin typeface="Cambria Math" panose="02040503050406030204" pitchFamily="18" charset="0"/>
-                            </a:rPr>
-                          </m:ctrlPr>
-                        </m:sSubSupPr>
-                        <m:e>
-                          <m:r>
-                            <a:rPr kumimoji="1" lang="en-US" altLang="ko-KR" b="0" i="1" smtClean="0">
-                              <a:latin typeface="Cambria Math" panose="02040503050406030204" pitchFamily="18" charset="0"/>
-                            </a:rPr>
-                            <m:t>𝑎</m:t>
-                          </m:r>
-                        </m:e>
-                        <m:sub>
-                          <m:r>
-                            <a:rPr kumimoji="1" lang="en-US" altLang="ko-KR" i="1">
-                              <a:latin typeface="Cambria Math" panose="02040503050406030204" pitchFamily="18" charset="0"/>
-                            </a:rPr>
-                            <m:t>𝑖</m:t>
-                          </m:r>
-                        </m:sub>
-                        <m:sup>
-                          <m:r>
-                            <a:rPr kumimoji="1" lang="en-US" altLang="ko-KR" i="1">
-                              <a:latin typeface="Cambria Math" panose="02040503050406030204" pitchFamily="18" charset="0"/>
-                            </a:rPr>
-                            <m:t>𝑢</m:t>
-                          </m:r>
-                        </m:sup>
-                      </m:sSubSup>
-                      <m:r>
-                        <a:rPr kumimoji="1" lang="en-US" altLang="ko-KR" i="1">
-                          <a:latin typeface="Cambria Math" panose="02040503050406030204" pitchFamily="18" charset="0"/>
-                        </a:rPr>
-                        <m:t>,</m:t>
-                      </m:r>
-                      <m:sSubSup>
-                        <m:sSubSupPr>
-                          <m:ctrlPr>
-                            <a:rPr kumimoji="1" lang="en-US" altLang="ko-KR" i="1">
-                              <a:latin typeface="Cambria Math" panose="02040503050406030204" pitchFamily="18" charset="0"/>
-                            </a:rPr>
-                          </m:ctrlPr>
-                        </m:sSubSupPr>
-                        <m:e>
-                          <m:r>
-                            <a:rPr kumimoji="1" lang="en-US" altLang="ko-KR" b="0" i="1" smtClean="0">
-                              <a:latin typeface="Cambria Math" panose="02040503050406030204" pitchFamily="18" charset="0"/>
-                            </a:rPr>
-                            <m:t>𝑎</m:t>
-                          </m:r>
-                        </m:e>
-                        <m:sub>
-                          <m:r>
-                            <a:rPr kumimoji="1" lang="en-US" altLang="ko-KR" i="1">
-                              <a:latin typeface="Cambria Math" panose="02040503050406030204" pitchFamily="18" charset="0"/>
-                            </a:rPr>
-                            <m:t>𝑖</m:t>
-                          </m:r>
-                        </m:sub>
-                        <m:sup>
-                          <m:r>
-                            <a:rPr kumimoji="1" lang="en-US" altLang="ko-KR" i="1">
-                              <a:latin typeface="Cambria Math" panose="02040503050406030204" pitchFamily="18" charset="0"/>
-                            </a:rPr>
-                            <m:t>𝑚</m:t>
-                          </m:r>
-                        </m:sup>
-                      </m:sSubSup>
-                      <m:r>
-                        <a:rPr kumimoji="1" lang="en-US" altLang="ko-KR" i="1">
-                          <a:latin typeface="Cambria Math" panose="02040503050406030204" pitchFamily="18" charset="0"/>
-                        </a:rPr>
-                        <m:t>]</m:t>
-                      </m:r>
-                    </m:oMath>
-                  </m:oMathPara>
-                </a14:m>
-                <a:endParaRPr kumimoji="1" lang="ko-KR" altLang="en-US" dirty="0"/>
-              </a:p>
-            </p:txBody>
-          </p:sp>
-        </mc:Choice>
-        <mc:Fallback xmlns="">
-          <p:sp>
-            <p:nvSpPr>
-              <p:cNvPr id="47" name="TextBox 46">
-                <a:extLst>
-                  <a:ext uri="{FF2B5EF4-FFF2-40B4-BE49-F238E27FC236}">
-                    <a16:creationId xmlns:a16="http://schemas.microsoft.com/office/drawing/2014/main" id="{354D1E22-B99B-1062-D6EA-E291A32F3F90}"/>
-                  </a:ext>
-                </a:extLst>
-              </p:cNvPr>
-              <p:cNvSpPr txBox="1">
-                <a:spLocks noRot="1" noChangeAspect="1" noMove="1" noResize="1" noEditPoints="1" noAdjustHandles="1" noChangeArrowheads="1" noChangeShapeType="1" noTextEdit="1"/>
-              </p:cNvSpPr>
-              <p:nvPr/>
-            </p:nvSpPr>
-            <p:spPr>
-              <a:xfrm>
-                <a:off x="5492034" y="3407192"/>
-                <a:ext cx="1712135" cy="278025"/>
-              </a:xfrm>
-              <a:prstGeom prst="rect">
-                <a:avLst/>
-              </a:prstGeom>
-              <a:blipFill>
-                <a:blip r:embed="rId12"/>
-                <a:stretch>
-                  <a:fillRect l="-735" t="-4348" r="-3676" b="-34783"/>
-                </a:stretch>
-              </a:blipFill>
-            </p:spPr>
-            <p:txBody>
-              <a:bodyPr/>
-              <a:lstStyle/>
-              <a:p>
-                <a:r>
-                  <a:rPr lang="ko-KR" altLang="en-US">
-                    <a:noFill/>
-                  </a:rPr>
-                  <a:t> </a:t>
-                </a:r>
-              </a:p>
-            </p:txBody>
-          </p:sp>
-        </mc:Fallback>
-      </mc:AlternateContent>
-      <mc:AlternateContent xmlns:mc="http://schemas.openxmlformats.org/markup-compatibility/2006" xmlns:a14="http://schemas.microsoft.com/office/drawing/2010/main">
-        <mc:Choice Requires="a14">
-          <p:sp>
-            <p:nvSpPr>
-              <p:cNvPr id="48" name="TextBox 47">
-                <a:extLst>
-                  <a:ext uri="{FF2B5EF4-FFF2-40B4-BE49-F238E27FC236}">
-                    <a16:creationId xmlns:a16="http://schemas.microsoft.com/office/drawing/2014/main" id="{33850EC9-9100-FD07-4E07-5E0437A3AB52}"/>
-                  </a:ext>
-                </a:extLst>
-              </p:cNvPr>
-              <p:cNvSpPr txBox="1"/>
-              <p:nvPr/>
-            </p:nvSpPr>
-            <p:spPr>
-              <a:xfrm>
-                <a:off x="5492033" y="5475278"/>
-                <a:ext cx="1583190" cy="278025"/>
-              </a:xfrm>
-              <a:prstGeom prst="rect">
-                <a:avLst/>
-              </a:prstGeom>
-              <a:noFill/>
-            </p:spPr>
-            <p:txBody>
-              <a:bodyPr wrap="none" lIns="0" tIns="0" rIns="0" bIns="0" rtlCol="0">
-                <a:spAutoFit/>
-              </a:bodyPr>
-              <a:lstStyle/>
-              <a:p>
-                <a:pPr/>
-                <a14:m>
-                  <m:oMathPara xmlns:m="http://schemas.openxmlformats.org/officeDocument/2006/math">
-                    <m:oMathParaPr>
-                      <m:jc m:val="centerGroup"/>
-                    </m:oMathParaPr>
-                    <m:oMath xmlns:m="http://schemas.openxmlformats.org/officeDocument/2006/math">
-                      <m:sSub>
-                        <m:sSubPr>
-                          <m:ctrlPr>
-                            <a:rPr kumimoji="1" lang="en-US" altLang="ko-KR" b="0" i="1" smtClean="0">
-                              <a:latin typeface="Cambria Math" panose="02040503050406030204" pitchFamily="18" charset="0"/>
-                            </a:rPr>
-                          </m:ctrlPr>
-                        </m:sSubPr>
-                        <m:e>
-                          <m:r>
-                            <a:rPr kumimoji="1" lang="en-US" altLang="ko-KR" b="0" i="1" smtClean="0">
-                              <a:latin typeface="Cambria Math" panose="02040503050406030204" pitchFamily="18" charset="0"/>
-                            </a:rPr>
-                            <m:t>𝑡</m:t>
-                          </m:r>
-                        </m:e>
-                        <m:sub>
-                          <m:r>
-                            <a:rPr kumimoji="1" lang="en-US" altLang="ko-KR" b="0" i="1" smtClean="0">
-                              <a:latin typeface="Cambria Math" panose="02040503050406030204" pitchFamily="18" charset="0"/>
-                            </a:rPr>
-                            <m:t>𝑖</m:t>
-                          </m:r>
-                        </m:sub>
-                      </m:sSub>
-                      <m:r>
-                        <a:rPr kumimoji="1" lang="en-US" altLang="ko-KR" i="1">
-                          <a:latin typeface="Cambria Math" panose="02040503050406030204" pitchFamily="18" charset="0"/>
-                        </a:rPr>
-                        <m:t>=[</m:t>
-                      </m:r>
-                      <m:sSubSup>
-                        <m:sSubSupPr>
-                          <m:ctrlPr>
-                            <a:rPr kumimoji="1" lang="en-US" altLang="ko-KR" i="1">
-                              <a:latin typeface="Cambria Math" panose="02040503050406030204" pitchFamily="18" charset="0"/>
-                            </a:rPr>
-                          </m:ctrlPr>
-                        </m:sSubSupPr>
-                        <m:e>
-                          <m:r>
-                            <a:rPr kumimoji="1" lang="en-US" altLang="ko-KR" b="0" i="1" smtClean="0">
-                              <a:latin typeface="Cambria Math" panose="02040503050406030204" pitchFamily="18" charset="0"/>
-                            </a:rPr>
-                            <m:t>𝑡</m:t>
-                          </m:r>
-                        </m:e>
-                        <m:sub>
-                          <m:r>
-                            <a:rPr kumimoji="1" lang="en-US" altLang="ko-KR" i="1">
-                              <a:latin typeface="Cambria Math" panose="02040503050406030204" pitchFamily="18" charset="0"/>
-                            </a:rPr>
-                            <m:t>𝑖</m:t>
-                          </m:r>
-                        </m:sub>
-                        <m:sup>
-                          <m:r>
-                            <a:rPr kumimoji="1" lang="en-US" altLang="ko-KR" i="1">
-                              <a:latin typeface="Cambria Math" panose="02040503050406030204" pitchFamily="18" charset="0"/>
-                            </a:rPr>
-                            <m:t>𝑠</m:t>
-                          </m:r>
-                        </m:sup>
-                      </m:sSubSup>
-                      <m:r>
-                        <a:rPr kumimoji="1" lang="en-US" altLang="ko-KR" i="1">
-                          <a:latin typeface="Cambria Math" panose="02040503050406030204" pitchFamily="18" charset="0"/>
-                        </a:rPr>
-                        <m:t>,</m:t>
-                      </m:r>
-                      <m:sSubSup>
-                        <m:sSubSupPr>
-                          <m:ctrlPr>
-                            <a:rPr kumimoji="1" lang="en-US" altLang="ko-KR" i="1">
-                              <a:latin typeface="Cambria Math" panose="02040503050406030204" pitchFamily="18" charset="0"/>
-                            </a:rPr>
-                          </m:ctrlPr>
-                        </m:sSubSupPr>
-                        <m:e>
-                          <m:r>
-                            <a:rPr kumimoji="1" lang="en-US" altLang="ko-KR" b="0" i="1" smtClean="0">
-                              <a:latin typeface="Cambria Math" panose="02040503050406030204" pitchFamily="18" charset="0"/>
-                            </a:rPr>
-                            <m:t>𝑡</m:t>
-                          </m:r>
-                        </m:e>
-                        <m:sub>
-                          <m:r>
-                            <a:rPr kumimoji="1" lang="en-US" altLang="ko-KR" i="1">
-                              <a:latin typeface="Cambria Math" panose="02040503050406030204" pitchFamily="18" charset="0"/>
-                            </a:rPr>
-                            <m:t>𝑖</m:t>
-                          </m:r>
-                        </m:sub>
-                        <m:sup>
-                          <m:r>
-                            <a:rPr kumimoji="1" lang="en-US" altLang="ko-KR" i="1">
-                              <a:latin typeface="Cambria Math" panose="02040503050406030204" pitchFamily="18" charset="0"/>
-                            </a:rPr>
-                            <m:t>𝑢</m:t>
-                          </m:r>
-                        </m:sup>
-                      </m:sSubSup>
-                      <m:r>
-                        <a:rPr kumimoji="1" lang="en-US" altLang="ko-KR" i="1">
-                          <a:latin typeface="Cambria Math" panose="02040503050406030204" pitchFamily="18" charset="0"/>
-                        </a:rPr>
-                        <m:t>,</m:t>
-                      </m:r>
-                      <m:sSubSup>
-                        <m:sSubSupPr>
-                          <m:ctrlPr>
-                            <a:rPr kumimoji="1" lang="en-US" altLang="ko-KR" i="1">
-                              <a:latin typeface="Cambria Math" panose="02040503050406030204" pitchFamily="18" charset="0"/>
-                            </a:rPr>
-                          </m:ctrlPr>
-                        </m:sSubSupPr>
-                        <m:e>
-                          <m:r>
-                            <a:rPr kumimoji="1" lang="en-US" altLang="ko-KR" b="0" i="1" smtClean="0">
-                              <a:latin typeface="Cambria Math" panose="02040503050406030204" pitchFamily="18" charset="0"/>
-                            </a:rPr>
-                            <m:t>𝑡</m:t>
-                          </m:r>
-                        </m:e>
-                        <m:sub>
-                          <m:r>
-                            <a:rPr kumimoji="1" lang="en-US" altLang="ko-KR" i="1">
-                              <a:latin typeface="Cambria Math" panose="02040503050406030204" pitchFamily="18" charset="0"/>
-                            </a:rPr>
-                            <m:t>𝑖</m:t>
-                          </m:r>
-                        </m:sub>
-                        <m:sup>
-                          <m:r>
-                            <a:rPr kumimoji="1" lang="en-US" altLang="ko-KR" i="1">
-                              <a:latin typeface="Cambria Math" panose="02040503050406030204" pitchFamily="18" charset="0"/>
-                            </a:rPr>
-                            <m:t>𝑚</m:t>
-                          </m:r>
-                        </m:sup>
-                      </m:sSubSup>
-                      <m:r>
-                        <a:rPr kumimoji="1" lang="en-US" altLang="ko-KR" i="1">
-                          <a:latin typeface="Cambria Math" panose="02040503050406030204" pitchFamily="18" charset="0"/>
-                        </a:rPr>
-                        <m:t>]</m:t>
-                      </m:r>
-                    </m:oMath>
-                  </m:oMathPara>
-                </a14:m>
-                <a:endParaRPr kumimoji="1" lang="ko-KR" altLang="en-US" dirty="0"/>
-              </a:p>
-            </p:txBody>
-          </p:sp>
-        </mc:Choice>
-        <mc:Fallback xmlns="">
-          <p:sp>
-            <p:nvSpPr>
-              <p:cNvPr id="48" name="TextBox 47">
-                <a:extLst>
-                  <a:ext uri="{FF2B5EF4-FFF2-40B4-BE49-F238E27FC236}">
-                    <a16:creationId xmlns:a16="http://schemas.microsoft.com/office/drawing/2014/main" id="{33850EC9-9100-FD07-4E07-5E0437A3AB52}"/>
-                  </a:ext>
-                </a:extLst>
-              </p:cNvPr>
-              <p:cNvSpPr txBox="1">
-                <a:spLocks noRot="1" noChangeAspect="1" noMove="1" noResize="1" noEditPoints="1" noAdjustHandles="1" noChangeArrowheads="1" noChangeShapeType="1" noTextEdit="1"/>
-              </p:cNvSpPr>
-              <p:nvPr/>
-            </p:nvSpPr>
-            <p:spPr>
-              <a:xfrm>
-                <a:off x="5492033" y="5475278"/>
-                <a:ext cx="1583190" cy="278025"/>
-              </a:xfrm>
-              <a:prstGeom prst="rect">
-                <a:avLst/>
-              </a:prstGeom>
-              <a:blipFill>
-                <a:blip r:embed="rId13"/>
-                <a:stretch>
-                  <a:fillRect l="-1587" t="-4348" r="-3968" b="-30435"/>
-                </a:stretch>
-              </a:blipFill>
-            </p:spPr>
-            <p:txBody>
-              <a:bodyPr/>
-              <a:lstStyle/>
-              <a:p>
-                <a:r>
-                  <a:rPr lang="ko-KR" altLang="en-US">
-                    <a:noFill/>
-                  </a:rPr>
-                  <a:t> </a:t>
-                </a:r>
-              </a:p>
-            </p:txBody>
-          </p:sp>
-        </mc:Fallback>
-      </mc:AlternateContent>
-      <mc:AlternateContent xmlns:mc="http://schemas.openxmlformats.org/markup-compatibility/2006" xmlns:a14="http://schemas.microsoft.com/office/drawing/2010/main">
-        <mc:Choice Requires="a14">
-          <p:sp>
-            <p:nvSpPr>
-              <p:cNvPr id="50" name="TextBox 49">
-                <a:extLst>
-                  <a:ext uri="{FF2B5EF4-FFF2-40B4-BE49-F238E27FC236}">
-                    <a16:creationId xmlns:a16="http://schemas.microsoft.com/office/drawing/2014/main" id="{3C803EE3-5C5D-D8A3-0A5B-813A1ED05E5D}"/>
-                  </a:ext>
-                </a:extLst>
-              </p:cNvPr>
-              <p:cNvSpPr txBox="1"/>
-              <p:nvPr/>
-            </p:nvSpPr>
-            <p:spPr>
-              <a:xfrm>
-                <a:off x="5492033" y="3755649"/>
-                <a:ext cx="1859932" cy="304186"/>
-              </a:xfrm>
-              <a:prstGeom prst="rect">
-                <a:avLst/>
-              </a:prstGeom>
-              <a:noFill/>
-            </p:spPr>
-            <p:txBody>
-              <a:bodyPr wrap="none" lIns="0" tIns="0" rIns="0" bIns="0" rtlCol="0">
-                <a:spAutoFit/>
-              </a:bodyPr>
-              <a:lstStyle/>
-              <a:p>
-                <a:pPr/>
-                <a14:m>
-                  <m:oMathPara xmlns:m="http://schemas.openxmlformats.org/officeDocument/2006/math">
-                    <m:oMathParaPr>
-                      <m:jc m:val="centerGroup"/>
-                    </m:oMathParaPr>
-                    <m:oMath xmlns:m="http://schemas.openxmlformats.org/officeDocument/2006/math">
-                      <m:sSub>
-                        <m:sSubPr>
-                          <m:ctrlPr>
-                            <a:rPr kumimoji="1" lang="en-US" altLang="ko-KR" b="0" i="1" smtClean="0">
-                              <a:latin typeface="Cambria Math" panose="02040503050406030204" pitchFamily="18" charset="0"/>
-                            </a:rPr>
-                          </m:ctrlPr>
-                        </m:sSubPr>
-                        <m:e>
-                          <m:r>
-                            <a:rPr kumimoji="1" lang="en-US" altLang="ko-KR" b="0" i="1" smtClean="0">
-                              <a:latin typeface="Cambria Math" panose="02040503050406030204" pitchFamily="18" charset="0"/>
-                            </a:rPr>
-                            <m:t>𝜔</m:t>
-                          </m:r>
-                        </m:e>
-                        <m:sub>
-                          <m:r>
-                            <a:rPr kumimoji="1" lang="en-US" altLang="ko-KR" b="0" i="1" smtClean="0">
-                              <a:latin typeface="Cambria Math" panose="02040503050406030204" pitchFamily="18" charset="0"/>
-                            </a:rPr>
-                            <m:t>𝑎</m:t>
-                          </m:r>
-                        </m:sub>
-                      </m:sSub>
-                      <m:r>
-                        <a:rPr kumimoji="1" lang="en-US" altLang="ko-KR" b="0" i="1" smtClean="0">
-                          <a:latin typeface="Cambria Math" panose="02040503050406030204" pitchFamily="18" charset="0"/>
-                        </a:rPr>
-                        <m:t>=</m:t>
-                      </m:r>
-                      <m:r>
-                        <m:rPr>
-                          <m:sty m:val="p"/>
-                        </m:rPr>
-                        <a:rPr kumimoji="1" lang="en-US" altLang="ko-KR" b="0" i="1" smtClean="0">
-                          <a:latin typeface="Cambria Math" panose="02040503050406030204" pitchFamily="18" charset="0"/>
-                        </a:rPr>
-                        <m:t>MLP</m:t>
-                      </m:r>
-                      <m:r>
-                        <a:rPr kumimoji="1" lang="en-US" altLang="ko-KR" b="0" i="1" smtClean="0">
-                          <a:latin typeface="Cambria Math" panose="02040503050406030204" pitchFamily="18" charset="0"/>
-                        </a:rPr>
-                        <m:t>(</m:t>
-                      </m:r>
-                      <m:sSub>
-                        <m:sSubPr>
-                          <m:ctrlPr>
-                            <a:rPr kumimoji="1" lang="en-US" altLang="ko-KR" b="0" i="1" smtClean="0">
-                              <a:latin typeface="Cambria Math" panose="02040503050406030204" pitchFamily="18" charset="0"/>
-                            </a:rPr>
-                          </m:ctrlPr>
-                        </m:sSubPr>
-                        <m:e>
-                          <m:r>
-                            <a:rPr kumimoji="1" lang="en-US" altLang="ko-KR" b="0" i="1" smtClean="0">
-                              <a:latin typeface="Cambria Math" panose="02040503050406030204" pitchFamily="18" charset="0"/>
-                            </a:rPr>
-                            <m:t>𝑑</m:t>
-                          </m:r>
-                        </m:e>
-                        <m:sub>
-                          <m:sSub>
-                            <m:sSubPr>
-                              <m:ctrlPr>
-                                <a:rPr kumimoji="1" lang="en-US" altLang="ko-KR" b="0" i="1" smtClean="0">
-                                  <a:latin typeface="Cambria Math" panose="02040503050406030204" pitchFamily="18" charset="0"/>
-                                </a:rPr>
-                              </m:ctrlPr>
-                            </m:sSubPr>
-                            <m:e>
-                              <m:r>
-                                <a:rPr kumimoji="1" lang="en-US" altLang="ko-KR" b="0" i="1" smtClean="0">
-                                  <a:latin typeface="Cambria Math" panose="02040503050406030204" pitchFamily="18" charset="0"/>
-                                </a:rPr>
-                                <m:t>𝑎</m:t>
-                              </m:r>
-                            </m:e>
-                            <m:sub>
-                              <m:r>
-                                <a:rPr kumimoji="1" lang="en-US" altLang="ko-KR" b="0" i="1" smtClean="0">
-                                  <a:latin typeface="Cambria Math" panose="02040503050406030204" pitchFamily="18" charset="0"/>
-                                </a:rPr>
-                                <m:t>𝑖</m:t>
-                              </m:r>
-                            </m:sub>
-                          </m:sSub>
-                        </m:sub>
-                      </m:sSub>
-                      <m:r>
-                        <a:rPr kumimoji="1" lang="en-US" altLang="ko-KR" b="0" i="1" smtClean="0">
-                          <a:latin typeface="Cambria Math" panose="02040503050406030204" pitchFamily="18" charset="0"/>
-                        </a:rPr>
-                        <m:t>,1)</m:t>
-                      </m:r>
-                    </m:oMath>
-                  </m:oMathPara>
-                </a14:m>
-                <a:endParaRPr kumimoji="1" lang="ko-KR" altLang="en-US" dirty="0"/>
-              </a:p>
-            </p:txBody>
-          </p:sp>
-        </mc:Choice>
-        <mc:Fallback xmlns="">
-          <p:sp>
-            <p:nvSpPr>
-              <p:cNvPr id="50" name="TextBox 49">
-                <a:extLst>
-                  <a:ext uri="{FF2B5EF4-FFF2-40B4-BE49-F238E27FC236}">
-                    <a16:creationId xmlns:a16="http://schemas.microsoft.com/office/drawing/2014/main" id="{3C803EE3-5C5D-D8A3-0A5B-813A1ED05E5D}"/>
-                  </a:ext>
-                </a:extLst>
-              </p:cNvPr>
-              <p:cNvSpPr txBox="1">
-                <a:spLocks noRot="1" noChangeAspect="1" noMove="1" noResize="1" noEditPoints="1" noAdjustHandles="1" noChangeArrowheads="1" noChangeShapeType="1" noTextEdit="1"/>
-              </p:cNvSpPr>
-              <p:nvPr/>
-            </p:nvSpPr>
-            <p:spPr>
-              <a:xfrm>
-                <a:off x="5492033" y="3755649"/>
-                <a:ext cx="1859932" cy="304186"/>
-              </a:xfrm>
-              <a:prstGeom prst="rect">
-                <a:avLst/>
-              </a:prstGeom>
-              <a:blipFill>
-                <a:blip r:embed="rId14"/>
-                <a:stretch>
-                  <a:fillRect r="-2721" b="-24000"/>
-                </a:stretch>
-              </a:blipFill>
-            </p:spPr>
-            <p:txBody>
-              <a:bodyPr/>
-              <a:lstStyle/>
-              <a:p>
-                <a:r>
-                  <a:rPr lang="ko-KR" altLang="en-US">
-                    <a:noFill/>
-                  </a:rPr>
-                  <a:t> </a:t>
-                </a:r>
-              </a:p>
-            </p:txBody>
-          </p:sp>
-        </mc:Fallback>
-      </mc:AlternateContent>
-      <mc:AlternateContent xmlns:mc="http://schemas.openxmlformats.org/markup-compatibility/2006" xmlns:a14="http://schemas.microsoft.com/office/drawing/2010/main">
-        <mc:Choice Requires="a14">
-          <p:sp>
-            <p:nvSpPr>
-              <p:cNvPr id="51" name="TextBox 50">
-                <a:extLst>
-                  <a:ext uri="{FF2B5EF4-FFF2-40B4-BE49-F238E27FC236}">
-                    <a16:creationId xmlns:a16="http://schemas.microsoft.com/office/drawing/2014/main" id="{96012EC6-1F54-4F5A-9F56-4B63F4B17606}"/>
-                  </a:ext>
-                </a:extLst>
-              </p:cNvPr>
-              <p:cNvSpPr txBox="1"/>
-              <p:nvPr/>
-            </p:nvSpPr>
-            <p:spPr>
-              <a:xfrm>
-                <a:off x="5492033" y="1627935"/>
-                <a:ext cx="1794274" cy="304186"/>
-              </a:xfrm>
-              <a:prstGeom prst="rect">
-                <a:avLst/>
-              </a:prstGeom>
-              <a:noFill/>
-            </p:spPr>
-            <p:txBody>
-              <a:bodyPr wrap="none" lIns="0" tIns="0" rIns="0" bIns="0" rtlCol="0">
-                <a:spAutoFit/>
-              </a:bodyPr>
-              <a:lstStyle/>
-              <a:p>
-                <a:pPr/>
-                <a14:m>
-                  <m:oMathPara xmlns:m="http://schemas.openxmlformats.org/officeDocument/2006/math">
-                    <m:oMathParaPr>
-                      <m:jc m:val="centerGroup"/>
-                    </m:oMathParaPr>
-                    <m:oMath xmlns:m="http://schemas.openxmlformats.org/officeDocument/2006/math">
-                      <m:sSub>
-                        <m:sSubPr>
-                          <m:ctrlPr>
-                            <a:rPr kumimoji="1" lang="en-US" altLang="ko-KR" b="0" i="1" smtClean="0">
-                              <a:latin typeface="Cambria Math" panose="02040503050406030204" pitchFamily="18" charset="0"/>
-                            </a:rPr>
-                          </m:ctrlPr>
-                        </m:sSubPr>
-                        <m:e>
-                          <m:r>
-                            <a:rPr kumimoji="1" lang="en-US" altLang="ko-KR" b="0" i="1" smtClean="0">
-                              <a:latin typeface="Cambria Math" panose="02040503050406030204" pitchFamily="18" charset="0"/>
-                            </a:rPr>
-                            <m:t>𝜔</m:t>
-                          </m:r>
-                        </m:e>
-                        <m:sub>
-                          <m:r>
-                            <a:rPr kumimoji="1" lang="en-US" altLang="ko-KR" b="0" i="1" smtClean="0">
-                              <a:latin typeface="Cambria Math" panose="02040503050406030204" pitchFamily="18" charset="0"/>
-                            </a:rPr>
-                            <m:t>𝑣</m:t>
-                          </m:r>
-                        </m:sub>
-                      </m:sSub>
-                      <m:r>
-                        <a:rPr kumimoji="1" lang="en-US" altLang="ko-KR" b="0" i="1" smtClean="0">
-                          <a:latin typeface="Cambria Math" panose="02040503050406030204" pitchFamily="18" charset="0"/>
-                        </a:rPr>
-                        <m:t>=</m:t>
-                      </m:r>
-                      <m:r>
-                        <m:rPr>
-                          <m:sty m:val="p"/>
-                        </m:rPr>
-                        <a:rPr kumimoji="1" lang="en-US" altLang="ko-KR" b="0" i="1" smtClean="0">
-                          <a:latin typeface="Cambria Math" panose="02040503050406030204" pitchFamily="18" charset="0"/>
-                        </a:rPr>
-                        <m:t>MLP</m:t>
-                      </m:r>
-                      <m:r>
-                        <a:rPr kumimoji="1" lang="en-US" altLang="ko-KR" b="0" i="1" smtClean="0">
-                          <a:latin typeface="Cambria Math" panose="02040503050406030204" pitchFamily="18" charset="0"/>
-                        </a:rPr>
-                        <m:t>(</m:t>
-                      </m:r>
-                      <m:sSub>
-                        <m:sSubPr>
-                          <m:ctrlPr>
-                            <a:rPr kumimoji="1" lang="en-US" altLang="ko-KR" b="0" i="1" smtClean="0">
-                              <a:latin typeface="Cambria Math" panose="02040503050406030204" pitchFamily="18" charset="0"/>
-                            </a:rPr>
-                          </m:ctrlPr>
-                        </m:sSubPr>
-                        <m:e>
-                          <m:r>
-                            <a:rPr kumimoji="1" lang="en-US" altLang="ko-KR" b="0" i="1" smtClean="0">
-                              <a:latin typeface="Cambria Math" panose="02040503050406030204" pitchFamily="18" charset="0"/>
-                            </a:rPr>
-                            <m:t>𝑑</m:t>
-                          </m:r>
-                        </m:e>
-                        <m:sub>
-                          <m:sSub>
-                            <m:sSubPr>
-                              <m:ctrlPr>
-                                <a:rPr kumimoji="1" lang="en-US" altLang="ko-KR" b="0" i="1" smtClean="0">
-                                  <a:latin typeface="Cambria Math" panose="02040503050406030204" pitchFamily="18" charset="0"/>
-                                </a:rPr>
-                              </m:ctrlPr>
-                            </m:sSubPr>
-                            <m:e>
-                              <m:r>
-                                <a:rPr kumimoji="1" lang="en-US" altLang="ko-KR" b="0" i="1" smtClean="0">
-                                  <a:latin typeface="Cambria Math" panose="02040503050406030204" pitchFamily="18" charset="0"/>
-                                </a:rPr>
-                                <m:t>𝑣</m:t>
-                              </m:r>
-                            </m:e>
-                            <m:sub>
-                              <m:r>
-                                <a:rPr kumimoji="1" lang="en-US" altLang="ko-KR" b="0" i="1" smtClean="0">
-                                  <a:latin typeface="Cambria Math" panose="02040503050406030204" pitchFamily="18" charset="0"/>
-                                </a:rPr>
-                                <m:t>𝑖</m:t>
-                              </m:r>
-                            </m:sub>
-                          </m:sSub>
-                        </m:sub>
-                      </m:sSub>
-                      <m:r>
-                        <a:rPr kumimoji="1" lang="en-US" altLang="ko-KR" b="0" i="1" smtClean="0">
-                          <a:latin typeface="Cambria Math" panose="02040503050406030204" pitchFamily="18" charset="0"/>
-                        </a:rPr>
-                        <m:t>,1)</m:t>
-                      </m:r>
-                    </m:oMath>
-                  </m:oMathPara>
-                </a14:m>
-                <a:endParaRPr kumimoji="1" lang="ko-KR" altLang="en-US" dirty="0"/>
-              </a:p>
-            </p:txBody>
-          </p:sp>
-        </mc:Choice>
-        <mc:Fallback xmlns="">
-          <p:sp>
-            <p:nvSpPr>
-              <p:cNvPr id="51" name="TextBox 50">
-                <a:extLst>
-                  <a:ext uri="{FF2B5EF4-FFF2-40B4-BE49-F238E27FC236}">
-                    <a16:creationId xmlns:a16="http://schemas.microsoft.com/office/drawing/2014/main" id="{96012EC6-1F54-4F5A-9F56-4B63F4B17606}"/>
-                  </a:ext>
-                </a:extLst>
-              </p:cNvPr>
-              <p:cNvSpPr txBox="1">
-                <a:spLocks noRot="1" noChangeAspect="1" noMove="1" noResize="1" noEditPoints="1" noAdjustHandles="1" noChangeArrowheads="1" noChangeShapeType="1" noTextEdit="1"/>
-              </p:cNvSpPr>
-              <p:nvPr/>
-            </p:nvSpPr>
-            <p:spPr>
-              <a:xfrm>
-                <a:off x="5492033" y="1627935"/>
-                <a:ext cx="1794274" cy="304186"/>
-              </a:xfrm>
-              <a:prstGeom prst="rect">
-                <a:avLst/>
-              </a:prstGeom>
-              <a:blipFill>
-                <a:blip r:embed="rId15"/>
-                <a:stretch>
-                  <a:fillRect l="-704" t="-4000" r="-3521" b="-20000"/>
-                </a:stretch>
-              </a:blipFill>
-            </p:spPr>
-            <p:txBody>
-              <a:bodyPr/>
-              <a:lstStyle/>
-              <a:p>
-                <a:r>
-                  <a:rPr lang="ko-KR" altLang="en-US">
-                    <a:noFill/>
-                  </a:rPr>
-                  <a:t> </a:t>
-                </a:r>
-              </a:p>
-            </p:txBody>
-          </p:sp>
-        </mc:Fallback>
-      </mc:AlternateContent>
-      <mc:AlternateContent xmlns:mc="http://schemas.openxmlformats.org/markup-compatibility/2006" xmlns:a14="http://schemas.microsoft.com/office/drawing/2010/main">
-        <mc:Choice Requires="a14">
-          <p:sp>
-            <p:nvSpPr>
-              <p:cNvPr id="52" name="TextBox 51">
-                <a:extLst>
-                  <a:ext uri="{FF2B5EF4-FFF2-40B4-BE49-F238E27FC236}">
-                    <a16:creationId xmlns:a16="http://schemas.microsoft.com/office/drawing/2014/main" id="{65F3083B-B47B-E523-C3D9-C9FBFE6AA669}"/>
-                  </a:ext>
-                </a:extLst>
-              </p:cNvPr>
-              <p:cNvSpPr txBox="1"/>
-              <p:nvPr/>
-            </p:nvSpPr>
-            <p:spPr>
-              <a:xfrm>
-                <a:off x="5492033" y="5753303"/>
-                <a:ext cx="1761829" cy="304186"/>
-              </a:xfrm>
-              <a:prstGeom prst="rect">
-                <a:avLst/>
-              </a:prstGeom>
-              <a:noFill/>
-            </p:spPr>
-            <p:txBody>
-              <a:bodyPr wrap="none" lIns="0" tIns="0" rIns="0" bIns="0" rtlCol="0">
-                <a:spAutoFit/>
-              </a:bodyPr>
-              <a:lstStyle/>
-              <a:p>
-                <a:pPr/>
-                <a14:m>
-                  <m:oMathPara xmlns:m="http://schemas.openxmlformats.org/officeDocument/2006/math">
-                    <m:oMathParaPr>
-                      <m:jc m:val="centerGroup"/>
-                    </m:oMathParaPr>
-                    <m:oMath xmlns:m="http://schemas.openxmlformats.org/officeDocument/2006/math">
-                      <m:sSub>
-                        <m:sSubPr>
-                          <m:ctrlPr>
-                            <a:rPr kumimoji="1" lang="en-US" altLang="ko-KR" b="0" i="1" smtClean="0">
-                              <a:latin typeface="Cambria Math" panose="02040503050406030204" pitchFamily="18" charset="0"/>
-                            </a:rPr>
-                          </m:ctrlPr>
-                        </m:sSubPr>
-                        <m:e>
-                          <m:r>
-                            <a:rPr kumimoji="1" lang="en-US" altLang="ko-KR" b="0" i="1" smtClean="0">
-                              <a:latin typeface="Cambria Math" panose="02040503050406030204" pitchFamily="18" charset="0"/>
-                            </a:rPr>
-                            <m:t>𝜔</m:t>
-                          </m:r>
-                        </m:e>
-                        <m:sub>
-                          <m:r>
-                            <a:rPr kumimoji="1" lang="en-US" altLang="ko-KR" b="0" i="1" smtClean="0">
-                              <a:latin typeface="Cambria Math" panose="02040503050406030204" pitchFamily="18" charset="0"/>
-                            </a:rPr>
-                            <m:t>𝑡</m:t>
-                          </m:r>
-                        </m:sub>
-                      </m:sSub>
-                      <m:r>
-                        <a:rPr kumimoji="1" lang="en-US" altLang="ko-KR" b="0" i="1" smtClean="0">
-                          <a:latin typeface="Cambria Math" panose="02040503050406030204" pitchFamily="18" charset="0"/>
-                        </a:rPr>
-                        <m:t>=</m:t>
-                      </m:r>
-                      <m:r>
-                        <m:rPr>
-                          <m:sty m:val="p"/>
-                        </m:rPr>
-                        <a:rPr kumimoji="1" lang="en-US" altLang="ko-KR" b="0" i="1" smtClean="0">
-                          <a:latin typeface="Cambria Math" panose="02040503050406030204" pitchFamily="18" charset="0"/>
-                        </a:rPr>
-                        <m:t>MLP</m:t>
-                      </m:r>
-                      <m:r>
-                        <a:rPr kumimoji="1" lang="en-US" altLang="ko-KR" b="0" i="1" smtClean="0">
-                          <a:latin typeface="Cambria Math" panose="02040503050406030204" pitchFamily="18" charset="0"/>
-                        </a:rPr>
-                        <m:t>(</m:t>
-                      </m:r>
-                      <m:sSub>
-                        <m:sSubPr>
-                          <m:ctrlPr>
-                            <a:rPr kumimoji="1" lang="en-US" altLang="ko-KR" b="0" i="1" smtClean="0">
-                              <a:latin typeface="Cambria Math" panose="02040503050406030204" pitchFamily="18" charset="0"/>
-                            </a:rPr>
-                          </m:ctrlPr>
-                        </m:sSubPr>
-                        <m:e>
-                          <m:r>
-                            <a:rPr kumimoji="1" lang="en-US" altLang="ko-KR" b="0" i="1" smtClean="0">
-                              <a:latin typeface="Cambria Math" panose="02040503050406030204" pitchFamily="18" charset="0"/>
-                            </a:rPr>
-                            <m:t>𝑑</m:t>
-                          </m:r>
-                        </m:e>
-                        <m:sub>
-                          <m:sSub>
-                            <m:sSubPr>
-                              <m:ctrlPr>
-                                <a:rPr kumimoji="1" lang="en-US" altLang="ko-KR" b="0" i="1" smtClean="0">
-                                  <a:latin typeface="Cambria Math" panose="02040503050406030204" pitchFamily="18" charset="0"/>
-                                </a:rPr>
-                              </m:ctrlPr>
-                            </m:sSubPr>
-                            <m:e>
-                              <m:r>
-                                <a:rPr kumimoji="1" lang="en-US" altLang="ko-KR" b="0" i="1" smtClean="0">
-                                  <a:latin typeface="Cambria Math" panose="02040503050406030204" pitchFamily="18" charset="0"/>
-                                </a:rPr>
-                                <m:t>𝑡</m:t>
-                              </m:r>
-                            </m:e>
-                            <m:sub>
-                              <m:r>
-                                <a:rPr kumimoji="1" lang="en-US" altLang="ko-KR" b="0" i="1" smtClean="0">
-                                  <a:latin typeface="Cambria Math" panose="02040503050406030204" pitchFamily="18" charset="0"/>
-                                </a:rPr>
-                                <m:t>𝑖</m:t>
-                              </m:r>
-                            </m:sub>
-                          </m:sSub>
-                        </m:sub>
-                      </m:sSub>
-                      <m:r>
-                        <a:rPr kumimoji="1" lang="en-US" altLang="ko-KR" b="0" i="1" smtClean="0">
-                          <a:latin typeface="Cambria Math" panose="02040503050406030204" pitchFamily="18" charset="0"/>
-                        </a:rPr>
-                        <m:t>,1)</m:t>
-                      </m:r>
-                    </m:oMath>
-                  </m:oMathPara>
-                </a14:m>
-                <a:endParaRPr kumimoji="1" lang="ko-KR" altLang="en-US" dirty="0"/>
-              </a:p>
-            </p:txBody>
-          </p:sp>
-        </mc:Choice>
-        <mc:Fallback xmlns="">
-          <p:sp>
-            <p:nvSpPr>
-              <p:cNvPr id="52" name="TextBox 51">
-                <a:extLst>
-                  <a:ext uri="{FF2B5EF4-FFF2-40B4-BE49-F238E27FC236}">
-                    <a16:creationId xmlns:a16="http://schemas.microsoft.com/office/drawing/2014/main" id="{65F3083B-B47B-E523-C3D9-C9FBFE6AA669}"/>
-                  </a:ext>
-                </a:extLst>
-              </p:cNvPr>
-              <p:cNvSpPr txBox="1">
-                <a:spLocks noRot="1" noChangeAspect="1" noMove="1" noResize="1" noEditPoints="1" noAdjustHandles="1" noChangeArrowheads="1" noChangeShapeType="1" noTextEdit="1"/>
-              </p:cNvSpPr>
-              <p:nvPr/>
-            </p:nvSpPr>
-            <p:spPr>
-              <a:xfrm>
-                <a:off x="5492033" y="5753303"/>
-                <a:ext cx="1761829" cy="304186"/>
-              </a:xfrm>
-              <a:prstGeom prst="rect">
-                <a:avLst/>
-              </a:prstGeom>
-              <a:blipFill>
-                <a:blip r:embed="rId16"/>
-                <a:stretch>
-                  <a:fillRect l="-714" t="-4000" r="-2857" b="-20000"/>
-                </a:stretch>
-              </a:blipFill>
-            </p:spPr>
-            <p:txBody>
-              <a:bodyPr/>
-              <a:lstStyle/>
-              <a:p>
-                <a:r>
-                  <a:rPr lang="ko-KR" altLang="en-US">
-                    <a:noFill/>
-                  </a:rPr>
-                  <a:t> </a:t>
-                </a:r>
-              </a:p>
-            </p:txBody>
-          </p:sp>
-        </mc:Fallback>
-      </mc:AlternateContent>
-      <mc:AlternateContent xmlns:mc="http://schemas.openxmlformats.org/markup-compatibility/2006" xmlns:a14="http://schemas.microsoft.com/office/drawing/2010/main">
-        <mc:Choice Requires="a14">
+      <mc:AlternateContent xmlns:mc="http://schemas.openxmlformats.org/markup-compatibility/2006">
+        <mc:Choice xmlns:a14="http://schemas.microsoft.com/office/drawing/2010/main" Requires="a14">
           <p:sp>
             <p:nvSpPr>
               <p:cNvPr id="53" name="TextBox 52">
@@ -26977,8 +26735,8 @@
             </p:nvSpPr>
             <p:spPr>
               <a:xfrm>
-                <a:off x="8113489" y="2513148"/>
-                <a:ext cx="2460417" cy="276999"/>
+                <a:off x="8275989" y="2633548"/>
+                <a:ext cx="1405193" cy="278025"/>
               </a:xfrm>
               <a:prstGeom prst="rect">
                 <a:avLst/>
@@ -27011,7 +26769,7 @@
                             <a:rPr kumimoji="1" lang="en-US" altLang="ko-KR" b="0" i="1" smtClean="0">
                               <a:latin typeface="Cambria Math" panose="02040503050406030204" pitchFamily="18" charset="0"/>
                             </a:rPr>
-                            <m:t>𝑓</m:t>
+                            <m:t>h</m:t>
                           </m:r>
                         </m:e>
                         <m:sub>
@@ -27027,47 +26785,22 @@
                         <a:rPr kumimoji="1" lang="en-US" altLang="ko-KR" b="0" i="1" smtClean="0">
                           <a:latin typeface="Cambria Math" panose="02040503050406030204" pitchFamily="18" charset="0"/>
                         </a:rPr>
-                        <m:t>=</m:t>
+                        <m:t>=[</m:t>
                       </m:r>
-                      <m:sSub>
-                        <m:sSubPr>
+                      <m:sSubSup>
+                        <m:sSubSupPr>
                           <m:ctrlPr>
                             <a:rPr kumimoji="1" lang="en-US" altLang="ko-KR" b="0" i="1" smtClean="0">
                               <a:latin typeface="Cambria Math" panose="02040503050406030204" pitchFamily="18" charset="0"/>
                             </a:rPr>
                           </m:ctrlPr>
-                        </m:sSubPr>
+                        </m:sSubSupPr>
                         <m:e>
                           <m:r>
                             <a:rPr kumimoji="1" lang="en-US" altLang="ko-KR" b="0" i="1" smtClean="0">
                               <a:latin typeface="Cambria Math" panose="02040503050406030204" pitchFamily="18" charset="0"/>
                             </a:rPr>
-                            <m:t>𝜔</m:t>
-                          </m:r>
-                        </m:e>
-                        <m:sub>
-                          <m:r>
-                            <a:rPr kumimoji="1" lang="en-US" altLang="ko-KR" b="0" i="1" smtClean="0">
-                              <a:latin typeface="Cambria Math" panose="02040503050406030204" pitchFamily="18" charset="0"/>
-                            </a:rPr>
-                            <m:t>𝑣</m:t>
-                          </m:r>
-                        </m:sub>
-                      </m:sSub>
-                      <m:sSub>
-                        <m:sSubPr>
-                          <m:ctrlPr>
-                            <a:rPr kumimoji="1" lang="en-US" altLang="ko-KR" b="0" i="1" smtClean="0">
-                              <a:latin typeface="Cambria Math" panose="02040503050406030204" pitchFamily="18" charset="0"/>
-                            </a:rPr>
-                          </m:ctrlPr>
-                        </m:sSubPr>
-                        <m:e>
-                          <m:r>
-                            <a:rPr kumimoji="1" lang="en-US" altLang="ko-KR" b="0" i="1" smtClean="0">
-                              <a:latin typeface="Cambria Math" panose="02040503050406030204" pitchFamily="18" charset="0"/>
-                            </a:rPr>
-                            <m:t>𝑣</m:t>
+                            <m:t>𝑓</m:t>
                           </m:r>
                         </m:e>
                         <m:sub>
@@ -27078,52 +26811,35 @@
                             <m:t>𝑖</m:t>
                           </m:r>
                         </m:sub>
-                      </m:sSub>
+                        <m:sup>
+                          <m:r>
+                            <a:rPr kumimoji="1" lang="en-US" altLang="ko-KR" b="0" i="1" smtClean="0">
+                              <a:latin typeface="Cambria Math" panose="02040503050406030204" pitchFamily="18" charset="0"/>
+                            </a:rPr>
+                            <m:t>𝑚</m:t>
+                          </m:r>
+                        </m:sup>
+                      </m:sSubSup>
                       <m:r>
                         <a:rPr kumimoji="1" lang="en-US" altLang="ko-KR" b="0" i="1" smtClean="0">
                           <a:latin typeface="Cambria Math" panose="02040503050406030204" pitchFamily="18" charset="0"/>
                         </a:rPr>
-                        <m:t>+</m:t>
+                        <m:t>,</m:t>
                       </m:r>
-                      <m:sSub>
-                        <m:sSubPr>
+                      <m:sSubSup>
+                        <m:sSubSupPr>
                           <m:ctrlPr>
                             <a:rPr kumimoji="1" lang="en-US" altLang="ko-KR" b="0" i="1" smtClean="0">
                               <a:latin typeface="Cambria Math" panose="02040503050406030204" pitchFamily="18" charset="0"/>
                             </a:rPr>
                           </m:ctrlPr>
-                        </m:sSubPr>
+                        </m:sSubSupPr>
                         <m:e>
                           <m:r>
                             <a:rPr kumimoji="1" lang="en-US" altLang="ko-KR" b="0" i="1" smtClean="0">
                               <a:latin typeface="Cambria Math" panose="02040503050406030204" pitchFamily="18" charset="0"/>
                             </a:rPr>
-                            <m:t>𝜔</m:t>
-                          </m:r>
-                        </m:e>
-                        <m:sub>
-                          <m:r>
-                            <a:rPr kumimoji="1" lang="en-US" altLang="ko-KR" b="0" i="1" smtClean="0">
-                              <a:latin typeface="Cambria Math" panose="02040503050406030204" pitchFamily="18" charset="0"/>
-                            </a:rPr>
-                            <m:t>𝑎</m:t>
-                          </m:r>
-                        </m:sub>
-                      </m:sSub>
-                      <m:sSub>
-                        <m:sSubPr>
-                          <m:ctrlPr>
-                            <a:rPr kumimoji="1" lang="en-US" altLang="ko-KR" b="0" i="1" smtClean="0">
-                              <a:latin typeface="Cambria Math" panose="02040503050406030204" pitchFamily="18" charset="0"/>
-                            </a:rPr>
-                          </m:ctrlPr>
-                        </m:sSubPr>
-                        <m:e>
-                          <m:r>
-                            <a:rPr kumimoji="1" lang="en-US" altLang="ko-KR" b="0" i="1" smtClean="0">
-                              <a:latin typeface="Cambria Math" panose="02040503050406030204" pitchFamily="18" charset="0"/>
-                            </a:rPr>
-                            <m:t>𝑎</m:t>
+                            <m:t>𝑓</m:t>
                           </m:r>
                         </m:e>
                         <m:sub>
@@ -27134,63 +26850,21 @@
                             <m:t>𝑖</m:t>
                           </m:r>
                         </m:sub>
-                      </m:sSub>
+                        <m:sup>
+                          <m:r>
+                            <a:rPr kumimoji="1" lang="en-US" altLang="ko-KR" b="0" i="1" smtClean="0">
+                              <a:latin typeface="Cambria Math" panose="02040503050406030204" pitchFamily="18" charset="0"/>
+                            </a:rPr>
+                            <m:t>𝑢</m:t>
+                          </m:r>
+                        </m:sup>
+                      </m:sSubSup>
                       <m:r>
                         <a:rPr kumimoji="1" lang="en-US" altLang="ko-KR" b="0" i="1" smtClean="0">
                           <a:latin typeface="Cambria Math" panose="02040503050406030204" pitchFamily="18" charset="0"/>
                         </a:rPr>
-                        <m:t>+</m:t>
+                        <m:t>]</m:t>
                       </m:r>
-                      <m:sSub>
-                        <m:sSubPr>
-                          <m:ctrlPr>
-                            <a:rPr kumimoji="1" lang="en-US" altLang="ko-KR" b="0" i="1" smtClean="0">
-                              <a:latin typeface="Cambria Math" panose="02040503050406030204" pitchFamily="18" charset="0"/>
-                            </a:rPr>
-                          </m:ctrlPr>
-                        </m:sSubPr>
-                        <m:e>
-                          <m:r>
-                            <a:rPr kumimoji="1" lang="en-US" altLang="ko-KR" b="0" i="1" smtClean="0">
-                              <a:latin typeface="Cambria Math" panose="02040503050406030204" pitchFamily="18" charset="0"/>
-                            </a:rPr>
-                            <m:t>𝜔</m:t>
-                          </m:r>
-                        </m:e>
-                        <m:sub>
-                          <m:r>
-                            <a:rPr kumimoji="1" lang="en-US" altLang="ko-KR" b="0" i="1" smtClean="0">
-                              <a:latin typeface="Cambria Math" panose="02040503050406030204" pitchFamily="18" charset="0"/>
-                            </a:rPr>
-                            <m:t>𝑡</m:t>
-                          </m:r>
-                        </m:sub>
-                      </m:sSub>
-                      <m:sSub>
-                        <m:sSubPr>
-                          <m:ctrlPr>
-                            <a:rPr kumimoji="1" lang="en-US" altLang="ko-KR" b="0" i="1" smtClean="0">
-                              <a:latin typeface="Cambria Math" panose="02040503050406030204" pitchFamily="18" charset="0"/>
-                            </a:rPr>
-                          </m:ctrlPr>
-                        </m:sSubPr>
-                        <m:e>
-                          <m:r>
-                            <a:rPr kumimoji="1" lang="en-US" altLang="ko-KR" b="0" i="1" smtClean="0">
-                              <a:latin typeface="Cambria Math" panose="02040503050406030204" pitchFamily="18" charset="0"/>
-                            </a:rPr>
-                            <m:t>𝑡</m:t>
-                          </m:r>
-                        </m:e>
-                        <m:sub>
-                          <m:r>
-                            <a:rPr kumimoji="1" lang="en-US" altLang="ko-KR" b="0" i="1" smtClean="0">
-                              <a:latin typeface="Cambria Math" panose="02040503050406030204" pitchFamily="18" charset="0"/>
-                            </a:rPr>
-                            <m:t>𝑖</m:t>
-                          </m:r>
-                        </m:sub>
-                      </m:sSub>
                     </m:oMath>
                   </m:oMathPara>
                 </a14:m>
@@ -27199,7 +26873,7 @@
             </p:txBody>
           </p:sp>
         </mc:Choice>
-        <mc:Fallback xmlns="">
+        <mc:Fallback>
           <p:sp>
             <p:nvSpPr>
               <p:cNvPr id="53" name="TextBox 52">
@@ -27216,16 +26890,16 @@
             </p:nvSpPr>
             <p:spPr>
               <a:xfrm>
-                <a:off x="8113489" y="2513148"/>
-                <a:ext cx="2460417" cy="276999"/>
+                <a:off x="8275989" y="2633548"/>
+                <a:ext cx="1405193" cy="278025"/>
               </a:xfrm>
               <a:prstGeom prst="rect">
                 <a:avLst/>
               </a:prstGeom>
               <a:blipFill>
-                <a:blip r:embed="rId17"/>
+                <a:blip r:embed="rId12"/>
                 <a:stretch>
-                  <a:fillRect l="-2051" b="-39130"/>
+                  <a:fillRect l="-2679" t="-4348" r="-4464" b="-34783"/>
                 </a:stretch>
               </a:blipFill>
             </p:spPr>
@@ -27389,6 +27063,7 @@
             </a:extLst>
           </p:cNvPr>
           <p:cNvCxnSpPr>
+            <a:cxnSpLocks/>
             <a:stCxn id="46" idx="3"/>
             <a:endCxn id="54" idx="1"/>
           </p:cNvCxnSpPr>
@@ -27396,50 +27071,8 @@
         </p:nvCxnSpPr>
         <p:spPr>
           <a:xfrm>
-            <a:off x="7212570" y="1478119"/>
-            <a:ext cx="1208308" cy="2065456"/>
-          </a:xfrm>
-          <a:prstGeom prst="straightConnector1">
-            <a:avLst/>
-          </a:prstGeom>
-          <a:ln>
-            <a:tailEnd type="triangle"/>
-          </a:ln>
-        </p:spPr>
-        <p:style>
-          <a:lnRef idx="1">
-            <a:schemeClr val="accent1"/>
-          </a:lnRef>
-          <a:fillRef idx="0">
-            <a:schemeClr val="accent1"/>
-          </a:fillRef>
-          <a:effectRef idx="0">
-            <a:schemeClr val="accent1"/>
-          </a:effectRef>
-          <a:fontRef idx="minor">
-            <a:schemeClr val="tx1"/>
-          </a:fontRef>
-        </p:style>
-      </p:cxnSp>
-      <p:cxnSp>
-        <p:nvCxnSpPr>
-          <p:cNvPr id="60" name="직선 화살표 연결선 59">
-            <a:extLst>
-              <a:ext uri="{FF2B5EF4-FFF2-40B4-BE49-F238E27FC236}">
-                <a16:creationId xmlns:a16="http://schemas.microsoft.com/office/drawing/2014/main" id="{5349249A-7663-F565-59D0-9D1256CA931E}"/>
-              </a:ext>
-            </a:extLst>
-          </p:cNvPr>
-          <p:cNvCxnSpPr>
-            <a:stCxn id="47" idx="3"/>
-            <a:endCxn id="54" idx="1"/>
-          </p:cNvCxnSpPr>
-          <p:nvPr/>
-        </p:nvCxnSpPr>
-        <p:spPr>
-          <a:xfrm flipV="1">
-            <a:off x="7204169" y="3543575"/>
-            <a:ext cx="1216709" cy="2630"/>
+            <a:off x="7814778" y="2812077"/>
+            <a:ext cx="606100" cy="731498"/>
           </a:xfrm>
           <a:prstGeom prst="straightConnector1">
             <a:avLst/>
@@ -27473,15 +27106,16 @@
             </a:extLst>
           </p:cNvPr>
           <p:cNvCxnSpPr>
-            <a:stCxn id="48" idx="3"/>
+            <a:cxnSpLocks/>
+            <a:stCxn id="18" idx="3"/>
             <a:endCxn id="54" idx="1"/>
           </p:cNvCxnSpPr>
           <p:nvPr/>
         </p:nvCxnSpPr>
         <p:spPr>
           <a:xfrm flipV="1">
-            <a:off x="7075223" y="3543575"/>
-            <a:ext cx="1345655" cy="2070716"/>
+            <a:off x="7821259" y="3543575"/>
+            <a:ext cx="599619" cy="695741"/>
           </a:xfrm>
           <a:prstGeom prst="straightConnector1">
             <a:avLst/>
@@ -27505,71 +27139,279 @@
           </a:fontRef>
         </p:style>
       </p:cxnSp>
-      <p:sp>
-        <p:nvSpPr>
-          <p:cNvPr id="64" name="TextBox 63">
+      <mc:AlternateContent xmlns:mc="http://schemas.openxmlformats.org/markup-compatibility/2006">
+        <mc:Choice xmlns:a14="http://schemas.microsoft.com/office/drawing/2010/main" Requires="a14">
+          <p:sp>
+            <p:nvSpPr>
+              <p:cNvPr id="18" name="TextBox 17">
+                <a:extLst>
+                  <a:ext uri="{FF2B5EF4-FFF2-40B4-BE49-F238E27FC236}">
+                    <a16:creationId xmlns:a16="http://schemas.microsoft.com/office/drawing/2014/main" id="{69294A1A-1861-47F3-FCCB-2F3B5F09095D}"/>
+                  </a:ext>
+                </a:extLst>
+              </p:cNvPr>
+              <p:cNvSpPr txBox="1"/>
+              <p:nvPr/>
+            </p:nvSpPr>
+            <p:spPr>
+              <a:xfrm>
+                <a:off x="5857902" y="4100303"/>
+                <a:ext cx="1963357" cy="278025"/>
+              </a:xfrm>
+              <a:prstGeom prst="rect">
+                <a:avLst/>
+              </a:prstGeom>
+              <a:noFill/>
+            </p:spPr>
+            <p:txBody>
+              <a:bodyPr wrap="square" lIns="0" tIns="0" rIns="0" bIns="0" rtlCol="0">
+                <a:spAutoFit/>
+              </a:bodyPr>
+              <a:lstStyle/>
+              <a:p>
+                <a:pPr/>
+                <a14:m>
+                  <m:oMathPara xmlns:m="http://schemas.openxmlformats.org/officeDocument/2006/math">
+                    <m:oMathParaPr>
+                      <m:jc m:val="center"/>
+                    </m:oMathParaPr>
+                    <m:oMath xmlns:m="http://schemas.openxmlformats.org/officeDocument/2006/math">
+                      <m:sSubSup>
+                        <m:sSubSupPr>
+                          <m:ctrlPr>
+                            <a:rPr kumimoji="1" lang="en-US" altLang="ko-KR" b="0" i="1" smtClean="0">
+                              <a:latin typeface="Cambria Math" panose="02040503050406030204" pitchFamily="18" charset="0"/>
+                            </a:rPr>
+                          </m:ctrlPr>
+                        </m:sSubSupPr>
+                        <m:e>
+                          <m:r>
+                            <a:rPr kumimoji="1" lang="en-US" altLang="ko-KR" b="0" i="1" smtClean="0">
+                              <a:latin typeface="Cambria Math" panose="02040503050406030204" pitchFamily="18" charset="0"/>
+                            </a:rPr>
+                            <m:t>𝑓</m:t>
+                          </m:r>
+                        </m:e>
+                        <m:sub>
+                          <m:r>
+                            <a:rPr kumimoji="1" lang="en-US" altLang="ko-KR" b="0" i="1" smtClean="0">
+                              <a:latin typeface="Cambria Math" panose="02040503050406030204" pitchFamily="18" charset="0"/>
+                            </a:rPr>
+                            <m:t>𝑖</m:t>
+                          </m:r>
+                        </m:sub>
+                        <m:sup>
+                          <m:r>
+                            <a:rPr kumimoji="1" lang="en-US" altLang="ko-KR" b="0" i="1" smtClean="0">
+                              <a:latin typeface="Cambria Math" panose="02040503050406030204" pitchFamily="18" charset="0"/>
+                            </a:rPr>
+                            <m:t>𝑢</m:t>
+                          </m:r>
+                        </m:sup>
+                      </m:sSubSup>
+                      <m:r>
+                        <a:rPr kumimoji="1" lang="en-US" altLang="ko-KR" b="0" i="1" smtClean="0">
+                          <a:latin typeface="Cambria Math" panose="02040503050406030204" pitchFamily="18" charset="0"/>
+                        </a:rPr>
+                        <m:t>=[</m:t>
+                      </m:r>
+                      <m:sSubSup>
+                        <m:sSubSupPr>
+                          <m:ctrlPr>
+                            <a:rPr kumimoji="1" lang="en-US" altLang="ko-KR" b="0" i="1" smtClean="0">
+                              <a:latin typeface="Cambria Math" panose="02040503050406030204" pitchFamily="18" charset="0"/>
+                            </a:rPr>
+                          </m:ctrlPr>
+                        </m:sSubSupPr>
+                        <m:e>
+                          <m:r>
+                            <a:rPr kumimoji="1" lang="en-US" altLang="ko-KR" b="0" i="1" smtClean="0">
+                              <a:latin typeface="Cambria Math" panose="02040503050406030204" pitchFamily="18" charset="0"/>
+                            </a:rPr>
+                            <m:t>𝑣</m:t>
+                          </m:r>
+                        </m:e>
+                        <m:sub>
+                          <m:r>
+                            <a:rPr kumimoji="1" lang="en-US" altLang="ko-KR" b="0" i="1" smtClean="0">
+                              <a:latin typeface="Cambria Math" panose="02040503050406030204" pitchFamily="18" charset="0"/>
+                            </a:rPr>
+                            <m:t>𝑖</m:t>
+                          </m:r>
+                        </m:sub>
+                        <m:sup>
+                          <m:r>
+                            <a:rPr kumimoji="1" lang="en-US" altLang="ko-KR" b="0" i="1" smtClean="0">
+                              <a:latin typeface="Cambria Math" panose="02040503050406030204" pitchFamily="18" charset="0"/>
+                            </a:rPr>
+                            <m:t>𝑢</m:t>
+                          </m:r>
+                        </m:sup>
+                      </m:sSubSup>
+                      <m:r>
+                        <a:rPr kumimoji="1" lang="en-US" altLang="ko-KR" b="0" i="1" smtClean="0">
+                          <a:latin typeface="Cambria Math" panose="02040503050406030204" pitchFamily="18" charset="0"/>
+                        </a:rPr>
+                        <m:t>,</m:t>
+                      </m:r>
+                      <m:sSubSup>
+                        <m:sSubSupPr>
+                          <m:ctrlPr>
+                            <a:rPr kumimoji="1" lang="en-US" altLang="ko-KR" b="0" i="1" smtClean="0">
+                              <a:latin typeface="Cambria Math" panose="02040503050406030204" pitchFamily="18" charset="0"/>
+                            </a:rPr>
+                          </m:ctrlPr>
+                        </m:sSubSupPr>
+                        <m:e>
+                          <m:r>
+                            <a:rPr kumimoji="1" lang="en-US" altLang="ko-KR" b="0" i="1" smtClean="0">
+                              <a:latin typeface="Cambria Math" panose="02040503050406030204" pitchFamily="18" charset="0"/>
+                            </a:rPr>
+                            <m:t>𝑎</m:t>
+                          </m:r>
+                        </m:e>
+                        <m:sub>
+                          <m:r>
+                            <a:rPr kumimoji="1" lang="en-US" altLang="ko-KR" b="0" i="1" smtClean="0">
+                              <a:latin typeface="Cambria Math" panose="02040503050406030204" pitchFamily="18" charset="0"/>
+                            </a:rPr>
+                            <m:t>𝑖</m:t>
+                          </m:r>
+                        </m:sub>
+                        <m:sup>
+                          <m:r>
+                            <a:rPr kumimoji="1" lang="en-US" altLang="ko-KR" b="0" i="1" smtClean="0">
+                              <a:latin typeface="Cambria Math" panose="02040503050406030204" pitchFamily="18" charset="0"/>
+                            </a:rPr>
+                            <m:t>𝑢</m:t>
+                          </m:r>
+                        </m:sup>
+                      </m:sSubSup>
+                      <m:r>
+                        <a:rPr kumimoji="1" lang="en-US" altLang="ko-KR" b="0" i="1" smtClean="0">
+                          <a:latin typeface="Cambria Math" panose="02040503050406030204" pitchFamily="18" charset="0"/>
+                        </a:rPr>
+                        <m:t>,</m:t>
+                      </m:r>
+                      <m:sSubSup>
+                        <m:sSubSupPr>
+                          <m:ctrlPr>
+                            <a:rPr kumimoji="1" lang="en-US" altLang="ko-KR" b="0" i="1" smtClean="0">
+                              <a:latin typeface="Cambria Math" panose="02040503050406030204" pitchFamily="18" charset="0"/>
+                            </a:rPr>
+                          </m:ctrlPr>
+                        </m:sSubSupPr>
+                        <m:e>
+                          <m:r>
+                            <a:rPr kumimoji="1" lang="en-US" altLang="ko-KR" b="0" i="1" smtClean="0">
+                              <a:latin typeface="Cambria Math" panose="02040503050406030204" pitchFamily="18" charset="0"/>
+                            </a:rPr>
+                            <m:t>𝑡</m:t>
+                          </m:r>
+                        </m:e>
+                        <m:sub>
+                          <m:r>
+                            <a:rPr kumimoji="1" lang="en-US" altLang="ko-KR" b="0" i="1" smtClean="0">
+                              <a:latin typeface="Cambria Math" panose="02040503050406030204" pitchFamily="18" charset="0"/>
+                            </a:rPr>
+                            <m:t>𝑖</m:t>
+                          </m:r>
+                        </m:sub>
+                        <m:sup>
+                          <m:r>
+                            <a:rPr kumimoji="1" lang="en-US" altLang="ko-KR" b="0" i="1" smtClean="0">
+                              <a:latin typeface="Cambria Math" panose="02040503050406030204" pitchFamily="18" charset="0"/>
+                            </a:rPr>
+                            <m:t>𝑢</m:t>
+                          </m:r>
+                        </m:sup>
+                      </m:sSubSup>
+                      <m:r>
+                        <a:rPr kumimoji="1" lang="en-US" altLang="ko-KR" b="0" i="1" smtClean="0">
+                          <a:latin typeface="Cambria Math" panose="02040503050406030204" pitchFamily="18" charset="0"/>
+                        </a:rPr>
+                        <m:t>] </m:t>
+                      </m:r>
+                    </m:oMath>
+                  </m:oMathPara>
+                </a14:m>
+                <a:endParaRPr kumimoji="1" lang="ko-KR" altLang="en-US" dirty="0"/>
+              </a:p>
+            </p:txBody>
+          </p:sp>
+        </mc:Choice>
+        <mc:Fallback>
+          <p:sp>
+            <p:nvSpPr>
+              <p:cNvPr id="18" name="TextBox 17">
+                <a:extLst>
+                  <a:ext uri="{FF2B5EF4-FFF2-40B4-BE49-F238E27FC236}">
+                    <a16:creationId xmlns:a16="http://schemas.microsoft.com/office/drawing/2014/main" id="{69294A1A-1861-47F3-FCCB-2F3B5F09095D}"/>
+                  </a:ext>
+                </a:extLst>
+              </p:cNvPr>
+              <p:cNvSpPr txBox="1">
+                <a:spLocks noRot="1" noChangeAspect="1" noMove="1" noResize="1" noEditPoints="1" noAdjustHandles="1" noChangeArrowheads="1" noChangeShapeType="1" noTextEdit="1"/>
+              </p:cNvSpPr>
+              <p:nvPr/>
+            </p:nvSpPr>
+            <p:spPr>
+              <a:xfrm>
+                <a:off x="5857902" y="4100303"/>
+                <a:ext cx="1963357" cy="278025"/>
+              </a:xfrm>
+              <a:prstGeom prst="rect">
+                <a:avLst/>
+              </a:prstGeom>
+              <a:blipFill>
+                <a:blip r:embed="rId13"/>
+                <a:stretch>
+                  <a:fillRect t="-9091" b="-40909"/>
+                </a:stretch>
+              </a:blipFill>
+            </p:spPr>
+            <p:txBody>
+              <a:bodyPr/>
+              <a:lstStyle/>
+              <a:p>
+                <a:r>
+                  <a:rPr lang="ko-KR" altLang="en-US">
+                    <a:noFill/>
+                  </a:rPr>
+                  <a:t> </a:t>
+                </a:r>
+              </a:p>
+            </p:txBody>
+          </p:sp>
+        </mc:Fallback>
+      </mc:AlternateContent>
+      <p:cxnSp>
+        <p:nvCxnSpPr>
+          <p:cNvPr id="49" name="직선 화살표 연결선 48">
             <a:extLst>
               <a:ext uri="{FF2B5EF4-FFF2-40B4-BE49-F238E27FC236}">
-                <a16:creationId xmlns:a16="http://schemas.microsoft.com/office/drawing/2014/main" id="{E0ACE7F5-6451-076E-67C7-07449DEEFA6F}"/>
-              </a:ext>
-            </a:extLst>
-          </p:cNvPr>
-          <p:cNvSpPr txBox="1"/>
-          <p:nvPr/>
-        </p:nvSpPr>
-        <p:spPr>
-          <a:xfrm>
-            <a:off x="9049633" y="1794918"/>
-            <a:ext cx="1048685" cy="307777"/>
-          </a:xfrm>
-          <a:prstGeom prst="rect">
-            <a:avLst/>
-          </a:prstGeom>
-          <a:noFill/>
-        </p:spPr>
-        <p:txBody>
-          <a:bodyPr wrap="none" rtlCol="0">
-            <a:spAutoFit/>
-          </a:bodyPr>
-          <a:lstStyle/>
-          <a:p>
-            <a:r>
-              <a:rPr kumimoji="1" lang="en-US" altLang="ko-KR" sz="1400" dirty="0">
-                <a:latin typeface="S-Core Dream 4 Regular" panose="020B0503030302020204" pitchFamily="34" charset="-127"/>
-                <a:ea typeface="S-Core Dream 4 Regular" panose="020B0503030302020204" pitchFamily="34" charset="-127"/>
-              </a:rPr>
-              <a:t>Learnable</a:t>
-            </a:r>
-            <a:endParaRPr kumimoji="1" lang="ko-KR" altLang="en-US" sz="1400" dirty="0">
-              <a:latin typeface="S-Core Dream 4 Regular" panose="020B0503030302020204" pitchFamily="34" charset="-127"/>
-              <a:ea typeface="S-Core Dream 4 Regular" panose="020B0503030302020204" pitchFamily="34" charset="-127"/>
-            </a:endParaRPr>
-          </a:p>
-        </p:txBody>
-      </p:sp>
-      <p:cxnSp>
-        <p:nvCxnSpPr>
-          <p:cNvPr id="65" name="직선 화살표 연결선 64">
-            <a:extLst>
-              <a:ext uri="{FF2B5EF4-FFF2-40B4-BE49-F238E27FC236}">
-                <a16:creationId xmlns:a16="http://schemas.microsoft.com/office/drawing/2014/main" id="{461779D5-0433-787E-8246-637E46B88C2F}"/>
+                <a16:creationId xmlns:a16="http://schemas.microsoft.com/office/drawing/2014/main" id="{84EB3ABC-2B93-F8CA-0EC4-3A96B21E8D6A}"/>
               </a:ext>
             </a:extLst>
           </p:cNvPr>
           <p:cNvCxnSpPr>
-            <a:stCxn id="64" idx="2"/>
+            <a:stCxn id="31" idx="3"/>
+            <a:endCxn id="43" idx="1"/>
           </p:cNvCxnSpPr>
           <p:nvPr/>
         </p:nvCxnSpPr>
         <p:spPr>
-          <a:xfrm flipH="1">
-            <a:off x="8769962" y="2102695"/>
-            <a:ext cx="804014" cy="466754"/>
+          <a:xfrm>
+            <a:off x="4834350" y="1167862"/>
+            <a:ext cx="716034" cy="1572557"/>
           </a:xfrm>
           <a:prstGeom prst="straightConnector1">
             <a:avLst/>
           </a:prstGeom>
-          <a:ln>
+          <a:ln w="28575">
+            <a:solidFill>
+              <a:srgbClr val="93A201"/>
+            </a:solidFill>
             <a:tailEnd type="triangle"/>
           </a:ln>
         </p:spPr>
@@ -27590,27 +27432,31 @@
       </p:cxnSp>
       <p:cxnSp>
         <p:nvCxnSpPr>
-          <p:cNvPr id="66" name="직선 화살표 연결선 65">
+          <p:cNvPr id="59" name="직선 화살표 연결선 58">
             <a:extLst>
               <a:ext uri="{FF2B5EF4-FFF2-40B4-BE49-F238E27FC236}">
-                <a16:creationId xmlns:a16="http://schemas.microsoft.com/office/drawing/2014/main" id="{7A2C9F4A-8219-F35D-8F5B-23A335BC474A}"/>
+                <a16:creationId xmlns:a16="http://schemas.microsoft.com/office/drawing/2014/main" id="{CFE497D5-3825-F454-909A-841A9346BD7D}"/>
               </a:ext>
             </a:extLst>
           </p:cNvPr>
           <p:cNvCxnSpPr>
-            <a:stCxn id="64" idx="2"/>
+            <a:stCxn id="35" idx="3"/>
+            <a:endCxn id="43" idx="1"/>
           </p:cNvCxnSpPr>
           <p:nvPr/>
         </p:nvCxnSpPr>
         <p:spPr>
-          <a:xfrm flipH="1">
-            <a:off x="9446774" y="2102695"/>
-            <a:ext cx="127202" cy="450554"/>
+          <a:xfrm flipV="1">
+            <a:off x="4829731" y="2740419"/>
+            <a:ext cx="720653" cy="458772"/>
           </a:xfrm>
           <a:prstGeom prst="straightConnector1">
             <a:avLst/>
           </a:prstGeom>
-          <a:ln>
+          <a:ln w="28575">
+            <a:solidFill>
+              <a:srgbClr val="93A201"/>
+            </a:solidFill>
             <a:tailEnd type="triangle"/>
           </a:ln>
         </p:spPr>
@@ -27631,27 +27477,175 @@
       </p:cxnSp>
       <p:cxnSp>
         <p:nvCxnSpPr>
-          <p:cNvPr id="67" name="직선 화살표 연결선 66">
+          <p:cNvPr id="63" name="직선 화살표 연결선 62">
             <a:extLst>
               <a:ext uri="{FF2B5EF4-FFF2-40B4-BE49-F238E27FC236}">
-                <a16:creationId xmlns:a16="http://schemas.microsoft.com/office/drawing/2014/main" id="{7B10A1FA-35C7-8E88-EF2E-D8095A19E6F0}"/>
+                <a16:creationId xmlns:a16="http://schemas.microsoft.com/office/drawing/2014/main" id="{AAE75544-C868-E800-9677-3F59275B5388}"/>
               </a:ext>
             </a:extLst>
           </p:cNvPr>
           <p:cNvCxnSpPr>
-            <a:stCxn id="64" idx="2"/>
+            <a:stCxn id="37" idx="3"/>
+            <a:endCxn id="43" idx="1"/>
+          </p:cNvCxnSpPr>
+          <p:nvPr/>
+        </p:nvCxnSpPr>
+        <p:spPr>
+          <a:xfrm flipV="1">
+            <a:off x="4800171" y="2740419"/>
+            <a:ext cx="750213" cy="2490101"/>
+          </a:xfrm>
+          <a:prstGeom prst="straightConnector1">
+            <a:avLst/>
+          </a:prstGeom>
+          <a:ln w="28575">
+            <a:solidFill>
+              <a:srgbClr val="93A201"/>
+            </a:solidFill>
+            <a:tailEnd type="triangle"/>
+          </a:ln>
+        </p:spPr>
+        <p:style>
+          <a:lnRef idx="1">
+            <a:schemeClr val="accent1"/>
+          </a:lnRef>
+          <a:fillRef idx="0">
+            <a:schemeClr val="accent1"/>
+          </a:fillRef>
+          <a:effectRef idx="0">
+            <a:schemeClr val="accent1"/>
+          </a:effectRef>
+          <a:fontRef idx="minor">
+            <a:schemeClr val="tx1"/>
+          </a:fontRef>
+        </p:style>
+      </p:cxnSp>
+      <p:cxnSp>
+        <p:nvCxnSpPr>
+          <p:cNvPr id="69" name="직선 화살표 연결선 68">
+            <a:extLst>
+              <a:ext uri="{FF2B5EF4-FFF2-40B4-BE49-F238E27FC236}">
+                <a16:creationId xmlns:a16="http://schemas.microsoft.com/office/drawing/2014/main" id="{BE1B8A79-3794-05FF-7CBC-A2FB0E9CDA2A}"/>
+              </a:ext>
+            </a:extLst>
+          </p:cNvPr>
+          <p:cNvCxnSpPr>
+            <a:stCxn id="38" idx="3"/>
+            <a:endCxn id="45" idx="1"/>
           </p:cNvCxnSpPr>
           <p:nvPr/>
         </p:nvCxnSpPr>
         <p:spPr>
           <a:xfrm>
-            <a:off x="9573976" y="2102695"/>
-            <a:ext cx="535563" cy="466754"/>
+            <a:off x="4882437" y="1881048"/>
+            <a:ext cx="667815" cy="2424190"/>
           </a:xfrm>
           <a:prstGeom prst="straightConnector1">
             <a:avLst/>
           </a:prstGeom>
-          <a:ln>
+          <a:ln w="28575">
+            <a:solidFill>
+              <a:schemeClr val="accent2">
+                <a:lumMod val="60000"/>
+                <a:lumOff val="40000"/>
+              </a:schemeClr>
+            </a:solidFill>
+            <a:tailEnd type="triangle"/>
+          </a:ln>
+        </p:spPr>
+        <p:style>
+          <a:lnRef idx="1">
+            <a:schemeClr val="accent1"/>
+          </a:lnRef>
+          <a:fillRef idx="0">
+            <a:schemeClr val="accent1"/>
+          </a:fillRef>
+          <a:effectRef idx="0">
+            <a:schemeClr val="accent1"/>
+          </a:effectRef>
+          <a:fontRef idx="minor">
+            <a:schemeClr val="tx1"/>
+          </a:fontRef>
+        </p:style>
+      </p:cxnSp>
+      <p:cxnSp>
+        <p:nvCxnSpPr>
+          <p:cNvPr id="71" name="직선 화살표 연결선 70">
+            <a:extLst>
+              <a:ext uri="{FF2B5EF4-FFF2-40B4-BE49-F238E27FC236}">
+                <a16:creationId xmlns:a16="http://schemas.microsoft.com/office/drawing/2014/main" id="{D1DB2A63-45FA-32AE-EE94-402EA87AE95D}"/>
+              </a:ext>
+            </a:extLst>
+          </p:cNvPr>
+          <p:cNvCxnSpPr>
+            <a:stCxn id="41" idx="3"/>
+            <a:endCxn id="45" idx="1"/>
+          </p:cNvCxnSpPr>
+          <p:nvPr/>
+        </p:nvCxnSpPr>
+        <p:spPr>
+          <a:xfrm>
+            <a:off x="4870274" y="3901460"/>
+            <a:ext cx="679978" cy="403778"/>
+          </a:xfrm>
+          <a:prstGeom prst="straightConnector1">
+            <a:avLst/>
+          </a:prstGeom>
+          <a:ln w="28575">
+            <a:solidFill>
+              <a:schemeClr val="accent2">
+                <a:lumMod val="60000"/>
+                <a:lumOff val="40000"/>
+              </a:schemeClr>
+            </a:solidFill>
+            <a:tailEnd type="triangle"/>
+          </a:ln>
+        </p:spPr>
+        <p:style>
+          <a:lnRef idx="1">
+            <a:schemeClr val="accent1"/>
+          </a:lnRef>
+          <a:fillRef idx="0">
+            <a:schemeClr val="accent1"/>
+          </a:fillRef>
+          <a:effectRef idx="0">
+            <a:schemeClr val="accent1"/>
+          </a:effectRef>
+          <a:fontRef idx="minor">
+            <a:schemeClr val="tx1"/>
+          </a:fontRef>
+        </p:style>
+      </p:cxnSp>
+      <p:cxnSp>
+        <p:nvCxnSpPr>
+          <p:cNvPr id="73" name="직선 화살표 연결선 72">
+            <a:extLst>
+              <a:ext uri="{FF2B5EF4-FFF2-40B4-BE49-F238E27FC236}">
+                <a16:creationId xmlns:a16="http://schemas.microsoft.com/office/drawing/2014/main" id="{523680BA-4F36-C400-4F65-687BB838B242}"/>
+              </a:ext>
+            </a:extLst>
+          </p:cNvPr>
+          <p:cNvCxnSpPr>
+            <a:stCxn id="42" idx="3"/>
+            <a:endCxn id="45" idx="1"/>
+          </p:cNvCxnSpPr>
+          <p:nvPr/>
+        </p:nvCxnSpPr>
+        <p:spPr>
+          <a:xfrm flipV="1">
+            <a:off x="4833169" y="4305238"/>
+            <a:ext cx="717083" cy="1616634"/>
+          </a:xfrm>
+          <a:prstGeom prst="straightConnector1">
+            <a:avLst/>
+          </a:prstGeom>
+          <a:ln w="28575">
+            <a:solidFill>
+              <a:schemeClr val="accent2">
+                <a:lumMod val="60000"/>
+                <a:lumOff val="40000"/>
+              </a:schemeClr>
+            </a:solidFill>
             <a:tailEnd type="triangle"/>
           </a:ln>
         </p:spPr>
@@ -27684,6 +27678,3718 @@
 </file>
 
 <file path=ppt/slides/slide7.xml><?xml version="1.0" encoding="utf-8"?>
+<p:sld xmlns:a="http://schemas.openxmlformats.org/drawingml/2006/main" xmlns:r="http://schemas.openxmlformats.org/officeDocument/2006/relationships" xmlns:p="http://schemas.openxmlformats.org/presentationml/2006/main">
+  <p:cSld>
+    <p:bg>
+      <p:bgPr>
+        <a:solidFill>
+          <a:schemeClr val="bg1"/>
+        </a:solidFill>
+        <a:effectLst/>
+      </p:bgPr>
+    </p:bg>
+    <p:spTree>
+      <p:nvGrpSpPr>
+        <p:cNvPr id="1" name=""/>
+        <p:cNvGrpSpPr/>
+        <p:nvPr/>
+      </p:nvGrpSpPr>
+      <p:grpSpPr>
+        <a:xfrm>
+          <a:off x="0" y="0"/>
+          <a:ext cx="0" cy="0"/>
+          <a:chOff x="0" y="0"/>
+          <a:chExt cx="0" cy="0"/>
+        </a:xfrm>
+      </p:grpSpPr>
+      <p:sp>
+        <p:nvSpPr>
+          <p:cNvPr id="2" name="직사각형 1">
+            <a:extLst>
+              <a:ext uri="{FF2B5EF4-FFF2-40B4-BE49-F238E27FC236}">
+                <a16:creationId xmlns:a16="http://schemas.microsoft.com/office/drawing/2014/main" id="{436BE8C2-0A42-4D62-A0FF-810C364FBA98}"/>
+              </a:ext>
+            </a:extLst>
+          </p:cNvPr>
+          <p:cNvSpPr/>
+          <p:nvPr/>
+        </p:nvSpPr>
+        <p:spPr>
+          <a:xfrm>
+            <a:off x="0" y="6705764"/>
+            <a:ext cx="12192000" cy="152236"/>
+          </a:xfrm>
+          <a:prstGeom prst="rect">
+            <a:avLst/>
+          </a:prstGeom>
+          <a:solidFill>
+            <a:srgbClr val="00AFB9"/>
+          </a:solidFill>
+          <a:ln>
+            <a:noFill/>
+          </a:ln>
+        </p:spPr>
+        <p:style>
+          <a:lnRef idx="2">
+            <a:schemeClr val="accent1">
+              <a:shade val="50000"/>
+            </a:schemeClr>
+          </a:lnRef>
+          <a:fillRef idx="1">
+            <a:schemeClr val="accent1"/>
+          </a:fillRef>
+          <a:effectRef idx="0">
+            <a:schemeClr val="accent1"/>
+          </a:effectRef>
+          <a:fontRef idx="minor">
+            <a:schemeClr val="lt1"/>
+          </a:fontRef>
+        </p:style>
+        <p:txBody>
+          <a:bodyPr rtlCol="0" anchor="ctr"/>
+          <a:lstStyle/>
+          <a:p>
+            <a:pPr algn="ctr"/>
+            <a:endParaRPr lang="ko-KR" altLang="en-US" dirty="0"/>
+          </a:p>
+        </p:txBody>
+      </p:sp>
+      <p:sp>
+        <p:nvSpPr>
+          <p:cNvPr id="32" name="사각형: 둥근 모서리 31">
+            <a:extLst>
+              <a:ext uri="{FF2B5EF4-FFF2-40B4-BE49-F238E27FC236}">
+                <a16:creationId xmlns:a16="http://schemas.microsoft.com/office/drawing/2014/main" id="{A4F1A65B-F4DD-4F2D-A55E-9AE50D65236B}"/>
+              </a:ext>
+            </a:extLst>
+          </p:cNvPr>
+          <p:cNvSpPr/>
+          <p:nvPr/>
+        </p:nvSpPr>
+        <p:spPr>
+          <a:xfrm>
+            <a:off x="174450" y="381727"/>
+            <a:ext cx="57833" cy="230825"/>
+          </a:xfrm>
+          <a:prstGeom prst="roundRect">
+            <a:avLst>
+              <a:gd name="adj" fmla="val 27647"/>
+            </a:avLst>
+          </a:prstGeom>
+          <a:solidFill>
+            <a:srgbClr val="FED9B7"/>
+          </a:solidFill>
+          <a:ln w="9525">
+            <a:noFill/>
+          </a:ln>
+        </p:spPr>
+        <p:style>
+          <a:lnRef idx="1">
+            <a:schemeClr val="accent1"/>
+          </a:lnRef>
+          <a:fillRef idx="0">
+            <a:schemeClr val="accent1"/>
+          </a:fillRef>
+          <a:effectRef idx="0">
+            <a:schemeClr val="accent1"/>
+          </a:effectRef>
+          <a:fontRef idx="minor">
+            <a:schemeClr val="tx1"/>
+          </a:fontRef>
+        </p:style>
+        <p:txBody>
+          <a:bodyPr rtlCol="0" anchor="ctr"/>
+          <a:lstStyle/>
+          <a:p>
+            <a:pPr algn="ctr"/>
+            <a:endParaRPr lang="ko-KR" altLang="en-US" dirty="0"/>
+          </a:p>
+        </p:txBody>
+      </p:sp>
+      <p:sp>
+        <p:nvSpPr>
+          <p:cNvPr id="15" name="직사각형 14">
+            <a:extLst>
+              <a:ext uri="{FF2B5EF4-FFF2-40B4-BE49-F238E27FC236}">
+                <a16:creationId xmlns:a16="http://schemas.microsoft.com/office/drawing/2014/main" id="{4AE5C8F8-DDFE-4160-9FFD-B5F02225DE0B}"/>
+              </a:ext>
+            </a:extLst>
+          </p:cNvPr>
+          <p:cNvSpPr/>
+          <p:nvPr/>
+        </p:nvSpPr>
+        <p:spPr>
+          <a:xfrm>
+            <a:off x="0" y="2"/>
+            <a:ext cx="12192000" cy="152234"/>
+          </a:xfrm>
+          <a:prstGeom prst="rect">
+            <a:avLst/>
+          </a:prstGeom>
+          <a:solidFill>
+            <a:srgbClr val="00AFB9"/>
+          </a:solidFill>
+          <a:ln>
+            <a:noFill/>
+          </a:ln>
+        </p:spPr>
+        <p:style>
+          <a:lnRef idx="2">
+            <a:schemeClr val="accent1">
+              <a:shade val="50000"/>
+            </a:schemeClr>
+          </a:lnRef>
+          <a:fillRef idx="1">
+            <a:schemeClr val="accent1"/>
+          </a:fillRef>
+          <a:effectRef idx="0">
+            <a:schemeClr val="accent1"/>
+          </a:effectRef>
+          <a:fontRef idx="minor">
+            <a:schemeClr val="lt1"/>
+          </a:fontRef>
+        </p:style>
+        <p:txBody>
+          <a:bodyPr rtlCol="0" anchor="ctr"/>
+          <a:lstStyle/>
+          <a:p>
+            <a:pPr algn="ctr"/>
+            <a:endParaRPr lang="ko-KR" altLang="en-US" dirty="0"/>
+          </a:p>
+        </p:txBody>
+      </p:sp>
+      <p:sp>
+        <p:nvSpPr>
+          <p:cNvPr id="20" name="TextBox 19">
+            <a:extLst>
+              <a:ext uri="{FF2B5EF4-FFF2-40B4-BE49-F238E27FC236}">
+                <a16:creationId xmlns:a16="http://schemas.microsoft.com/office/drawing/2014/main" id="{DD30E053-010D-4727-8220-5C457994ECE0}"/>
+              </a:ext>
+            </a:extLst>
+          </p:cNvPr>
+          <p:cNvSpPr txBox="1"/>
+          <p:nvPr/>
+        </p:nvSpPr>
+        <p:spPr>
+          <a:xfrm>
+            <a:off x="232282" y="312473"/>
+            <a:ext cx="3120517" cy="369332"/>
+          </a:xfrm>
+          <a:prstGeom prst="rect">
+            <a:avLst/>
+          </a:prstGeom>
+          <a:noFill/>
+        </p:spPr>
+        <p:txBody>
+          <a:bodyPr wrap="square">
+            <a:spAutoFit/>
+          </a:bodyPr>
+          <a:lstStyle/>
+          <a:p>
+            <a:pPr marL="0" marR="0" lvl="0" indent="0" defTabSz="914400" rtl="0" eaLnBrk="1" fontAlgn="auto" latinLnBrk="1" hangingPunct="1">
+              <a:lnSpc>
+                <a:spcPct val="100000"/>
+              </a:lnSpc>
+              <a:spcBef>
+                <a:spcPts val="0"/>
+              </a:spcBef>
+              <a:spcAft>
+                <a:spcPts val="0"/>
+              </a:spcAft>
+              <a:buClrTx/>
+              <a:buSzTx/>
+              <a:buFontTx/>
+              <a:buNone/>
+              <a:tabLst/>
+              <a:defRPr/>
+            </a:pPr>
+            <a:r>
+              <a:rPr kumimoji="0" lang="en-US" altLang="ko-KR" b="0" i="0" u="none" strike="noStrike" kern="1200" cap="none" normalizeH="0" baseline="0" noProof="0" dirty="0">
+                <a:ln>
+                  <a:noFill/>
+                </a:ln>
+                <a:solidFill>
+                  <a:prstClr val="black"/>
+                </a:solidFill>
+                <a:effectLst/>
+                <a:uLnTx/>
+                <a:uFillTx/>
+                <a:latin typeface="에스코어 드림 8 Heavy" panose="020B0903030302020204" pitchFamily="34" charset="-127"/>
+                <a:ea typeface="에스코어 드림 8 Heavy" panose="020B0903030302020204" pitchFamily="34" charset="-127"/>
+                <a:cs typeface="코트라 고딕체" panose="02020603020101020101" pitchFamily="18" charset="-127"/>
+              </a:rPr>
+              <a:t>Second Pipeline</a:t>
+            </a:r>
+          </a:p>
+        </p:txBody>
+      </p:sp>
+      <p:sp>
+        <p:nvSpPr>
+          <p:cNvPr id="3" name="TextBox 2">
+            <a:extLst>
+              <a:ext uri="{FF2B5EF4-FFF2-40B4-BE49-F238E27FC236}">
+                <a16:creationId xmlns:a16="http://schemas.microsoft.com/office/drawing/2014/main" id="{A10A948F-B87F-2EBF-05BB-8CDE3F902684}"/>
+              </a:ext>
+            </a:extLst>
+          </p:cNvPr>
+          <p:cNvSpPr txBox="1"/>
+          <p:nvPr/>
+        </p:nvSpPr>
+        <p:spPr>
+          <a:xfrm>
+            <a:off x="623455" y="1339735"/>
+            <a:ext cx="1025957" cy="369332"/>
+          </a:xfrm>
+          <a:prstGeom prst="rect">
+            <a:avLst/>
+          </a:prstGeom>
+          <a:noFill/>
+        </p:spPr>
+        <p:txBody>
+          <a:bodyPr wrap="square" rtlCol="0">
+            <a:spAutoFit/>
+          </a:bodyPr>
+          <a:lstStyle/>
+          <a:p>
+            <a:r>
+              <a:rPr kumimoji="1" lang="en-US" altLang="ko-KR" dirty="0">
+                <a:latin typeface="S-Core Dream 4 Regular" panose="020B0503030302020204" pitchFamily="34" charset="-127"/>
+                <a:ea typeface="S-Core Dream 4 Regular" panose="020B0503030302020204" pitchFamily="34" charset="-127"/>
+              </a:rPr>
+              <a:t>Video</a:t>
+            </a:r>
+            <a:endParaRPr kumimoji="1" lang="ko-KR" altLang="en-US" dirty="0">
+              <a:latin typeface="S-Core Dream 4 Regular" panose="020B0503030302020204" pitchFamily="34" charset="-127"/>
+              <a:ea typeface="S-Core Dream 4 Regular" panose="020B0503030302020204" pitchFamily="34" charset="-127"/>
+            </a:endParaRPr>
+          </a:p>
+        </p:txBody>
+      </p:sp>
+      <p:sp>
+        <p:nvSpPr>
+          <p:cNvPr id="5" name="TextBox 4">
+            <a:extLst>
+              <a:ext uri="{FF2B5EF4-FFF2-40B4-BE49-F238E27FC236}">
+                <a16:creationId xmlns:a16="http://schemas.microsoft.com/office/drawing/2014/main" id="{65CC3A4C-3430-04B6-32E1-41B27CD68829}"/>
+              </a:ext>
+            </a:extLst>
+          </p:cNvPr>
+          <p:cNvSpPr txBox="1"/>
+          <p:nvPr/>
+        </p:nvSpPr>
+        <p:spPr>
+          <a:xfrm>
+            <a:off x="623452" y="3359539"/>
+            <a:ext cx="1025957" cy="369332"/>
+          </a:xfrm>
+          <a:prstGeom prst="rect">
+            <a:avLst/>
+          </a:prstGeom>
+          <a:noFill/>
+        </p:spPr>
+        <p:txBody>
+          <a:bodyPr wrap="square" rtlCol="0">
+            <a:spAutoFit/>
+          </a:bodyPr>
+          <a:lstStyle/>
+          <a:p>
+            <a:r>
+              <a:rPr kumimoji="1" lang="en-US" altLang="ko-KR" dirty="0">
+                <a:latin typeface="S-Core Dream 4 Regular" panose="020B0503030302020204" pitchFamily="34" charset="-127"/>
+                <a:ea typeface="S-Core Dream 4 Regular" panose="020B0503030302020204" pitchFamily="34" charset="-127"/>
+              </a:rPr>
+              <a:t>Audio</a:t>
+            </a:r>
+            <a:endParaRPr kumimoji="1" lang="ko-KR" altLang="en-US" dirty="0">
+              <a:latin typeface="S-Core Dream 4 Regular" panose="020B0503030302020204" pitchFamily="34" charset="-127"/>
+              <a:ea typeface="S-Core Dream 4 Regular" panose="020B0503030302020204" pitchFamily="34" charset="-127"/>
+            </a:endParaRPr>
+          </a:p>
+        </p:txBody>
+      </p:sp>
+      <p:sp>
+        <p:nvSpPr>
+          <p:cNvPr id="6" name="TextBox 5">
+            <a:extLst>
+              <a:ext uri="{FF2B5EF4-FFF2-40B4-BE49-F238E27FC236}">
+                <a16:creationId xmlns:a16="http://schemas.microsoft.com/office/drawing/2014/main" id="{90149C9D-EA9E-9AB2-3728-50C0718A190E}"/>
+              </a:ext>
+            </a:extLst>
+          </p:cNvPr>
+          <p:cNvSpPr txBox="1"/>
+          <p:nvPr/>
+        </p:nvSpPr>
+        <p:spPr>
+          <a:xfrm>
+            <a:off x="623453" y="5379344"/>
+            <a:ext cx="1025957" cy="369332"/>
+          </a:xfrm>
+          <a:prstGeom prst="rect">
+            <a:avLst/>
+          </a:prstGeom>
+          <a:noFill/>
+        </p:spPr>
+        <p:txBody>
+          <a:bodyPr wrap="square" rtlCol="0">
+            <a:spAutoFit/>
+          </a:bodyPr>
+          <a:lstStyle/>
+          <a:p>
+            <a:r>
+              <a:rPr kumimoji="1" lang="en-US" altLang="ko-KR" dirty="0">
+                <a:latin typeface="S-Core Dream 4 Regular" panose="020B0503030302020204" pitchFamily="34" charset="-127"/>
+                <a:ea typeface="S-Core Dream 4 Regular" panose="020B0503030302020204" pitchFamily="34" charset="-127"/>
+              </a:rPr>
+              <a:t>Text</a:t>
+            </a:r>
+            <a:endParaRPr kumimoji="1" lang="ko-KR" altLang="en-US" dirty="0">
+              <a:latin typeface="S-Core Dream 4 Regular" panose="020B0503030302020204" pitchFamily="34" charset="-127"/>
+              <a:ea typeface="S-Core Dream 4 Regular" panose="020B0503030302020204" pitchFamily="34" charset="-127"/>
+            </a:endParaRPr>
+          </a:p>
+        </p:txBody>
+      </p:sp>
+      <p:sp>
+        <p:nvSpPr>
+          <p:cNvPr id="7" name="수동 작업 6">
+            <a:extLst>
+              <a:ext uri="{FF2B5EF4-FFF2-40B4-BE49-F238E27FC236}">
+                <a16:creationId xmlns:a16="http://schemas.microsoft.com/office/drawing/2014/main" id="{E0FA231E-A104-CE20-20F1-0F7C0F9DEB4B}"/>
+              </a:ext>
+            </a:extLst>
+          </p:cNvPr>
+          <p:cNvSpPr/>
+          <p:nvPr/>
+        </p:nvSpPr>
+        <p:spPr>
+          <a:xfrm rot="16200000">
+            <a:off x="1915686" y="833716"/>
+            <a:ext cx="848813" cy="1381368"/>
+          </a:xfrm>
+          <a:prstGeom prst="flowChartManualOperation">
+            <a:avLst/>
+          </a:prstGeom>
+          <a:solidFill>
+            <a:srgbClr val="00AFB9"/>
+          </a:solidFill>
+          <a:ln>
+            <a:noFill/>
+          </a:ln>
+        </p:spPr>
+        <p:style>
+          <a:lnRef idx="2">
+            <a:schemeClr val="accent1">
+              <a:shade val="15000"/>
+            </a:schemeClr>
+          </a:lnRef>
+          <a:fillRef idx="1">
+            <a:schemeClr val="accent1"/>
+          </a:fillRef>
+          <a:effectRef idx="0">
+            <a:schemeClr val="accent1"/>
+          </a:effectRef>
+          <a:fontRef idx="minor">
+            <a:schemeClr val="lt1"/>
+          </a:fontRef>
+        </p:style>
+        <p:txBody>
+          <a:bodyPr rtlCol="0" anchor="ctr"/>
+          <a:lstStyle/>
+          <a:p>
+            <a:pPr algn="ctr"/>
+            <a:endParaRPr kumimoji="1" lang="ko-KR" altLang="en-US" dirty="0"/>
+          </a:p>
+        </p:txBody>
+      </p:sp>
+      <p:sp>
+        <p:nvSpPr>
+          <p:cNvPr id="8" name="수동 작업 7">
+            <a:extLst>
+              <a:ext uri="{FF2B5EF4-FFF2-40B4-BE49-F238E27FC236}">
+                <a16:creationId xmlns:a16="http://schemas.microsoft.com/office/drawing/2014/main" id="{1DA875DC-DFBC-5B80-1A8E-DA921100B8FD}"/>
+              </a:ext>
+            </a:extLst>
+          </p:cNvPr>
+          <p:cNvSpPr/>
+          <p:nvPr/>
+        </p:nvSpPr>
+        <p:spPr>
+          <a:xfrm rot="16200000">
+            <a:off x="1915686" y="2853520"/>
+            <a:ext cx="848813" cy="1381368"/>
+          </a:xfrm>
+          <a:prstGeom prst="flowChartManualOperation">
+            <a:avLst/>
+          </a:prstGeom>
+          <a:solidFill>
+            <a:srgbClr val="F07167"/>
+          </a:solidFill>
+          <a:ln>
+            <a:noFill/>
+          </a:ln>
+        </p:spPr>
+        <p:style>
+          <a:lnRef idx="2">
+            <a:schemeClr val="accent1">
+              <a:shade val="15000"/>
+            </a:schemeClr>
+          </a:lnRef>
+          <a:fillRef idx="1">
+            <a:schemeClr val="accent1"/>
+          </a:fillRef>
+          <a:effectRef idx="0">
+            <a:schemeClr val="accent1"/>
+          </a:effectRef>
+          <a:fontRef idx="minor">
+            <a:schemeClr val="lt1"/>
+          </a:fontRef>
+        </p:style>
+        <p:txBody>
+          <a:bodyPr rtlCol="0" anchor="ctr"/>
+          <a:lstStyle/>
+          <a:p>
+            <a:pPr algn="ctr"/>
+            <a:endParaRPr kumimoji="1" lang="ko-KR" altLang="en-US"/>
+          </a:p>
+        </p:txBody>
+      </p:sp>
+      <p:sp>
+        <p:nvSpPr>
+          <p:cNvPr id="9" name="수동 작업 8">
+            <a:extLst>
+              <a:ext uri="{FF2B5EF4-FFF2-40B4-BE49-F238E27FC236}">
+                <a16:creationId xmlns:a16="http://schemas.microsoft.com/office/drawing/2014/main" id="{0B0E7FE4-4E7F-4B2F-68EB-8A389552283A}"/>
+              </a:ext>
+            </a:extLst>
+          </p:cNvPr>
+          <p:cNvSpPr/>
+          <p:nvPr/>
+        </p:nvSpPr>
+        <p:spPr>
+          <a:xfrm rot="16200000">
+            <a:off x="1915686" y="4873324"/>
+            <a:ext cx="848813" cy="1381368"/>
+          </a:xfrm>
+          <a:prstGeom prst="flowChartManualOperation">
+            <a:avLst/>
+          </a:prstGeom>
+          <a:solidFill>
+            <a:srgbClr val="DFCF00"/>
+          </a:solidFill>
+          <a:ln>
+            <a:noFill/>
+          </a:ln>
+        </p:spPr>
+        <p:style>
+          <a:lnRef idx="2">
+            <a:schemeClr val="accent1">
+              <a:shade val="15000"/>
+            </a:schemeClr>
+          </a:lnRef>
+          <a:fillRef idx="1">
+            <a:schemeClr val="accent1"/>
+          </a:fillRef>
+          <a:effectRef idx="0">
+            <a:schemeClr val="accent1"/>
+          </a:effectRef>
+          <a:fontRef idx="minor">
+            <a:schemeClr val="lt1"/>
+          </a:fontRef>
+        </p:style>
+        <p:txBody>
+          <a:bodyPr rtlCol="0" anchor="ctr"/>
+          <a:lstStyle/>
+          <a:p>
+            <a:pPr algn="ctr"/>
+            <a:endParaRPr kumimoji="1" lang="ko-KR" altLang="en-US"/>
+          </a:p>
+        </p:txBody>
+      </p:sp>
+      <p:sp>
+        <p:nvSpPr>
+          <p:cNvPr id="10" name="TextBox 9">
+            <a:extLst>
+              <a:ext uri="{FF2B5EF4-FFF2-40B4-BE49-F238E27FC236}">
+                <a16:creationId xmlns:a16="http://schemas.microsoft.com/office/drawing/2014/main" id="{659445F1-09BF-CCDC-2168-3126710560DC}"/>
+              </a:ext>
+            </a:extLst>
+          </p:cNvPr>
+          <p:cNvSpPr txBox="1"/>
+          <p:nvPr/>
+        </p:nvSpPr>
+        <p:spPr>
+          <a:xfrm>
+            <a:off x="1740039" y="730661"/>
+            <a:ext cx="1290738" cy="369332"/>
+          </a:xfrm>
+          <a:prstGeom prst="rect">
+            <a:avLst/>
+          </a:prstGeom>
+          <a:noFill/>
+        </p:spPr>
+        <p:txBody>
+          <a:bodyPr wrap="none" rtlCol="0">
+            <a:spAutoFit/>
+          </a:bodyPr>
+          <a:lstStyle/>
+          <a:p>
+            <a:r>
+              <a:rPr kumimoji="1" lang="en-US" altLang="ko-KR" dirty="0">
+                <a:latin typeface="S-Core Dream 4 Regular" panose="020B0503030302020204" pitchFamily="34" charset="-127"/>
+                <a:ea typeface="S-Core Dream 4 Regular" panose="020B0503030302020204" pitchFamily="34" charset="-127"/>
+              </a:rPr>
+              <a:t>swin3D/B</a:t>
+            </a:r>
+            <a:endParaRPr kumimoji="1" lang="ko-KR" altLang="en-US" dirty="0">
+              <a:latin typeface="S-Core Dream 4 Regular" panose="020B0503030302020204" pitchFamily="34" charset="-127"/>
+              <a:ea typeface="S-Core Dream 4 Regular" panose="020B0503030302020204" pitchFamily="34" charset="-127"/>
+            </a:endParaRPr>
+          </a:p>
+        </p:txBody>
+      </p:sp>
+      <p:sp>
+        <p:nvSpPr>
+          <p:cNvPr id="11" name="TextBox 10">
+            <a:extLst>
+              <a:ext uri="{FF2B5EF4-FFF2-40B4-BE49-F238E27FC236}">
+                <a16:creationId xmlns:a16="http://schemas.microsoft.com/office/drawing/2014/main" id="{4D598C64-1C80-5160-6328-EEA374F85FCF}"/>
+              </a:ext>
+            </a:extLst>
+          </p:cNvPr>
+          <p:cNvSpPr txBox="1"/>
+          <p:nvPr/>
+        </p:nvSpPr>
+        <p:spPr>
+          <a:xfrm>
+            <a:off x="1740039" y="2750465"/>
+            <a:ext cx="631904" cy="369332"/>
+          </a:xfrm>
+          <a:prstGeom prst="rect">
+            <a:avLst/>
+          </a:prstGeom>
+          <a:noFill/>
+        </p:spPr>
+        <p:txBody>
+          <a:bodyPr wrap="none" rtlCol="0">
+            <a:spAutoFit/>
+          </a:bodyPr>
+          <a:lstStyle/>
+          <a:p>
+            <a:r>
+              <a:rPr kumimoji="1" lang="en-US" altLang="ko-KR" dirty="0">
+                <a:latin typeface="S-Core Dream 4 Regular" panose="020B0503030302020204" pitchFamily="34" charset="-127"/>
+                <a:ea typeface="S-Core Dream 4 Regular" panose="020B0503030302020204" pitchFamily="34" charset="-127"/>
+              </a:rPr>
+              <a:t>AST</a:t>
+            </a:r>
+            <a:endParaRPr kumimoji="1" lang="ko-KR" altLang="en-US" dirty="0">
+              <a:latin typeface="S-Core Dream 4 Regular" panose="020B0503030302020204" pitchFamily="34" charset="-127"/>
+              <a:ea typeface="S-Core Dream 4 Regular" panose="020B0503030302020204" pitchFamily="34" charset="-127"/>
+            </a:endParaRPr>
+          </a:p>
+        </p:txBody>
+      </p:sp>
+      <p:sp>
+        <p:nvSpPr>
+          <p:cNvPr id="14" name="TextBox 13">
+            <a:extLst>
+              <a:ext uri="{FF2B5EF4-FFF2-40B4-BE49-F238E27FC236}">
+                <a16:creationId xmlns:a16="http://schemas.microsoft.com/office/drawing/2014/main" id="{0848E21F-8C93-657F-7BED-9748C349554D}"/>
+              </a:ext>
+            </a:extLst>
+          </p:cNvPr>
+          <p:cNvSpPr txBox="1"/>
+          <p:nvPr/>
+        </p:nvSpPr>
+        <p:spPr>
+          <a:xfrm>
+            <a:off x="1740039" y="4817913"/>
+            <a:ext cx="1218603" cy="369332"/>
+          </a:xfrm>
+          <a:prstGeom prst="rect">
+            <a:avLst/>
+          </a:prstGeom>
+          <a:noFill/>
+        </p:spPr>
+        <p:txBody>
+          <a:bodyPr wrap="none" rtlCol="0">
+            <a:spAutoFit/>
+          </a:bodyPr>
+          <a:lstStyle/>
+          <a:p>
+            <a:r>
+              <a:rPr kumimoji="1" lang="en-US" altLang="ko-KR" dirty="0" err="1">
+                <a:latin typeface="S-Core Dream 4 Regular" panose="020B0503030302020204" pitchFamily="34" charset="-127"/>
+                <a:ea typeface="S-Core Dream 4 Regular" panose="020B0503030302020204" pitchFamily="34" charset="-127"/>
+              </a:rPr>
+              <a:t>DeBERTa</a:t>
+            </a:r>
+            <a:endParaRPr kumimoji="1" lang="ko-KR" altLang="en-US" dirty="0">
+              <a:latin typeface="S-Core Dream 4 Regular" panose="020B0503030302020204" pitchFamily="34" charset="-127"/>
+              <a:ea typeface="S-Core Dream 4 Regular" panose="020B0503030302020204" pitchFamily="34" charset="-127"/>
+            </a:endParaRPr>
+          </a:p>
+        </p:txBody>
+      </p:sp>
+      <p:sp>
+        <p:nvSpPr>
+          <p:cNvPr id="16" name="직사각형 15">
+            <a:extLst>
+              <a:ext uri="{FF2B5EF4-FFF2-40B4-BE49-F238E27FC236}">
+                <a16:creationId xmlns:a16="http://schemas.microsoft.com/office/drawing/2014/main" id="{6D35B790-288F-B2C7-6DAD-76ACD2ADD7BE}"/>
+              </a:ext>
+            </a:extLst>
+          </p:cNvPr>
+          <p:cNvSpPr/>
+          <p:nvPr/>
+        </p:nvSpPr>
+        <p:spPr>
+          <a:xfrm>
+            <a:off x="3279898" y="907873"/>
+            <a:ext cx="304800" cy="1233054"/>
+          </a:xfrm>
+          <a:prstGeom prst="rect">
+            <a:avLst/>
+          </a:prstGeom>
+          <a:solidFill>
+            <a:srgbClr val="0081A7"/>
+          </a:solidFill>
+          <a:ln>
+            <a:noFill/>
+          </a:ln>
+        </p:spPr>
+        <p:style>
+          <a:lnRef idx="2">
+            <a:schemeClr val="accent1">
+              <a:shade val="15000"/>
+            </a:schemeClr>
+          </a:lnRef>
+          <a:fillRef idx="1">
+            <a:schemeClr val="accent1"/>
+          </a:fillRef>
+          <a:effectRef idx="0">
+            <a:schemeClr val="accent1"/>
+          </a:effectRef>
+          <a:fontRef idx="minor">
+            <a:schemeClr val="lt1"/>
+          </a:fontRef>
+        </p:style>
+        <p:txBody>
+          <a:bodyPr rtlCol="0" anchor="ctr"/>
+          <a:lstStyle/>
+          <a:p>
+            <a:pPr algn="ctr"/>
+            <a:endParaRPr kumimoji="1" lang="ko-KR" altLang="en-US"/>
+          </a:p>
+        </p:txBody>
+      </p:sp>
+      <p:sp>
+        <p:nvSpPr>
+          <p:cNvPr id="19" name="직사각형 18">
+            <a:extLst>
+              <a:ext uri="{FF2B5EF4-FFF2-40B4-BE49-F238E27FC236}">
+                <a16:creationId xmlns:a16="http://schemas.microsoft.com/office/drawing/2014/main" id="{C2BA5249-EFE4-DE72-6C1D-B5132416BC78}"/>
+              </a:ext>
+            </a:extLst>
+          </p:cNvPr>
+          <p:cNvSpPr/>
+          <p:nvPr/>
+        </p:nvSpPr>
+        <p:spPr>
+          <a:xfrm>
+            <a:off x="3279898" y="2927677"/>
+            <a:ext cx="304800" cy="1233054"/>
+          </a:xfrm>
+          <a:prstGeom prst="rect">
+            <a:avLst/>
+          </a:prstGeom>
+          <a:solidFill>
+            <a:srgbClr val="0081A7"/>
+          </a:solidFill>
+          <a:ln>
+            <a:noFill/>
+          </a:ln>
+        </p:spPr>
+        <p:style>
+          <a:lnRef idx="2">
+            <a:schemeClr val="accent1">
+              <a:shade val="15000"/>
+            </a:schemeClr>
+          </a:lnRef>
+          <a:fillRef idx="1">
+            <a:schemeClr val="accent1"/>
+          </a:fillRef>
+          <a:effectRef idx="0">
+            <a:schemeClr val="accent1"/>
+          </a:effectRef>
+          <a:fontRef idx="minor">
+            <a:schemeClr val="lt1"/>
+          </a:fontRef>
+        </p:style>
+        <p:txBody>
+          <a:bodyPr rtlCol="0" anchor="ctr"/>
+          <a:lstStyle/>
+          <a:p>
+            <a:pPr algn="ctr"/>
+            <a:endParaRPr kumimoji="1" lang="ko-KR" altLang="en-US"/>
+          </a:p>
+        </p:txBody>
+      </p:sp>
+      <p:sp>
+        <p:nvSpPr>
+          <p:cNvPr id="21" name="직사각형 20">
+            <a:extLst>
+              <a:ext uri="{FF2B5EF4-FFF2-40B4-BE49-F238E27FC236}">
+                <a16:creationId xmlns:a16="http://schemas.microsoft.com/office/drawing/2014/main" id="{DACD0D26-1BE5-B181-035A-70CB1E022176}"/>
+              </a:ext>
+            </a:extLst>
+          </p:cNvPr>
+          <p:cNvSpPr/>
+          <p:nvPr/>
+        </p:nvSpPr>
+        <p:spPr>
+          <a:xfrm>
+            <a:off x="3279898" y="4950941"/>
+            <a:ext cx="304800" cy="1233054"/>
+          </a:xfrm>
+          <a:prstGeom prst="rect">
+            <a:avLst/>
+          </a:prstGeom>
+          <a:solidFill>
+            <a:srgbClr val="0081A7"/>
+          </a:solidFill>
+          <a:ln>
+            <a:noFill/>
+          </a:ln>
+        </p:spPr>
+        <p:style>
+          <a:lnRef idx="2">
+            <a:schemeClr val="accent1">
+              <a:shade val="15000"/>
+            </a:schemeClr>
+          </a:lnRef>
+          <a:fillRef idx="1">
+            <a:schemeClr val="accent1"/>
+          </a:fillRef>
+          <a:effectRef idx="0">
+            <a:schemeClr val="accent1"/>
+          </a:effectRef>
+          <a:fontRef idx="minor">
+            <a:schemeClr val="lt1"/>
+          </a:fontRef>
+        </p:style>
+        <p:txBody>
+          <a:bodyPr rtlCol="0" anchor="ctr"/>
+          <a:lstStyle/>
+          <a:p>
+            <a:pPr algn="ctr"/>
+            <a:endParaRPr kumimoji="1" lang="ko-KR" altLang="en-US"/>
+          </a:p>
+        </p:txBody>
+      </p:sp>
+      <mc:AlternateContent xmlns:mc="http://schemas.openxmlformats.org/markup-compatibility/2006">
+        <mc:Choice xmlns:a14="http://schemas.microsoft.com/office/drawing/2010/main" Requires="a14">
+          <p:sp>
+            <p:nvSpPr>
+              <p:cNvPr id="4" name="TextBox 3">
+                <a:extLst>
+                  <a:ext uri="{FF2B5EF4-FFF2-40B4-BE49-F238E27FC236}">
+                    <a16:creationId xmlns:a16="http://schemas.microsoft.com/office/drawing/2014/main" id="{04A1C13D-0A7D-D371-ABF5-6B4F55E56FE4}"/>
+                  </a:ext>
+                </a:extLst>
+              </p:cNvPr>
+              <p:cNvSpPr txBox="1"/>
+              <p:nvPr/>
+            </p:nvSpPr>
+            <p:spPr>
+              <a:xfrm>
+                <a:off x="3584698" y="1339735"/>
+                <a:ext cx="320344" cy="278025"/>
+              </a:xfrm>
+              <a:prstGeom prst="rect">
+                <a:avLst/>
+              </a:prstGeom>
+              <a:noFill/>
+            </p:spPr>
+            <p:txBody>
+              <a:bodyPr wrap="none" lIns="0" tIns="0" rIns="0" bIns="0" rtlCol="0">
+                <a:spAutoFit/>
+              </a:bodyPr>
+              <a:lstStyle/>
+              <a:p>
+                <a:pPr/>
+                <a14:m>
+                  <m:oMathPara xmlns:m="http://schemas.openxmlformats.org/officeDocument/2006/math">
+                    <m:oMathParaPr>
+                      <m:jc m:val="centerGroup"/>
+                    </m:oMathParaPr>
+                    <m:oMath xmlns:m="http://schemas.openxmlformats.org/officeDocument/2006/math">
+                      <m:sSubSup>
+                        <m:sSubSupPr>
+                          <m:ctrlPr>
+                            <a:rPr kumimoji="1" lang="en-US" altLang="ko-KR" b="0" i="1" smtClean="0">
+                              <a:latin typeface="Cambria Math" panose="02040503050406030204" pitchFamily="18" charset="0"/>
+                            </a:rPr>
+                          </m:ctrlPr>
+                        </m:sSubSupPr>
+                        <m:e>
+                          <m:r>
+                            <a:rPr kumimoji="1" lang="en-US" altLang="ko-KR" b="0" i="1" smtClean="0">
+                              <a:latin typeface="Cambria Math" panose="02040503050406030204" pitchFamily="18" charset="0"/>
+                            </a:rPr>
+                            <m:t>𝑣</m:t>
+                          </m:r>
+                        </m:e>
+                        <m:sub>
+                          <m:r>
+                            <a:rPr kumimoji="1" lang="en-US" altLang="ko-KR" b="0" i="1" smtClean="0">
+                              <a:latin typeface="Cambria Math" panose="02040503050406030204" pitchFamily="18" charset="0"/>
+                            </a:rPr>
+                            <m:t>𝑖</m:t>
+                          </m:r>
+                        </m:sub>
+                        <m:sup>
+                          <m:r>
+                            <a:rPr kumimoji="1" lang="en-US" altLang="ko-KR" b="0" i="1" smtClean="0">
+                              <a:latin typeface="Cambria Math" panose="02040503050406030204" pitchFamily="18" charset="0"/>
+                            </a:rPr>
+                            <m:t>𝑠</m:t>
+                          </m:r>
+                        </m:sup>
+                      </m:sSubSup>
+                    </m:oMath>
+                  </m:oMathPara>
+                </a14:m>
+                <a:endParaRPr kumimoji="1" lang="ko-KR" altLang="en-US" dirty="0"/>
+              </a:p>
+            </p:txBody>
+          </p:sp>
+        </mc:Choice>
+        <mc:Fallback>
+          <p:sp>
+            <p:nvSpPr>
+              <p:cNvPr id="4" name="TextBox 3">
+                <a:extLst>
+                  <a:ext uri="{FF2B5EF4-FFF2-40B4-BE49-F238E27FC236}">
+                    <a16:creationId xmlns:a16="http://schemas.microsoft.com/office/drawing/2014/main" id="{04A1C13D-0A7D-D371-ABF5-6B4F55E56FE4}"/>
+                  </a:ext>
+                </a:extLst>
+              </p:cNvPr>
+              <p:cNvSpPr txBox="1">
+                <a:spLocks noRot="1" noChangeAspect="1" noMove="1" noResize="1" noEditPoints="1" noAdjustHandles="1" noChangeArrowheads="1" noChangeShapeType="1" noTextEdit="1"/>
+              </p:cNvSpPr>
+              <p:nvPr/>
+            </p:nvSpPr>
+            <p:spPr>
+              <a:xfrm>
+                <a:off x="3584698" y="1339735"/>
+                <a:ext cx="320344" cy="278025"/>
+              </a:xfrm>
+              <a:prstGeom prst="rect">
+                <a:avLst/>
+              </a:prstGeom>
+              <a:blipFill>
+                <a:blip r:embed="rId2"/>
+                <a:stretch>
+                  <a:fillRect l="-7692" b="-17391"/>
+                </a:stretch>
+              </a:blipFill>
+            </p:spPr>
+            <p:txBody>
+              <a:bodyPr/>
+              <a:lstStyle/>
+              <a:p>
+                <a:r>
+                  <a:rPr lang="ko-KR" altLang="en-US">
+                    <a:noFill/>
+                  </a:rPr>
+                  <a:t> </a:t>
+                </a:r>
+              </a:p>
+            </p:txBody>
+          </p:sp>
+        </mc:Fallback>
+      </mc:AlternateContent>
+      <mc:AlternateContent xmlns:mc="http://schemas.openxmlformats.org/markup-compatibility/2006">
+        <mc:Choice xmlns:a14="http://schemas.microsoft.com/office/drawing/2010/main" Requires="a14">
+          <p:sp>
+            <p:nvSpPr>
+              <p:cNvPr id="12" name="TextBox 11">
+                <a:extLst>
+                  <a:ext uri="{FF2B5EF4-FFF2-40B4-BE49-F238E27FC236}">
+                    <a16:creationId xmlns:a16="http://schemas.microsoft.com/office/drawing/2014/main" id="{DD4C69C5-54AE-270F-0227-E17C67D58EBB}"/>
+                  </a:ext>
+                </a:extLst>
+              </p:cNvPr>
+              <p:cNvSpPr txBox="1"/>
+              <p:nvPr/>
+            </p:nvSpPr>
+            <p:spPr>
+              <a:xfrm>
+                <a:off x="3584697" y="3407821"/>
+                <a:ext cx="315727" cy="278025"/>
+              </a:xfrm>
+              <a:prstGeom prst="rect">
+                <a:avLst/>
+              </a:prstGeom>
+              <a:noFill/>
+            </p:spPr>
+            <p:txBody>
+              <a:bodyPr wrap="none" lIns="0" tIns="0" rIns="0" bIns="0" rtlCol="0">
+                <a:spAutoFit/>
+              </a:bodyPr>
+              <a:lstStyle/>
+              <a:p>
+                <a:pPr/>
+                <a14:m>
+                  <m:oMathPara xmlns:m="http://schemas.openxmlformats.org/officeDocument/2006/math">
+                    <m:oMathParaPr>
+                      <m:jc m:val="centerGroup"/>
+                    </m:oMathParaPr>
+                    <m:oMath xmlns:m="http://schemas.openxmlformats.org/officeDocument/2006/math">
+                      <m:sSubSup>
+                        <m:sSubSupPr>
+                          <m:ctrlPr>
+                            <a:rPr kumimoji="1" lang="en-US" altLang="ko-KR" b="0" i="1" smtClean="0">
+                              <a:latin typeface="Cambria Math" panose="02040503050406030204" pitchFamily="18" charset="0"/>
+                            </a:rPr>
+                          </m:ctrlPr>
+                        </m:sSubSupPr>
+                        <m:e>
+                          <m:r>
+                            <a:rPr kumimoji="1" lang="en-US" altLang="ko-KR" b="0" i="1" smtClean="0">
+                              <a:latin typeface="Cambria Math" panose="02040503050406030204" pitchFamily="18" charset="0"/>
+                            </a:rPr>
+                            <m:t>𝑎</m:t>
+                          </m:r>
+                        </m:e>
+                        <m:sub>
+                          <m:r>
+                            <a:rPr kumimoji="1" lang="en-US" altLang="ko-KR" b="0" i="1" smtClean="0">
+                              <a:latin typeface="Cambria Math" panose="02040503050406030204" pitchFamily="18" charset="0"/>
+                            </a:rPr>
+                            <m:t>𝑖</m:t>
+                          </m:r>
+                        </m:sub>
+                        <m:sup>
+                          <m:r>
+                            <a:rPr kumimoji="1" lang="en-US" altLang="ko-KR" b="0" i="1" smtClean="0">
+                              <a:latin typeface="Cambria Math" panose="02040503050406030204" pitchFamily="18" charset="0"/>
+                            </a:rPr>
+                            <m:t>𝑠</m:t>
+                          </m:r>
+                        </m:sup>
+                      </m:sSubSup>
+                    </m:oMath>
+                  </m:oMathPara>
+                </a14:m>
+                <a:endParaRPr kumimoji="1" lang="ko-KR" altLang="en-US" dirty="0"/>
+              </a:p>
+            </p:txBody>
+          </p:sp>
+        </mc:Choice>
+        <mc:Fallback>
+          <p:sp>
+            <p:nvSpPr>
+              <p:cNvPr id="12" name="TextBox 11">
+                <a:extLst>
+                  <a:ext uri="{FF2B5EF4-FFF2-40B4-BE49-F238E27FC236}">
+                    <a16:creationId xmlns:a16="http://schemas.microsoft.com/office/drawing/2014/main" id="{DD4C69C5-54AE-270F-0227-E17C67D58EBB}"/>
+                  </a:ext>
+                </a:extLst>
+              </p:cNvPr>
+              <p:cNvSpPr txBox="1">
+                <a:spLocks noRot="1" noChangeAspect="1" noMove="1" noResize="1" noEditPoints="1" noAdjustHandles="1" noChangeArrowheads="1" noChangeShapeType="1" noTextEdit="1"/>
+              </p:cNvSpPr>
+              <p:nvPr/>
+            </p:nvSpPr>
+            <p:spPr>
+              <a:xfrm>
+                <a:off x="3584697" y="3407821"/>
+                <a:ext cx="315727" cy="278025"/>
+              </a:xfrm>
+              <a:prstGeom prst="rect">
+                <a:avLst/>
+              </a:prstGeom>
+              <a:blipFill>
+                <a:blip r:embed="rId3"/>
+                <a:stretch>
+                  <a:fillRect l="-7692" b="-21739"/>
+                </a:stretch>
+              </a:blipFill>
+            </p:spPr>
+            <p:txBody>
+              <a:bodyPr/>
+              <a:lstStyle/>
+              <a:p>
+                <a:r>
+                  <a:rPr lang="ko-KR" altLang="en-US">
+                    <a:noFill/>
+                  </a:rPr>
+                  <a:t> </a:t>
+                </a:r>
+              </a:p>
+            </p:txBody>
+          </p:sp>
+        </mc:Fallback>
+      </mc:AlternateContent>
+      <mc:AlternateContent xmlns:mc="http://schemas.openxmlformats.org/markup-compatibility/2006">
+        <mc:Choice xmlns:a14="http://schemas.microsoft.com/office/drawing/2010/main" Requires="a14">
+          <p:sp>
+            <p:nvSpPr>
+              <p:cNvPr id="13" name="TextBox 12">
+                <a:extLst>
+                  <a:ext uri="{FF2B5EF4-FFF2-40B4-BE49-F238E27FC236}">
+                    <a16:creationId xmlns:a16="http://schemas.microsoft.com/office/drawing/2014/main" id="{48B48694-CF7F-948A-C8D1-21387E1E3E74}"/>
+                  </a:ext>
+                </a:extLst>
+              </p:cNvPr>
+              <p:cNvSpPr txBox="1"/>
+              <p:nvPr/>
+            </p:nvSpPr>
+            <p:spPr>
+              <a:xfrm>
+                <a:off x="3584696" y="5475907"/>
+                <a:ext cx="286169" cy="278025"/>
+              </a:xfrm>
+              <a:prstGeom prst="rect">
+                <a:avLst/>
+              </a:prstGeom>
+              <a:noFill/>
+            </p:spPr>
+            <p:txBody>
+              <a:bodyPr wrap="none" lIns="0" tIns="0" rIns="0" bIns="0" rtlCol="0">
+                <a:spAutoFit/>
+              </a:bodyPr>
+              <a:lstStyle/>
+              <a:p>
+                <a:pPr/>
+                <a14:m>
+                  <m:oMathPara xmlns:m="http://schemas.openxmlformats.org/officeDocument/2006/math">
+                    <m:oMathParaPr>
+                      <m:jc m:val="centerGroup"/>
+                    </m:oMathParaPr>
+                    <m:oMath xmlns:m="http://schemas.openxmlformats.org/officeDocument/2006/math">
+                      <m:sSubSup>
+                        <m:sSubSupPr>
+                          <m:ctrlPr>
+                            <a:rPr kumimoji="1" lang="en-US" altLang="ko-KR" b="0" i="1" smtClean="0">
+                              <a:latin typeface="Cambria Math" panose="02040503050406030204" pitchFamily="18" charset="0"/>
+                            </a:rPr>
+                          </m:ctrlPr>
+                        </m:sSubSupPr>
+                        <m:e>
+                          <m:r>
+                            <a:rPr kumimoji="1" lang="en-US" altLang="ko-KR" b="0" i="1" smtClean="0">
+                              <a:latin typeface="Cambria Math" panose="02040503050406030204" pitchFamily="18" charset="0"/>
+                            </a:rPr>
+                            <m:t>𝑡</m:t>
+                          </m:r>
+                        </m:e>
+                        <m:sub>
+                          <m:r>
+                            <a:rPr kumimoji="1" lang="en-US" altLang="ko-KR" b="0" i="1" smtClean="0">
+                              <a:latin typeface="Cambria Math" panose="02040503050406030204" pitchFamily="18" charset="0"/>
+                            </a:rPr>
+                            <m:t>𝑖</m:t>
+                          </m:r>
+                        </m:sub>
+                        <m:sup>
+                          <m:r>
+                            <a:rPr kumimoji="1" lang="en-US" altLang="ko-KR" b="0" i="1" smtClean="0">
+                              <a:latin typeface="Cambria Math" panose="02040503050406030204" pitchFamily="18" charset="0"/>
+                            </a:rPr>
+                            <m:t>𝑠</m:t>
+                          </m:r>
+                        </m:sup>
+                      </m:sSubSup>
+                    </m:oMath>
+                  </m:oMathPara>
+                </a14:m>
+                <a:endParaRPr kumimoji="1" lang="ko-KR" altLang="en-US" dirty="0"/>
+              </a:p>
+            </p:txBody>
+          </p:sp>
+        </mc:Choice>
+        <mc:Fallback>
+          <p:sp>
+            <p:nvSpPr>
+              <p:cNvPr id="13" name="TextBox 12">
+                <a:extLst>
+                  <a:ext uri="{FF2B5EF4-FFF2-40B4-BE49-F238E27FC236}">
+                    <a16:creationId xmlns:a16="http://schemas.microsoft.com/office/drawing/2014/main" id="{48B48694-CF7F-948A-C8D1-21387E1E3E74}"/>
+                  </a:ext>
+                </a:extLst>
+              </p:cNvPr>
+              <p:cNvSpPr txBox="1">
+                <a:spLocks noRot="1" noChangeAspect="1" noMove="1" noResize="1" noEditPoints="1" noAdjustHandles="1" noChangeArrowheads="1" noChangeShapeType="1" noTextEdit="1"/>
+              </p:cNvSpPr>
+              <p:nvPr/>
+            </p:nvSpPr>
+            <p:spPr>
+              <a:xfrm>
+                <a:off x="3584696" y="5475907"/>
+                <a:ext cx="286169" cy="278025"/>
+              </a:xfrm>
+              <a:prstGeom prst="rect">
+                <a:avLst/>
+              </a:prstGeom>
+              <a:blipFill>
+                <a:blip r:embed="rId4"/>
+                <a:stretch>
+                  <a:fillRect l="-13043" b="-17391"/>
+                </a:stretch>
+              </a:blipFill>
+            </p:spPr>
+            <p:txBody>
+              <a:bodyPr/>
+              <a:lstStyle/>
+              <a:p>
+                <a:r>
+                  <a:rPr lang="ko-KR" altLang="en-US">
+                    <a:noFill/>
+                  </a:rPr>
+                  <a:t> </a:t>
+                </a:r>
+              </a:p>
+            </p:txBody>
+          </p:sp>
+        </mc:Fallback>
+      </mc:AlternateContent>
+      <p:graphicFrame>
+        <p:nvGraphicFramePr>
+          <p:cNvPr id="22" name="표 21">
+            <a:extLst>
+              <a:ext uri="{FF2B5EF4-FFF2-40B4-BE49-F238E27FC236}">
+                <a16:creationId xmlns:a16="http://schemas.microsoft.com/office/drawing/2014/main" id="{C3B33194-8FA5-8080-77BD-FB09042302B4}"/>
+              </a:ext>
+            </a:extLst>
+          </p:cNvPr>
+          <p:cNvGraphicFramePr>
+            <a:graphicFrameLocks noGrp="1"/>
+          </p:cNvGraphicFramePr>
+          <p:nvPr/>
+        </p:nvGraphicFramePr>
+        <p:xfrm>
+          <a:off x="10737083" y="2270124"/>
+          <a:ext cx="208280" cy="2560320"/>
+        </p:xfrm>
+        <a:graphic>
+          <a:graphicData uri="http://schemas.openxmlformats.org/drawingml/2006/table">
+            <a:tbl>
+              <a:tblPr firstRow="1" bandRow="1">
+                <a:tableStyleId>{8799B23B-EC83-4686-B30A-512413B5E67A}</a:tableStyleId>
+              </a:tblPr>
+              <a:tblGrid>
+                <a:gridCol w="208280">
+                  <a:extLst>
+                    <a:ext uri="{9D8B030D-6E8A-4147-A177-3AD203B41FA5}">
+                      <a16:colId xmlns:a16="http://schemas.microsoft.com/office/drawing/2014/main" val="3928207190"/>
+                    </a:ext>
+                  </a:extLst>
+                </a:gridCol>
+              </a:tblGrid>
+              <a:tr h="254563">
+                <a:tc>
+                  <a:txBody>
+                    <a:bodyPr/>
+                    <a:lstStyle/>
+                    <a:p>
+                      <a:pPr latinLnBrk="1"/>
+                      <a:endParaRPr lang="ko-KR" altLang="en-US" dirty="0"/>
+                    </a:p>
+                  </a:txBody>
+                  <a:tcPr/>
+                </a:tc>
+                <a:extLst>
+                  <a:ext uri="{0D108BD9-81ED-4DB2-BD59-A6C34878D82A}">
+                    <a16:rowId xmlns:a16="http://schemas.microsoft.com/office/drawing/2014/main" val="1821025339"/>
+                  </a:ext>
+                </a:extLst>
+              </a:tr>
+              <a:tr h="254563">
+                <a:tc>
+                  <a:txBody>
+                    <a:bodyPr/>
+                    <a:lstStyle/>
+                    <a:p>
+                      <a:pPr latinLnBrk="1"/>
+                      <a:endParaRPr lang="ko-KR" altLang="en-US" dirty="0"/>
+                    </a:p>
+                  </a:txBody>
+                  <a:tcPr/>
+                </a:tc>
+                <a:extLst>
+                  <a:ext uri="{0D108BD9-81ED-4DB2-BD59-A6C34878D82A}">
+                    <a16:rowId xmlns:a16="http://schemas.microsoft.com/office/drawing/2014/main" val="1893486595"/>
+                  </a:ext>
+                </a:extLst>
+              </a:tr>
+              <a:tr h="254563">
+                <a:tc>
+                  <a:txBody>
+                    <a:bodyPr/>
+                    <a:lstStyle/>
+                    <a:p>
+                      <a:pPr latinLnBrk="1"/>
+                      <a:endParaRPr lang="ko-KR" altLang="en-US" dirty="0"/>
+                    </a:p>
+                  </a:txBody>
+                  <a:tcPr/>
+                </a:tc>
+                <a:extLst>
+                  <a:ext uri="{0D108BD9-81ED-4DB2-BD59-A6C34878D82A}">
+                    <a16:rowId xmlns:a16="http://schemas.microsoft.com/office/drawing/2014/main" val="3049203448"/>
+                  </a:ext>
+                </a:extLst>
+              </a:tr>
+              <a:tr h="254563">
+                <a:tc>
+                  <a:txBody>
+                    <a:bodyPr/>
+                    <a:lstStyle/>
+                    <a:p>
+                      <a:pPr latinLnBrk="1"/>
+                      <a:endParaRPr lang="ko-KR" altLang="en-US" dirty="0"/>
+                    </a:p>
+                  </a:txBody>
+                  <a:tcPr/>
+                </a:tc>
+                <a:extLst>
+                  <a:ext uri="{0D108BD9-81ED-4DB2-BD59-A6C34878D82A}">
+                    <a16:rowId xmlns:a16="http://schemas.microsoft.com/office/drawing/2014/main" val="2540395132"/>
+                  </a:ext>
+                </a:extLst>
+              </a:tr>
+              <a:tr h="254563">
+                <a:tc>
+                  <a:txBody>
+                    <a:bodyPr/>
+                    <a:lstStyle/>
+                    <a:p>
+                      <a:pPr latinLnBrk="1"/>
+                      <a:endParaRPr lang="ko-KR" altLang="en-US" dirty="0"/>
+                    </a:p>
+                  </a:txBody>
+                  <a:tcPr/>
+                </a:tc>
+                <a:extLst>
+                  <a:ext uri="{0D108BD9-81ED-4DB2-BD59-A6C34878D82A}">
+                    <a16:rowId xmlns:a16="http://schemas.microsoft.com/office/drawing/2014/main" val="397968933"/>
+                  </a:ext>
+                </a:extLst>
+              </a:tr>
+              <a:tr h="254563">
+                <a:tc>
+                  <a:txBody>
+                    <a:bodyPr/>
+                    <a:lstStyle/>
+                    <a:p>
+                      <a:pPr latinLnBrk="1"/>
+                      <a:endParaRPr lang="ko-KR" altLang="en-US" dirty="0"/>
+                    </a:p>
+                  </a:txBody>
+                  <a:tcPr/>
+                </a:tc>
+                <a:extLst>
+                  <a:ext uri="{0D108BD9-81ED-4DB2-BD59-A6C34878D82A}">
+                    <a16:rowId xmlns:a16="http://schemas.microsoft.com/office/drawing/2014/main" val="1911692429"/>
+                  </a:ext>
+                </a:extLst>
+              </a:tr>
+              <a:tr h="254563">
+                <a:tc>
+                  <a:txBody>
+                    <a:bodyPr/>
+                    <a:lstStyle/>
+                    <a:p>
+                      <a:pPr latinLnBrk="1"/>
+                      <a:endParaRPr lang="ko-KR" altLang="en-US" dirty="0"/>
+                    </a:p>
+                  </a:txBody>
+                  <a:tcPr/>
+                </a:tc>
+                <a:extLst>
+                  <a:ext uri="{0D108BD9-81ED-4DB2-BD59-A6C34878D82A}">
+                    <a16:rowId xmlns:a16="http://schemas.microsoft.com/office/drawing/2014/main" val="3369384863"/>
+                  </a:ext>
+                </a:extLst>
+              </a:tr>
+            </a:tbl>
+          </a:graphicData>
+        </a:graphic>
+      </p:graphicFrame>
+      <p:sp>
+        <p:nvSpPr>
+          <p:cNvPr id="23" name="직사각형 22">
+            <a:extLst>
+              <a:ext uri="{FF2B5EF4-FFF2-40B4-BE49-F238E27FC236}">
+                <a16:creationId xmlns:a16="http://schemas.microsoft.com/office/drawing/2014/main" id="{40761629-75F3-AF07-3C30-AA18BAAC9095}"/>
+              </a:ext>
+            </a:extLst>
+          </p:cNvPr>
+          <p:cNvSpPr/>
+          <p:nvPr/>
+        </p:nvSpPr>
+        <p:spPr>
+          <a:xfrm>
+            <a:off x="4187853" y="911068"/>
+            <a:ext cx="304800" cy="524193"/>
+          </a:xfrm>
+          <a:prstGeom prst="rect">
+            <a:avLst/>
+          </a:prstGeom>
+          <a:solidFill>
+            <a:srgbClr val="93A201"/>
+          </a:solidFill>
+          <a:ln>
+            <a:noFill/>
+          </a:ln>
+        </p:spPr>
+        <p:style>
+          <a:lnRef idx="2">
+            <a:schemeClr val="accent1">
+              <a:shade val="15000"/>
+            </a:schemeClr>
+          </a:lnRef>
+          <a:fillRef idx="1">
+            <a:schemeClr val="accent1"/>
+          </a:fillRef>
+          <a:effectRef idx="0">
+            <a:schemeClr val="accent1"/>
+          </a:effectRef>
+          <a:fontRef idx="minor">
+            <a:schemeClr val="lt1"/>
+          </a:fontRef>
+        </p:style>
+        <p:txBody>
+          <a:bodyPr rtlCol="0" anchor="ctr"/>
+          <a:lstStyle/>
+          <a:p>
+            <a:pPr algn="ctr"/>
+            <a:endParaRPr kumimoji="1" lang="ko-KR" altLang="en-US"/>
+          </a:p>
+        </p:txBody>
+      </p:sp>
+      <p:sp>
+        <p:nvSpPr>
+          <p:cNvPr id="24" name="직사각형 23">
+            <a:extLst>
+              <a:ext uri="{FF2B5EF4-FFF2-40B4-BE49-F238E27FC236}">
+                <a16:creationId xmlns:a16="http://schemas.microsoft.com/office/drawing/2014/main" id="{98C1E1FA-E7A2-E2F2-9BE5-29F7D716E864}"/>
+              </a:ext>
+            </a:extLst>
+          </p:cNvPr>
+          <p:cNvSpPr/>
+          <p:nvPr/>
+        </p:nvSpPr>
+        <p:spPr>
+          <a:xfrm>
+            <a:off x="4187853" y="1615586"/>
+            <a:ext cx="304800" cy="524193"/>
+          </a:xfrm>
+          <a:prstGeom prst="rect">
+            <a:avLst/>
+          </a:prstGeom>
+          <a:solidFill>
+            <a:schemeClr val="accent2">
+              <a:lumMod val="60000"/>
+              <a:lumOff val="40000"/>
+            </a:schemeClr>
+          </a:solidFill>
+          <a:ln>
+            <a:noFill/>
+          </a:ln>
+        </p:spPr>
+        <p:style>
+          <a:lnRef idx="2">
+            <a:schemeClr val="accent1">
+              <a:shade val="15000"/>
+            </a:schemeClr>
+          </a:lnRef>
+          <a:fillRef idx="1">
+            <a:schemeClr val="accent1"/>
+          </a:fillRef>
+          <a:effectRef idx="0">
+            <a:schemeClr val="accent1"/>
+          </a:effectRef>
+          <a:fontRef idx="minor">
+            <a:schemeClr val="lt1"/>
+          </a:fontRef>
+        </p:style>
+        <p:txBody>
+          <a:bodyPr rtlCol="0" anchor="ctr"/>
+          <a:lstStyle/>
+          <a:p>
+            <a:pPr algn="ctr"/>
+            <a:endParaRPr kumimoji="1" lang="ko-KR" altLang="en-US"/>
+          </a:p>
+        </p:txBody>
+      </p:sp>
+      <p:sp>
+        <p:nvSpPr>
+          <p:cNvPr id="25" name="직사각형 24">
+            <a:extLst>
+              <a:ext uri="{FF2B5EF4-FFF2-40B4-BE49-F238E27FC236}">
+                <a16:creationId xmlns:a16="http://schemas.microsoft.com/office/drawing/2014/main" id="{A99F2C7D-0625-CAC1-4B6D-C3D783D3029F}"/>
+              </a:ext>
+            </a:extLst>
+          </p:cNvPr>
+          <p:cNvSpPr/>
+          <p:nvPr/>
+        </p:nvSpPr>
+        <p:spPr>
+          <a:xfrm>
+            <a:off x="4187853" y="2931391"/>
+            <a:ext cx="304800" cy="524193"/>
+          </a:xfrm>
+          <a:prstGeom prst="rect">
+            <a:avLst/>
+          </a:prstGeom>
+          <a:solidFill>
+            <a:srgbClr val="93A201"/>
+          </a:solidFill>
+          <a:ln>
+            <a:noFill/>
+          </a:ln>
+        </p:spPr>
+        <p:style>
+          <a:lnRef idx="2">
+            <a:schemeClr val="accent1">
+              <a:shade val="15000"/>
+            </a:schemeClr>
+          </a:lnRef>
+          <a:fillRef idx="1">
+            <a:schemeClr val="accent1"/>
+          </a:fillRef>
+          <a:effectRef idx="0">
+            <a:schemeClr val="accent1"/>
+          </a:effectRef>
+          <a:fontRef idx="minor">
+            <a:schemeClr val="lt1"/>
+          </a:fontRef>
+        </p:style>
+        <p:txBody>
+          <a:bodyPr rtlCol="0" anchor="ctr"/>
+          <a:lstStyle/>
+          <a:p>
+            <a:pPr algn="ctr"/>
+            <a:endParaRPr kumimoji="1" lang="ko-KR" altLang="en-US"/>
+          </a:p>
+        </p:txBody>
+      </p:sp>
+      <p:sp>
+        <p:nvSpPr>
+          <p:cNvPr id="27" name="직사각형 26">
+            <a:extLst>
+              <a:ext uri="{FF2B5EF4-FFF2-40B4-BE49-F238E27FC236}">
+                <a16:creationId xmlns:a16="http://schemas.microsoft.com/office/drawing/2014/main" id="{1C3B4770-3712-AAF3-55BC-77FDC89CB64B}"/>
+              </a:ext>
+            </a:extLst>
+          </p:cNvPr>
+          <p:cNvSpPr/>
+          <p:nvPr/>
+        </p:nvSpPr>
+        <p:spPr>
+          <a:xfrm>
+            <a:off x="4187853" y="3635909"/>
+            <a:ext cx="304800" cy="524193"/>
+          </a:xfrm>
+          <a:prstGeom prst="rect">
+            <a:avLst/>
+          </a:prstGeom>
+          <a:solidFill>
+            <a:schemeClr val="accent2">
+              <a:lumMod val="60000"/>
+              <a:lumOff val="40000"/>
+            </a:schemeClr>
+          </a:solidFill>
+          <a:ln>
+            <a:noFill/>
+          </a:ln>
+        </p:spPr>
+        <p:style>
+          <a:lnRef idx="2">
+            <a:schemeClr val="accent1">
+              <a:shade val="15000"/>
+            </a:schemeClr>
+          </a:lnRef>
+          <a:fillRef idx="1">
+            <a:schemeClr val="accent1"/>
+          </a:fillRef>
+          <a:effectRef idx="0">
+            <a:schemeClr val="accent1"/>
+          </a:effectRef>
+          <a:fontRef idx="minor">
+            <a:schemeClr val="lt1"/>
+          </a:fontRef>
+        </p:style>
+        <p:txBody>
+          <a:bodyPr rtlCol="0" anchor="ctr"/>
+          <a:lstStyle/>
+          <a:p>
+            <a:pPr algn="ctr"/>
+            <a:endParaRPr kumimoji="1" lang="ko-KR" altLang="en-US"/>
+          </a:p>
+        </p:txBody>
+      </p:sp>
+      <p:sp>
+        <p:nvSpPr>
+          <p:cNvPr id="29" name="직사각형 28">
+            <a:extLst>
+              <a:ext uri="{FF2B5EF4-FFF2-40B4-BE49-F238E27FC236}">
+                <a16:creationId xmlns:a16="http://schemas.microsoft.com/office/drawing/2014/main" id="{3C26B01B-E9EE-E34B-8DB2-1BCA6DDF3F44}"/>
+              </a:ext>
+            </a:extLst>
+          </p:cNvPr>
+          <p:cNvSpPr/>
+          <p:nvPr/>
+        </p:nvSpPr>
+        <p:spPr>
+          <a:xfrm>
+            <a:off x="4187853" y="4951714"/>
+            <a:ext cx="304800" cy="524193"/>
+          </a:xfrm>
+          <a:prstGeom prst="rect">
+            <a:avLst/>
+          </a:prstGeom>
+          <a:solidFill>
+            <a:srgbClr val="93A201"/>
+          </a:solidFill>
+          <a:ln>
+            <a:noFill/>
+          </a:ln>
+        </p:spPr>
+        <p:style>
+          <a:lnRef idx="2">
+            <a:schemeClr val="accent1">
+              <a:shade val="15000"/>
+            </a:schemeClr>
+          </a:lnRef>
+          <a:fillRef idx="1">
+            <a:schemeClr val="accent1"/>
+          </a:fillRef>
+          <a:effectRef idx="0">
+            <a:schemeClr val="accent1"/>
+          </a:effectRef>
+          <a:fontRef idx="minor">
+            <a:schemeClr val="lt1"/>
+          </a:fontRef>
+        </p:style>
+        <p:txBody>
+          <a:bodyPr rtlCol="0" anchor="ctr"/>
+          <a:lstStyle/>
+          <a:p>
+            <a:pPr algn="ctr"/>
+            <a:endParaRPr kumimoji="1" lang="ko-KR" altLang="en-US"/>
+          </a:p>
+        </p:txBody>
+      </p:sp>
+      <p:sp>
+        <p:nvSpPr>
+          <p:cNvPr id="30" name="직사각형 29">
+            <a:extLst>
+              <a:ext uri="{FF2B5EF4-FFF2-40B4-BE49-F238E27FC236}">
+                <a16:creationId xmlns:a16="http://schemas.microsoft.com/office/drawing/2014/main" id="{68B671D2-0906-4294-A755-A29C8993A23C}"/>
+              </a:ext>
+            </a:extLst>
+          </p:cNvPr>
+          <p:cNvSpPr/>
+          <p:nvPr/>
+        </p:nvSpPr>
+        <p:spPr>
+          <a:xfrm>
+            <a:off x="4187853" y="5656232"/>
+            <a:ext cx="304800" cy="524193"/>
+          </a:xfrm>
+          <a:prstGeom prst="rect">
+            <a:avLst/>
+          </a:prstGeom>
+          <a:solidFill>
+            <a:schemeClr val="accent2">
+              <a:lumMod val="60000"/>
+              <a:lumOff val="40000"/>
+            </a:schemeClr>
+          </a:solidFill>
+          <a:ln>
+            <a:noFill/>
+          </a:ln>
+        </p:spPr>
+        <p:style>
+          <a:lnRef idx="2">
+            <a:schemeClr val="accent1">
+              <a:shade val="15000"/>
+            </a:schemeClr>
+          </a:lnRef>
+          <a:fillRef idx="1">
+            <a:schemeClr val="accent1"/>
+          </a:fillRef>
+          <a:effectRef idx="0">
+            <a:schemeClr val="accent1"/>
+          </a:effectRef>
+          <a:fontRef idx="minor">
+            <a:schemeClr val="lt1"/>
+          </a:fontRef>
+        </p:style>
+        <p:txBody>
+          <a:bodyPr rtlCol="0" anchor="ctr"/>
+          <a:lstStyle/>
+          <a:p>
+            <a:pPr algn="ctr"/>
+            <a:endParaRPr kumimoji="1" lang="ko-KR" altLang="en-US"/>
+          </a:p>
+        </p:txBody>
+      </p:sp>
+      <mc:AlternateContent xmlns:mc="http://schemas.openxmlformats.org/markup-compatibility/2006">
+        <mc:Choice xmlns:a14="http://schemas.microsoft.com/office/drawing/2010/main" Requires="a14">
+          <p:sp>
+            <p:nvSpPr>
+              <p:cNvPr id="31" name="TextBox 30">
+                <a:extLst>
+                  <a:ext uri="{FF2B5EF4-FFF2-40B4-BE49-F238E27FC236}">
+                    <a16:creationId xmlns:a16="http://schemas.microsoft.com/office/drawing/2014/main" id="{874CABA1-E462-0866-D9C7-29F115EBD9EE}"/>
+                  </a:ext>
+                </a:extLst>
+              </p:cNvPr>
+              <p:cNvSpPr txBox="1"/>
+              <p:nvPr/>
+            </p:nvSpPr>
+            <p:spPr>
+              <a:xfrm>
+                <a:off x="4492653" y="1028849"/>
+                <a:ext cx="341697" cy="278025"/>
+              </a:xfrm>
+              <a:prstGeom prst="rect">
+                <a:avLst/>
+              </a:prstGeom>
+              <a:noFill/>
+            </p:spPr>
+            <p:txBody>
+              <a:bodyPr wrap="none" lIns="0" tIns="0" rIns="0" bIns="0" rtlCol="0">
+                <a:spAutoFit/>
+              </a:bodyPr>
+              <a:lstStyle/>
+              <a:p>
+                <a:pPr/>
+                <a14:m>
+                  <m:oMathPara xmlns:m="http://schemas.openxmlformats.org/officeDocument/2006/math">
+                    <m:oMathParaPr>
+                      <m:jc m:val="centerGroup"/>
+                    </m:oMathParaPr>
+                    <m:oMath xmlns:m="http://schemas.openxmlformats.org/officeDocument/2006/math">
+                      <m:sSubSup>
+                        <m:sSubSupPr>
+                          <m:ctrlPr>
+                            <a:rPr kumimoji="1" lang="en-US" altLang="ko-KR" b="0" i="1" smtClean="0">
+                              <a:latin typeface="Cambria Math" panose="02040503050406030204" pitchFamily="18" charset="0"/>
+                            </a:rPr>
+                          </m:ctrlPr>
+                        </m:sSubSupPr>
+                        <m:e>
+                          <m:r>
+                            <a:rPr kumimoji="1" lang="en-US" altLang="ko-KR" b="0" i="1" smtClean="0">
+                              <a:latin typeface="Cambria Math" panose="02040503050406030204" pitchFamily="18" charset="0"/>
+                            </a:rPr>
+                            <m:t>𝑣</m:t>
+                          </m:r>
+                        </m:e>
+                        <m:sub>
+                          <m:r>
+                            <a:rPr kumimoji="1" lang="en-US" altLang="ko-KR" b="0" i="1" smtClean="0">
+                              <a:latin typeface="Cambria Math" panose="02040503050406030204" pitchFamily="18" charset="0"/>
+                            </a:rPr>
+                            <m:t>𝑖</m:t>
+                          </m:r>
+                        </m:sub>
+                        <m:sup>
+                          <m:r>
+                            <a:rPr kumimoji="1" lang="en-US" altLang="ko-KR" b="0" i="1" smtClean="0">
+                              <a:latin typeface="Cambria Math" panose="02040503050406030204" pitchFamily="18" charset="0"/>
+                            </a:rPr>
+                            <m:t>𝑢</m:t>
+                          </m:r>
+                        </m:sup>
+                      </m:sSubSup>
+                    </m:oMath>
+                  </m:oMathPara>
+                </a14:m>
+                <a:endParaRPr kumimoji="1" lang="ko-KR" altLang="en-US" dirty="0"/>
+              </a:p>
+            </p:txBody>
+          </p:sp>
+        </mc:Choice>
+        <mc:Fallback>
+          <p:sp>
+            <p:nvSpPr>
+              <p:cNvPr id="31" name="TextBox 30">
+                <a:extLst>
+                  <a:ext uri="{FF2B5EF4-FFF2-40B4-BE49-F238E27FC236}">
+                    <a16:creationId xmlns:a16="http://schemas.microsoft.com/office/drawing/2014/main" id="{874CABA1-E462-0866-D9C7-29F115EBD9EE}"/>
+                  </a:ext>
+                </a:extLst>
+              </p:cNvPr>
+              <p:cNvSpPr txBox="1">
+                <a:spLocks noRot="1" noChangeAspect="1" noMove="1" noResize="1" noEditPoints="1" noAdjustHandles="1" noChangeArrowheads="1" noChangeShapeType="1" noTextEdit="1"/>
+              </p:cNvSpPr>
+              <p:nvPr/>
+            </p:nvSpPr>
+            <p:spPr>
+              <a:xfrm>
+                <a:off x="4492653" y="1028849"/>
+                <a:ext cx="341697" cy="278025"/>
+              </a:xfrm>
+              <a:prstGeom prst="rect">
+                <a:avLst/>
+              </a:prstGeom>
+              <a:blipFill>
+                <a:blip r:embed="rId5"/>
+                <a:stretch>
+                  <a:fillRect l="-3571" b="-22727"/>
+                </a:stretch>
+              </a:blipFill>
+            </p:spPr>
+            <p:txBody>
+              <a:bodyPr/>
+              <a:lstStyle/>
+              <a:p>
+                <a:r>
+                  <a:rPr lang="ko-KR" altLang="en-US">
+                    <a:noFill/>
+                  </a:rPr>
+                  <a:t> </a:t>
+                </a:r>
+              </a:p>
+            </p:txBody>
+          </p:sp>
+        </mc:Fallback>
+      </mc:AlternateContent>
+      <mc:AlternateContent xmlns:mc="http://schemas.openxmlformats.org/markup-compatibility/2006">
+        <mc:Choice xmlns:a14="http://schemas.microsoft.com/office/drawing/2010/main" Requires="a14">
+          <p:sp>
+            <p:nvSpPr>
+              <p:cNvPr id="35" name="TextBox 34">
+                <a:extLst>
+                  <a:ext uri="{FF2B5EF4-FFF2-40B4-BE49-F238E27FC236}">
+                    <a16:creationId xmlns:a16="http://schemas.microsoft.com/office/drawing/2014/main" id="{BBEBF46C-F2D1-66C2-9B55-28404788AD14}"/>
+                  </a:ext>
+                </a:extLst>
+              </p:cNvPr>
+              <p:cNvSpPr txBox="1"/>
+              <p:nvPr/>
+            </p:nvSpPr>
+            <p:spPr>
+              <a:xfrm>
+                <a:off x="4492652" y="3060178"/>
+                <a:ext cx="337079" cy="278025"/>
+              </a:xfrm>
+              <a:prstGeom prst="rect">
+                <a:avLst/>
+              </a:prstGeom>
+              <a:noFill/>
+            </p:spPr>
+            <p:txBody>
+              <a:bodyPr wrap="none" lIns="0" tIns="0" rIns="0" bIns="0" rtlCol="0">
+                <a:spAutoFit/>
+              </a:bodyPr>
+              <a:lstStyle/>
+              <a:p>
+                <a:pPr/>
+                <a14:m>
+                  <m:oMathPara xmlns:m="http://schemas.openxmlformats.org/officeDocument/2006/math">
+                    <m:oMathParaPr>
+                      <m:jc m:val="centerGroup"/>
+                    </m:oMathParaPr>
+                    <m:oMath xmlns:m="http://schemas.openxmlformats.org/officeDocument/2006/math">
+                      <m:sSubSup>
+                        <m:sSubSupPr>
+                          <m:ctrlPr>
+                            <a:rPr kumimoji="1" lang="en-US" altLang="ko-KR" b="0" i="1" smtClean="0">
+                              <a:latin typeface="Cambria Math" panose="02040503050406030204" pitchFamily="18" charset="0"/>
+                            </a:rPr>
+                          </m:ctrlPr>
+                        </m:sSubSupPr>
+                        <m:e>
+                          <m:r>
+                            <a:rPr kumimoji="1" lang="en-US" altLang="ko-KR" b="0" i="1" smtClean="0">
+                              <a:latin typeface="Cambria Math" panose="02040503050406030204" pitchFamily="18" charset="0"/>
+                            </a:rPr>
+                            <m:t>𝑎</m:t>
+                          </m:r>
+                        </m:e>
+                        <m:sub>
+                          <m:r>
+                            <a:rPr kumimoji="1" lang="en-US" altLang="ko-KR" b="0" i="1" smtClean="0">
+                              <a:latin typeface="Cambria Math" panose="02040503050406030204" pitchFamily="18" charset="0"/>
+                            </a:rPr>
+                            <m:t>𝑖</m:t>
+                          </m:r>
+                        </m:sub>
+                        <m:sup>
+                          <m:r>
+                            <a:rPr kumimoji="1" lang="en-US" altLang="ko-KR" b="0" i="1" smtClean="0">
+                              <a:latin typeface="Cambria Math" panose="02040503050406030204" pitchFamily="18" charset="0"/>
+                            </a:rPr>
+                            <m:t>𝑢</m:t>
+                          </m:r>
+                        </m:sup>
+                      </m:sSubSup>
+                    </m:oMath>
+                  </m:oMathPara>
+                </a14:m>
+                <a:endParaRPr kumimoji="1" lang="ko-KR" altLang="en-US" dirty="0"/>
+              </a:p>
+            </p:txBody>
+          </p:sp>
+        </mc:Choice>
+        <mc:Fallback>
+          <p:sp>
+            <p:nvSpPr>
+              <p:cNvPr id="35" name="TextBox 34">
+                <a:extLst>
+                  <a:ext uri="{FF2B5EF4-FFF2-40B4-BE49-F238E27FC236}">
+                    <a16:creationId xmlns:a16="http://schemas.microsoft.com/office/drawing/2014/main" id="{BBEBF46C-F2D1-66C2-9B55-28404788AD14}"/>
+                  </a:ext>
+                </a:extLst>
+              </p:cNvPr>
+              <p:cNvSpPr txBox="1">
+                <a:spLocks noRot="1" noChangeAspect="1" noMove="1" noResize="1" noEditPoints="1" noAdjustHandles="1" noChangeArrowheads="1" noChangeShapeType="1" noTextEdit="1"/>
+              </p:cNvSpPr>
+              <p:nvPr/>
+            </p:nvSpPr>
+            <p:spPr>
+              <a:xfrm>
+                <a:off x="4492652" y="3060178"/>
+                <a:ext cx="337079" cy="278025"/>
+              </a:xfrm>
+              <a:prstGeom prst="rect">
+                <a:avLst/>
+              </a:prstGeom>
+              <a:blipFill>
+                <a:blip r:embed="rId6"/>
+                <a:stretch>
+                  <a:fillRect l="-3571" b="-16667"/>
+                </a:stretch>
+              </a:blipFill>
+            </p:spPr>
+            <p:txBody>
+              <a:bodyPr/>
+              <a:lstStyle/>
+              <a:p>
+                <a:r>
+                  <a:rPr lang="ko-KR" altLang="en-US">
+                    <a:noFill/>
+                  </a:rPr>
+                  <a:t> </a:t>
+                </a:r>
+              </a:p>
+            </p:txBody>
+          </p:sp>
+        </mc:Fallback>
+      </mc:AlternateContent>
+      <mc:AlternateContent xmlns:mc="http://schemas.openxmlformats.org/markup-compatibility/2006">
+        <mc:Choice xmlns:a14="http://schemas.microsoft.com/office/drawing/2010/main" Requires="a14">
+          <p:sp>
+            <p:nvSpPr>
+              <p:cNvPr id="37" name="TextBox 36">
+                <a:extLst>
+                  <a:ext uri="{FF2B5EF4-FFF2-40B4-BE49-F238E27FC236}">
+                    <a16:creationId xmlns:a16="http://schemas.microsoft.com/office/drawing/2014/main" id="{AA3DD3D0-7DA8-844D-1511-5CF267D8161E}"/>
+                  </a:ext>
+                </a:extLst>
+              </p:cNvPr>
+              <p:cNvSpPr txBox="1"/>
+              <p:nvPr/>
+            </p:nvSpPr>
+            <p:spPr>
+              <a:xfrm>
+                <a:off x="4492651" y="5091507"/>
+                <a:ext cx="307520" cy="278025"/>
+              </a:xfrm>
+              <a:prstGeom prst="rect">
+                <a:avLst/>
+              </a:prstGeom>
+              <a:noFill/>
+            </p:spPr>
+            <p:txBody>
+              <a:bodyPr wrap="none" lIns="0" tIns="0" rIns="0" bIns="0" rtlCol="0">
+                <a:spAutoFit/>
+              </a:bodyPr>
+              <a:lstStyle/>
+              <a:p>
+                <a:pPr/>
+                <a14:m>
+                  <m:oMathPara xmlns:m="http://schemas.openxmlformats.org/officeDocument/2006/math">
+                    <m:oMathParaPr>
+                      <m:jc m:val="centerGroup"/>
+                    </m:oMathParaPr>
+                    <m:oMath xmlns:m="http://schemas.openxmlformats.org/officeDocument/2006/math">
+                      <m:sSubSup>
+                        <m:sSubSupPr>
+                          <m:ctrlPr>
+                            <a:rPr kumimoji="1" lang="en-US" altLang="ko-KR" b="0" i="1" smtClean="0">
+                              <a:latin typeface="Cambria Math" panose="02040503050406030204" pitchFamily="18" charset="0"/>
+                            </a:rPr>
+                          </m:ctrlPr>
+                        </m:sSubSupPr>
+                        <m:e>
+                          <m:r>
+                            <a:rPr kumimoji="1" lang="en-US" altLang="ko-KR" b="0" i="1" smtClean="0">
+                              <a:latin typeface="Cambria Math" panose="02040503050406030204" pitchFamily="18" charset="0"/>
+                            </a:rPr>
+                            <m:t>𝑡</m:t>
+                          </m:r>
+                        </m:e>
+                        <m:sub>
+                          <m:r>
+                            <a:rPr kumimoji="1" lang="en-US" altLang="ko-KR" b="0" i="1" smtClean="0">
+                              <a:latin typeface="Cambria Math" panose="02040503050406030204" pitchFamily="18" charset="0"/>
+                            </a:rPr>
+                            <m:t>𝑖</m:t>
+                          </m:r>
+                        </m:sub>
+                        <m:sup>
+                          <m:r>
+                            <a:rPr kumimoji="1" lang="en-US" altLang="ko-KR" b="0" i="1" smtClean="0">
+                              <a:latin typeface="Cambria Math" panose="02040503050406030204" pitchFamily="18" charset="0"/>
+                            </a:rPr>
+                            <m:t>𝑢</m:t>
+                          </m:r>
+                        </m:sup>
+                      </m:sSubSup>
+                    </m:oMath>
+                  </m:oMathPara>
+                </a14:m>
+                <a:endParaRPr kumimoji="1" lang="ko-KR" altLang="en-US" dirty="0"/>
+              </a:p>
+            </p:txBody>
+          </p:sp>
+        </mc:Choice>
+        <mc:Fallback>
+          <p:sp>
+            <p:nvSpPr>
+              <p:cNvPr id="37" name="TextBox 36">
+                <a:extLst>
+                  <a:ext uri="{FF2B5EF4-FFF2-40B4-BE49-F238E27FC236}">
+                    <a16:creationId xmlns:a16="http://schemas.microsoft.com/office/drawing/2014/main" id="{AA3DD3D0-7DA8-844D-1511-5CF267D8161E}"/>
+                  </a:ext>
+                </a:extLst>
+              </p:cNvPr>
+              <p:cNvSpPr txBox="1">
+                <a:spLocks noRot="1" noChangeAspect="1" noMove="1" noResize="1" noEditPoints="1" noAdjustHandles="1" noChangeArrowheads="1" noChangeShapeType="1" noTextEdit="1"/>
+              </p:cNvSpPr>
+              <p:nvPr/>
+            </p:nvSpPr>
+            <p:spPr>
+              <a:xfrm>
+                <a:off x="4492651" y="5091507"/>
+                <a:ext cx="307520" cy="278025"/>
+              </a:xfrm>
+              <a:prstGeom prst="rect">
+                <a:avLst/>
+              </a:prstGeom>
+              <a:blipFill>
+                <a:blip r:embed="rId7"/>
+                <a:stretch>
+                  <a:fillRect l="-8000" b="-21739"/>
+                </a:stretch>
+              </a:blipFill>
+            </p:spPr>
+            <p:txBody>
+              <a:bodyPr/>
+              <a:lstStyle/>
+              <a:p>
+                <a:r>
+                  <a:rPr lang="ko-KR" altLang="en-US">
+                    <a:noFill/>
+                  </a:rPr>
+                  <a:t> </a:t>
+                </a:r>
+              </a:p>
+            </p:txBody>
+          </p:sp>
+        </mc:Fallback>
+      </mc:AlternateContent>
+      <mc:AlternateContent xmlns:mc="http://schemas.openxmlformats.org/markup-compatibility/2006">
+        <mc:Choice xmlns:a14="http://schemas.microsoft.com/office/drawing/2010/main" Requires="a14">
+          <p:sp>
+            <p:nvSpPr>
+              <p:cNvPr id="38" name="TextBox 37">
+                <a:extLst>
+                  <a:ext uri="{FF2B5EF4-FFF2-40B4-BE49-F238E27FC236}">
+                    <a16:creationId xmlns:a16="http://schemas.microsoft.com/office/drawing/2014/main" id="{F8AA4E67-82E9-4047-DFA6-7E88960EAD86}"/>
+                  </a:ext>
+                </a:extLst>
+              </p:cNvPr>
+              <p:cNvSpPr txBox="1"/>
+              <p:nvPr/>
+            </p:nvSpPr>
+            <p:spPr>
+              <a:xfrm>
+                <a:off x="4492651" y="1742035"/>
+                <a:ext cx="389786" cy="278025"/>
+              </a:xfrm>
+              <a:prstGeom prst="rect">
+                <a:avLst/>
+              </a:prstGeom>
+              <a:noFill/>
+            </p:spPr>
+            <p:txBody>
+              <a:bodyPr wrap="none" lIns="0" tIns="0" rIns="0" bIns="0" rtlCol="0">
+                <a:spAutoFit/>
+              </a:bodyPr>
+              <a:lstStyle/>
+              <a:p>
+                <a:pPr/>
+                <a14:m>
+                  <m:oMathPara xmlns:m="http://schemas.openxmlformats.org/officeDocument/2006/math">
+                    <m:oMathParaPr>
+                      <m:jc m:val="centerGroup"/>
+                    </m:oMathParaPr>
+                    <m:oMath xmlns:m="http://schemas.openxmlformats.org/officeDocument/2006/math">
+                      <m:sSubSup>
+                        <m:sSubSupPr>
+                          <m:ctrlPr>
+                            <a:rPr kumimoji="1" lang="en-US" altLang="ko-KR" b="0" i="1" smtClean="0">
+                              <a:latin typeface="Cambria Math" panose="02040503050406030204" pitchFamily="18" charset="0"/>
+                            </a:rPr>
+                          </m:ctrlPr>
+                        </m:sSubSupPr>
+                        <m:e>
+                          <m:r>
+                            <a:rPr kumimoji="1" lang="en-US" altLang="ko-KR" b="0" i="1" smtClean="0">
+                              <a:latin typeface="Cambria Math" panose="02040503050406030204" pitchFamily="18" charset="0"/>
+                            </a:rPr>
+                            <m:t>𝑣</m:t>
+                          </m:r>
+                        </m:e>
+                        <m:sub>
+                          <m:r>
+                            <a:rPr kumimoji="1" lang="en-US" altLang="ko-KR" b="0" i="1" smtClean="0">
+                              <a:latin typeface="Cambria Math" panose="02040503050406030204" pitchFamily="18" charset="0"/>
+                            </a:rPr>
+                            <m:t>𝑖</m:t>
+                          </m:r>
+                        </m:sub>
+                        <m:sup>
+                          <m:r>
+                            <a:rPr kumimoji="1" lang="en-US" altLang="ko-KR" b="0" i="1" smtClean="0">
+                              <a:latin typeface="Cambria Math" panose="02040503050406030204" pitchFamily="18" charset="0"/>
+                            </a:rPr>
+                            <m:t>𝑚</m:t>
+                          </m:r>
+                        </m:sup>
+                      </m:sSubSup>
+                    </m:oMath>
+                  </m:oMathPara>
+                </a14:m>
+                <a:endParaRPr kumimoji="1" lang="ko-KR" altLang="en-US" dirty="0"/>
+              </a:p>
+            </p:txBody>
+          </p:sp>
+        </mc:Choice>
+        <mc:Fallback>
+          <p:sp>
+            <p:nvSpPr>
+              <p:cNvPr id="38" name="TextBox 37">
+                <a:extLst>
+                  <a:ext uri="{FF2B5EF4-FFF2-40B4-BE49-F238E27FC236}">
+                    <a16:creationId xmlns:a16="http://schemas.microsoft.com/office/drawing/2014/main" id="{F8AA4E67-82E9-4047-DFA6-7E88960EAD86}"/>
+                  </a:ext>
+                </a:extLst>
+              </p:cNvPr>
+              <p:cNvSpPr txBox="1">
+                <a:spLocks noRot="1" noChangeAspect="1" noMove="1" noResize="1" noEditPoints="1" noAdjustHandles="1" noChangeArrowheads="1" noChangeShapeType="1" noTextEdit="1"/>
+              </p:cNvSpPr>
+              <p:nvPr/>
+            </p:nvSpPr>
+            <p:spPr>
+              <a:xfrm>
+                <a:off x="4492651" y="1742035"/>
+                <a:ext cx="389786" cy="278025"/>
+              </a:xfrm>
+              <a:prstGeom prst="rect">
+                <a:avLst/>
+              </a:prstGeom>
+              <a:blipFill>
+                <a:blip r:embed="rId8"/>
+                <a:stretch>
+                  <a:fillRect l="-3125" b="-22727"/>
+                </a:stretch>
+              </a:blipFill>
+            </p:spPr>
+            <p:txBody>
+              <a:bodyPr/>
+              <a:lstStyle/>
+              <a:p>
+                <a:r>
+                  <a:rPr lang="ko-KR" altLang="en-US">
+                    <a:noFill/>
+                  </a:rPr>
+                  <a:t> </a:t>
+                </a:r>
+              </a:p>
+            </p:txBody>
+          </p:sp>
+        </mc:Fallback>
+      </mc:AlternateContent>
+      <mc:AlternateContent xmlns:mc="http://schemas.openxmlformats.org/markup-compatibility/2006">
+        <mc:Choice xmlns:a14="http://schemas.microsoft.com/office/drawing/2010/main" Requires="a14">
+          <p:sp>
+            <p:nvSpPr>
+              <p:cNvPr id="41" name="TextBox 40">
+                <a:extLst>
+                  <a:ext uri="{FF2B5EF4-FFF2-40B4-BE49-F238E27FC236}">
+                    <a16:creationId xmlns:a16="http://schemas.microsoft.com/office/drawing/2014/main" id="{5D727A3D-EF26-91CF-1995-215D08CD34E4}"/>
+                  </a:ext>
+                </a:extLst>
+              </p:cNvPr>
+              <p:cNvSpPr txBox="1"/>
+              <p:nvPr/>
+            </p:nvSpPr>
+            <p:spPr>
+              <a:xfrm>
+                <a:off x="4485105" y="3762447"/>
+                <a:ext cx="385169" cy="278025"/>
+              </a:xfrm>
+              <a:prstGeom prst="rect">
+                <a:avLst/>
+              </a:prstGeom>
+              <a:noFill/>
+            </p:spPr>
+            <p:txBody>
+              <a:bodyPr wrap="none" lIns="0" tIns="0" rIns="0" bIns="0" rtlCol="0">
+                <a:spAutoFit/>
+              </a:bodyPr>
+              <a:lstStyle/>
+              <a:p>
+                <a:pPr/>
+                <a14:m>
+                  <m:oMathPara xmlns:m="http://schemas.openxmlformats.org/officeDocument/2006/math">
+                    <m:oMathParaPr>
+                      <m:jc m:val="centerGroup"/>
+                    </m:oMathParaPr>
+                    <m:oMath xmlns:m="http://schemas.openxmlformats.org/officeDocument/2006/math">
+                      <m:sSubSup>
+                        <m:sSubSupPr>
+                          <m:ctrlPr>
+                            <a:rPr kumimoji="1" lang="en-US" altLang="ko-KR" b="0" i="1" smtClean="0">
+                              <a:latin typeface="Cambria Math" panose="02040503050406030204" pitchFamily="18" charset="0"/>
+                            </a:rPr>
+                          </m:ctrlPr>
+                        </m:sSubSupPr>
+                        <m:e>
+                          <m:r>
+                            <a:rPr kumimoji="1" lang="en-US" altLang="ko-KR" b="0" i="1" smtClean="0">
+                              <a:latin typeface="Cambria Math" panose="02040503050406030204" pitchFamily="18" charset="0"/>
+                            </a:rPr>
+                            <m:t>𝑎</m:t>
+                          </m:r>
+                        </m:e>
+                        <m:sub>
+                          <m:r>
+                            <a:rPr kumimoji="1" lang="en-US" altLang="ko-KR" b="0" i="1" smtClean="0">
+                              <a:latin typeface="Cambria Math" panose="02040503050406030204" pitchFamily="18" charset="0"/>
+                            </a:rPr>
+                            <m:t>𝑖</m:t>
+                          </m:r>
+                        </m:sub>
+                        <m:sup>
+                          <m:r>
+                            <a:rPr kumimoji="1" lang="en-US" altLang="ko-KR" b="0" i="1" smtClean="0">
+                              <a:latin typeface="Cambria Math" panose="02040503050406030204" pitchFamily="18" charset="0"/>
+                            </a:rPr>
+                            <m:t>𝑚</m:t>
+                          </m:r>
+                        </m:sup>
+                      </m:sSubSup>
+                    </m:oMath>
+                  </m:oMathPara>
+                </a14:m>
+                <a:endParaRPr kumimoji="1" lang="ko-KR" altLang="en-US" dirty="0"/>
+              </a:p>
+            </p:txBody>
+          </p:sp>
+        </mc:Choice>
+        <mc:Fallback>
+          <p:sp>
+            <p:nvSpPr>
+              <p:cNvPr id="41" name="TextBox 40">
+                <a:extLst>
+                  <a:ext uri="{FF2B5EF4-FFF2-40B4-BE49-F238E27FC236}">
+                    <a16:creationId xmlns:a16="http://schemas.microsoft.com/office/drawing/2014/main" id="{5D727A3D-EF26-91CF-1995-215D08CD34E4}"/>
+                  </a:ext>
+                </a:extLst>
+              </p:cNvPr>
+              <p:cNvSpPr txBox="1">
+                <a:spLocks noRot="1" noChangeAspect="1" noMove="1" noResize="1" noEditPoints="1" noAdjustHandles="1" noChangeArrowheads="1" noChangeShapeType="1" noTextEdit="1"/>
+              </p:cNvSpPr>
+              <p:nvPr/>
+            </p:nvSpPr>
+            <p:spPr>
+              <a:xfrm>
+                <a:off x="4485105" y="3762447"/>
+                <a:ext cx="385169" cy="278025"/>
+              </a:xfrm>
+              <a:prstGeom prst="rect">
+                <a:avLst/>
+              </a:prstGeom>
+              <a:blipFill>
+                <a:blip r:embed="rId9"/>
+                <a:stretch>
+                  <a:fillRect l="-6452" b="-21739"/>
+                </a:stretch>
+              </a:blipFill>
+            </p:spPr>
+            <p:txBody>
+              <a:bodyPr/>
+              <a:lstStyle/>
+              <a:p>
+                <a:r>
+                  <a:rPr lang="ko-KR" altLang="en-US">
+                    <a:noFill/>
+                  </a:rPr>
+                  <a:t> </a:t>
+                </a:r>
+              </a:p>
+            </p:txBody>
+          </p:sp>
+        </mc:Fallback>
+      </mc:AlternateContent>
+      <mc:AlternateContent xmlns:mc="http://schemas.openxmlformats.org/markup-compatibility/2006">
+        <mc:Choice xmlns:a14="http://schemas.microsoft.com/office/drawing/2010/main" Requires="a14">
+          <p:sp>
+            <p:nvSpPr>
+              <p:cNvPr id="42" name="TextBox 41">
+                <a:extLst>
+                  <a:ext uri="{FF2B5EF4-FFF2-40B4-BE49-F238E27FC236}">
+                    <a16:creationId xmlns:a16="http://schemas.microsoft.com/office/drawing/2014/main" id="{67C5EFF7-EBF8-8253-4462-F727163E8D2D}"/>
+                  </a:ext>
+                </a:extLst>
+              </p:cNvPr>
+              <p:cNvSpPr txBox="1"/>
+              <p:nvPr/>
+            </p:nvSpPr>
+            <p:spPr>
+              <a:xfrm>
+                <a:off x="4477559" y="5782859"/>
+                <a:ext cx="355610" cy="278025"/>
+              </a:xfrm>
+              <a:prstGeom prst="rect">
+                <a:avLst/>
+              </a:prstGeom>
+              <a:noFill/>
+            </p:spPr>
+            <p:txBody>
+              <a:bodyPr wrap="none" lIns="0" tIns="0" rIns="0" bIns="0" rtlCol="0">
+                <a:spAutoFit/>
+              </a:bodyPr>
+              <a:lstStyle/>
+              <a:p>
+                <a:pPr/>
+                <a14:m>
+                  <m:oMathPara xmlns:m="http://schemas.openxmlformats.org/officeDocument/2006/math">
+                    <m:oMathParaPr>
+                      <m:jc m:val="centerGroup"/>
+                    </m:oMathParaPr>
+                    <m:oMath xmlns:m="http://schemas.openxmlformats.org/officeDocument/2006/math">
+                      <m:sSubSup>
+                        <m:sSubSupPr>
+                          <m:ctrlPr>
+                            <a:rPr kumimoji="1" lang="en-US" altLang="ko-KR" b="0" i="1" smtClean="0">
+                              <a:latin typeface="Cambria Math" panose="02040503050406030204" pitchFamily="18" charset="0"/>
+                            </a:rPr>
+                          </m:ctrlPr>
+                        </m:sSubSupPr>
+                        <m:e>
+                          <m:r>
+                            <a:rPr kumimoji="1" lang="en-US" altLang="ko-KR" b="0" i="1" smtClean="0">
+                              <a:latin typeface="Cambria Math" panose="02040503050406030204" pitchFamily="18" charset="0"/>
+                            </a:rPr>
+                            <m:t>𝑡</m:t>
+                          </m:r>
+                        </m:e>
+                        <m:sub>
+                          <m:r>
+                            <a:rPr kumimoji="1" lang="en-US" altLang="ko-KR" b="0" i="1" smtClean="0">
+                              <a:latin typeface="Cambria Math" panose="02040503050406030204" pitchFamily="18" charset="0"/>
+                            </a:rPr>
+                            <m:t>𝑖</m:t>
+                          </m:r>
+                        </m:sub>
+                        <m:sup>
+                          <m:r>
+                            <a:rPr kumimoji="1" lang="en-US" altLang="ko-KR" b="0" i="1" smtClean="0">
+                              <a:latin typeface="Cambria Math" panose="02040503050406030204" pitchFamily="18" charset="0"/>
+                            </a:rPr>
+                            <m:t>𝑚</m:t>
+                          </m:r>
+                        </m:sup>
+                      </m:sSubSup>
+                    </m:oMath>
+                  </m:oMathPara>
+                </a14:m>
+                <a:endParaRPr kumimoji="1" lang="ko-KR" altLang="en-US" dirty="0"/>
+              </a:p>
+            </p:txBody>
+          </p:sp>
+        </mc:Choice>
+        <mc:Fallback>
+          <p:sp>
+            <p:nvSpPr>
+              <p:cNvPr id="42" name="TextBox 41">
+                <a:extLst>
+                  <a:ext uri="{FF2B5EF4-FFF2-40B4-BE49-F238E27FC236}">
+                    <a16:creationId xmlns:a16="http://schemas.microsoft.com/office/drawing/2014/main" id="{67C5EFF7-EBF8-8253-4462-F727163E8D2D}"/>
+                  </a:ext>
+                </a:extLst>
+              </p:cNvPr>
+              <p:cNvSpPr txBox="1">
+                <a:spLocks noRot="1" noChangeAspect="1" noMove="1" noResize="1" noEditPoints="1" noAdjustHandles="1" noChangeArrowheads="1" noChangeShapeType="1" noTextEdit="1"/>
+              </p:cNvSpPr>
+              <p:nvPr/>
+            </p:nvSpPr>
+            <p:spPr>
+              <a:xfrm>
+                <a:off x="4477559" y="5782859"/>
+                <a:ext cx="355610" cy="278025"/>
+              </a:xfrm>
+              <a:prstGeom prst="rect">
+                <a:avLst/>
+              </a:prstGeom>
+              <a:blipFill>
+                <a:blip r:embed="rId10"/>
+                <a:stretch>
+                  <a:fillRect l="-10345" b="-17391"/>
+                </a:stretch>
+              </a:blipFill>
+            </p:spPr>
+            <p:txBody>
+              <a:bodyPr/>
+              <a:lstStyle/>
+              <a:p>
+                <a:r>
+                  <a:rPr lang="ko-KR" altLang="en-US">
+                    <a:noFill/>
+                  </a:rPr>
+                  <a:t> </a:t>
+                </a:r>
+              </a:p>
+            </p:txBody>
+          </p:sp>
+        </mc:Fallback>
+      </mc:AlternateContent>
+      <p:sp>
+        <p:nvSpPr>
+          <p:cNvPr id="43" name="직사각형 42">
+            <a:extLst>
+              <a:ext uri="{FF2B5EF4-FFF2-40B4-BE49-F238E27FC236}">
+                <a16:creationId xmlns:a16="http://schemas.microsoft.com/office/drawing/2014/main" id="{370AD187-5DF1-54E8-4D55-EFEE9A19765E}"/>
+              </a:ext>
+            </a:extLst>
+          </p:cNvPr>
+          <p:cNvSpPr/>
+          <p:nvPr/>
+        </p:nvSpPr>
+        <p:spPr>
+          <a:xfrm>
+            <a:off x="5550384" y="2123892"/>
+            <a:ext cx="304800" cy="1233054"/>
+          </a:xfrm>
+          <a:prstGeom prst="rect">
+            <a:avLst/>
+          </a:prstGeom>
+          <a:solidFill>
+            <a:srgbClr val="93A201"/>
+          </a:solidFill>
+          <a:ln>
+            <a:noFill/>
+          </a:ln>
+        </p:spPr>
+        <p:style>
+          <a:lnRef idx="2">
+            <a:schemeClr val="accent1">
+              <a:shade val="15000"/>
+            </a:schemeClr>
+          </a:lnRef>
+          <a:fillRef idx="1">
+            <a:schemeClr val="accent1"/>
+          </a:fillRef>
+          <a:effectRef idx="0">
+            <a:schemeClr val="accent1"/>
+          </a:effectRef>
+          <a:fontRef idx="minor">
+            <a:schemeClr val="lt1"/>
+          </a:fontRef>
+        </p:style>
+        <p:txBody>
+          <a:bodyPr rtlCol="0" anchor="ctr"/>
+          <a:lstStyle/>
+          <a:p>
+            <a:pPr algn="ctr"/>
+            <a:endParaRPr kumimoji="1" lang="ko-KR" altLang="en-US"/>
+          </a:p>
+        </p:txBody>
+      </p:sp>
+      <p:sp>
+        <p:nvSpPr>
+          <p:cNvPr id="45" name="직사각형 44">
+            <a:extLst>
+              <a:ext uri="{FF2B5EF4-FFF2-40B4-BE49-F238E27FC236}">
+                <a16:creationId xmlns:a16="http://schemas.microsoft.com/office/drawing/2014/main" id="{A10CC4F6-1EC5-3309-5A74-337170DFCD0F}"/>
+              </a:ext>
+            </a:extLst>
+          </p:cNvPr>
+          <p:cNvSpPr/>
+          <p:nvPr/>
+        </p:nvSpPr>
+        <p:spPr>
+          <a:xfrm>
+            <a:off x="5550252" y="3688711"/>
+            <a:ext cx="304800" cy="1233054"/>
+          </a:xfrm>
+          <a:prstGeom prst="rect">
+            <a:avLst/>
+          </a:prstGeom>
+          <a:solidFill>
+            <a:schemeClr val="accent2">
+              <a:lumMod val="60000"/>
+              <a:lumOff val="40000"/>
+            </a:schemeClr>
+          </a:solidFill>
+          <a:ln>
+            <a:noFill/>
+          </a:ln>
+        </p:spPr>
+        <p:style>
+          <a:lnRef idx="2">
+            <a:schemeClr val="accent1">
+              <a:shade val="15000"/>
+            </a:schemeClr>
+          </a:lnRef>
+          <a:fillRef idx="1">
+            <a:schemeClr val="accent1"/>
+          </a:fillRef>
+          <a:effectRef idx="0">
+            <a:schemeClr val="accent1"/>
+          </a:effectRef>
+          <a:fontRef idx="minor">
+            <a:schemeClr val="lt1"/>
+          </a:fontRef>
+        </p:style>
+        <p:txBody>
+          <a:bodyPr rtlCol="0" anchor="ctr"/>
+          <a:lstStyle/>
+          <a:p>
+            <a:pPr algn="ctr"/>
+            <a:endParaRPr kumimoji="1" lang="ko-KR" altLang="en-US"/>
+          </a:p>
+        </p:txBody>
+      </p:sp>
+      <mc:AlternateContent xmlns:mc="http://schemas.openxmlformats.org/markup-compatibility/2006">
+        <mc:Choice xmlns:a14="http://schemas.microsoft.com/office/drawing/2010/main" Requires="a14">
+          <p:sp>
+            <p:nvSpPr>
+              <p:cNvPr id="46" name="TextBox 45">
+                <a:extLst>
+                  <a:ext uri="{FF2B5EF4-FFF2-40B4-BE49-F238E27FC236}">
+                    <a16:creationId xmlns:a16="http://schemas.microsoft.com/office/drawing/2014/main" id="{80B8A1A2-BBB4-8434-D6EE-14D3BE042AE2}"/>
+                  </a:ext>
+                </a:extLst>
+              </p:cNvPr>
+              <p:cNvSpPr txBox="1"/>
+              <p:nvPr/>
+            </p:nvSpPr>
+            <p:spPr>
+              <a:xfrm>
+                <a:off x="5851420" y="2673064"/>
+                <a:ext cx="1963358" cy="278025"/>
+              </a:xfrm>
+              <a:prstGeom prst="rect">
+                <a:avLst/>
+              </a:prstGeom>
+              <a:noFill/>
+            </p:spPr>
+            <p:txBody>
+              <a:bodyPr wrap="none" lIns="0" tIns="0" rIns="0" bIns="0" rtlCol="0">
+                <a:spAutoFit/>
+              </a:bodyPr>
+              <a:lstStyle/>
+              <a:p>
+                <a:pPr/>
+                <a14:m>
+                  <m:oMathPara xmlns:m="http://schemas.openxmlformats.org/officeDocument/2006/math">
+                    <m:oMathParaPr>
+                      <m:jc m:val="center"/>
+                    </m:oMathParaPr>
+                    <m:oMath xmlns:m="http://schemas.openxmlformats.org/officeDocument/2006/math">
+                      <m:sSubSup>
+                        <m:sSubSupPr>
+                          <m:ctrlPr>
+                            <a:rPr kumimoji="1" lang="en-US" altLang="ko-KR" b="0" i="1" smtClean="0">
+                              <a:latin typeface="Cambria Math" panose="02040503050406030204" pitchFamily="18" charset="0"/>
+                            </a:rPr>
+                          </m:ctrlPr>
+                        </m:sSubSupPr>
+                        <m:e>
+                          <m:r>
+                            <a:rPr kumimoji="1" lang="en-US" altLang="ko-KR" b="0" i="1" smtClean="0">
+                              <a:latin typeface="Cambria Math" panose="02040503050406030204" pitchFamily="18" charset="0"/>
+                            </a:rPr>
+                            <m:t>𝑓</m:t>
+                          </m:r>
+                        </m:e>
+                        <m:sub>
+                          <m:r>
+                            <a:rPr kumimoji="1" lang="en-US" altLang="ko-KR" b="0" i="1" smtClean="0">
+                              <a:latin typeface="Cambria Math" panose="02040503050406030204" pitchFamily="18" charset="0"/>
+                            </a:rPr>
+                            <m:t>𝑖</m:t>
+                          </m:r>
+                        </m:sub>
+                        <m:sup>
+                          <m:r>
+                            <a:rPr kumimoji="1" lang="en-US" altLang="ko-KR" b="0" i="1" smtClean="0">
+                              <a:latin typeface="Cambria Math" panose="02040503050406030204" pitchFamily="18" charset="0"/>
+                            </a:rPr>
+                            <m:t>𝑚</m:t>
+                          </m:r>
+                        </m:sup>
+                      </m:sSubSup>
+                      <m:r>
+                        <a:rPr kumimoji="1" lang="en-US" altLang="ko-KR" b="0" i="1" smtClean="0">
+                          <a:latin typeface="Cambria Math" panose="02040503050406030204" pitchFamily="18" charset="0"/>
+                        </a:rPr>
+                        <m:t>=[</m:t>
+                      </m:r>
+                      <m:sSubSup>
+                        <m:sSubSupPr>
+                          <m:ctrlPr>
+                            <a:rPr kumimoji="1" lang="en-US" altLang="ko-KR" b="0" i="1" smtClean="0">
+                              <a:latin typeface="Cambria Math" panose="02040503050406030204" pitchFamily="18" charset="0"/>
+                            </a:rPr>
+                          </m:ctrlPr>
+                        </m:sSubSupPr>
+                        <m:e>
+                          <m:r>
+                            <a:rPr kumimoji="1" lang="en-US" altLang="ko-KR" b="0" i="1" smtClean="0">
+                              <a:latin typeface="Cambria Math" panose="02040503050406030204" pitchFamily="18" charset="0"/>
+                            </a:rPr>
+                            <m:t>𝑣</m:t>
+                          </m:r>
+                        </m:e>
+                        <m:sub>
+                          <m:r>
+                            <a:rPr kumimoji="1" lang="en-US" altLang="ko-KR" b="0" i="1" smtClean="0">
+                              <a:latin typeface="Cambria Math" panose="02040503050406030204" pitchFamily="18" charset="0"/>
+                            </a:rPr>
+                            <m:t>𝑖</m:t>
+                          </m:r>
+                        </m:sub>
+                        <m:sup>
+                          <m:r>
+                            <a:rPr kumimoji="1" lang="en-US" altLang="ko-KR" b="0" i="1" smtClean="0">
+                              <a:latin typeface="Cambria Math" panose="02040503050406030204" pitchFamily="18" charset="0"/>
+                            </a:rPr>
+                            <m:t>𝑚</m:t>
+                          </m:r>
+                        </m:sup>
+                      </m:sSubSup>
+                      <m:r>
+                        <a:rPr kumimoji="1" lang="en-US" altLang="ko-KR" b="0" i="1" smtClean="0">
+                          <a:latin typeface="Cambria Math" panose="02040503050406030204" pitchFamily="18" charset="0"/>
+                        </a:rPr>
+                        <m:t>,</m:t>
+                      </m:r>
+                      <m:sSubSup>
+                        <m:sSubSupPr>
+                          <m:ctrlPr>
+                            <a:rPr kumimoji="1" lang="en-US" altLang="ko-KR" b="0" i="1" smtClean="0">
+                              <a:latin typeface="Cambria Math" panose="02040503050406030204" pitchFamily="18" charset="0"/>
+                            </a:rPr>
+                          </m:ctrlPr>
+                        </m:sSubSupPr>
+                        <m:e>
+                          <m:r>
+                            <a:rPr kumimoji="1" lang="en-US" altLang="ko-KR" b="0" i="1" smtClean="0">
+                              <a:latin typeface="Cambria Math" panose="02040503050406030204" pitchFamily="18" charset="0"/>
+                            </a:rPr>
+                            <m:t>𝑎</m:t>
+                          </m:r>
+                        </m:e>
+                        <m:sub>
+                          <m:r>
+                            <a:rPr kumimoji="1" lang="en-US" altLang="ko-KR" b="0" i="1" smtClean="0">
+                              <a:latin typeface="Cambria Math" panose="02040503050406030204" pitchFamily="18" charset="0"/>
+                            </a:rPr>
+                            <m:t>𝑖</m:t>
+                          </m:r>
+                        </m:sub>
+                        <m:sup>
+                          <m:r>
+                            <a:rPr kumimoji="1" lang="en-US" altLang="ko-KR" b="0" i="1" smtClean="0">
+                              <a:latin typeface="Cambria Math" panose="02040503050406030204" pitchFamily="18" charset="0"/>
+                            </a:rPr>
+                            <m:t>𝑚</m:t>
+                          </m:r>
+                        </m:sup>
+                      </m:sSubSup>
+                      <m:r>
+                        <a:rPr kumimoji="1" lang="en-US" altLang="ko-KR" b="0" i="1" smtClean="0">
+                          <a:latin typeface="Cambria Math" panose="02040503050406030204" pitchFamily="18" charset="0"/>
+                        </a:rPr>
+                        <m:t>,</m:t>
+                      </m:r>
+                      <m:sSubSup>
+                        <m:sSubSupPr>
+                          <m:ctrlPr>
+                            <a:rPr kumimoji="1" lang="en-US" altLang="ko-KR" b="0" i="1" smtClean="0">
+                              <a:latin typeface="Cambria Math" panose="02040503050406030204" pitchFamily="18" charset="0"/>
+                            </a:rPr>
+                          </m:ctrlPr>
+                        </m:sSubSupPr>
+                        <m:e>
+                          <m:r>
+                            <a:rPr kumimoji="1" lang="en-US" altLang="ko-KR" b="0" i="1" smtClean="0">
+                              <a:latin typeface="Cambria Math" panose="02040503050406030204" pitchFamily="18" charset="0"/>
+                            </a:rPr>
+                            <m:t>𝑡</m:t>
+                          </m:r>
+                        </m:e>
+                        <m:sub>
+                          <m:r>
+                            <a:rPr kumimoji="1" lang="en-US" altLang="ko-KR" b="0" i="1" smtClean="0">
+                              <a:latin typeface="Cambria Math" panose="02040503050406030204" pitchFamily="18" charset="0"/>
+                            </a:rPr>
+                            <m:t>𝑖</m:t>
+                          </m:r>
+                        </m:sub>
+                        <m:sup>
+                          <m:r>
+                            <a:rPr kumimoji="1" lang="en-US" altLang="ko-KR" b="0" i="1" smtClean="0">
+                              <a:latin typeface="Cambria Math" panose="02040503050406030204" pitchFamily="18" charset="0"/>
+                            </a:rPr>
+                            <m:t>𝑚</m:t>
+                          </m:r>
+                        </m:sup>
+                      </m:sSubSup>
+                      <m:r>
+                        <a:rPr kumimoji="1" lang="en-US" altLang="ko-KR" b="0" i="1" smtClean="0">
+                          <a:latin typeface="Cambria Math" panose="02040503050406030204" pitchFamily="18" charset="0"/>
+                        </a:rPr>
+                        <m:t>] </m:t>
+                      </m:r>
+                    </m:oMath>
+                  </m:oMathPara>
+                </a14:m>
+                <a:endParaRPr kumimoji="1" lang="ko-KR" altLang="en-US" dirty="0"/>
+              </a:p>
+            </p:txBody>
+          </p:sp>
+        </mc:Choice>
+        <mc:Fallback>
+          <p:sp>
+            <p:nvSpPr>
+              <p:cNvPr id="46" name="TextBox 45">
+                <a:extLst>
+                  <a:ext uri="{FF2B5EF4-FFF2-40B4-BE49-F238E27FC236}">
+                    <a16:creationId xmlns:a16="http://schemas.microsoft.com/office/drawing/2014/main" id="{80B8A1A2-BBB4-8434-D6EE-14D3BE042AE2}"/>
+                  </a:ext>
+                </a:extLst>
+              </p:cNvPr>
+              <p:cNvSpPr txBox="1">
+                <a:spLocks noRot="1" noChangeAspect="1" noMove="1" noResize="1" noEditPoints="1" noAdjustHandles="1" noChangeArrowheads="1" noChangeShapeType="1" noTextEdit="1"/>
+              </p:cNvSpPr>
+              <p:nvPr/>
+            </p:nvSpPr>
+            <p:spPr>
+              <a:xfrm>
+                <a:off x="5851420" y="2673064"/>
+                <a:ext cx="1963358" cy="278025"/>
+              </a:xfrm>
+              <a:prstGeom prst="rect">
+                <a:avLst/>
+              </a:prstGeom>
+              <a:blipFill>
+                <a:blip r:embed="rId11"/>
+                <a:stretch>
+                  <a:fillRect l="-2564" t="-8696" r="-3205" b="-34783"/>
+                </a:stretch>
+              </a:blipFill>
+            </p:spPr>
+            <p:txBody>
+              <a:bodyPr/>
+              <a:lstStyle/>
+              <a:p>
+                <a:r>
+                  <a:rPr lang="ko-KR" altLang="en-US">
+                    <a:noFill/>
+                  </a:rPr>
+                  <a:t> </a:t>
+                </a:r>
+              </a:p>
+            </p:txBody>
+          </p:sp>
+        </mc:Fallback>
+      </mc:AlternateContent>
+      <mc:AlternateContent xmlns:mc="http://schemas.openxmlformats.org/markup-compatibility/2006">
+        <mc:Choice xmlns:a14="http://schemas.microsoft.com/office/drawing/2010/main" Requires="a14">
+          <p:sp>
+            <p:nvSpPr>
+              <p:cNvPr id="53" name="TextBox 52">
+                <a:extLst>
+                  <a:ext uri="{FF2B5EF4-FFF2-40B4-BE49-F238E27FC236}">
+                    <a16:creationId xmlns:a16="http://schemas.microsoft.com/office/drawing/2014/main" id="{67794532-5180-BB16-920C-7AF63989B9A9}"/>
+                  </a:ext>
+                </a:extLst>
+              </p:cNvPr>
+              <p:cNvSpPr txBox="1"/>
+              <p:nvPr/>
+            </p:nvSpPr>
+            <p:spPr>
+              <a:xfrm>
+                <a:off x="8275989" y="2633548"/>
+                <a:ext cx="1405193" cy="278025"/>
+              </a:xfrm>
+              <a:prstGeom prst="rect">
+                <a:avLst/>
+              </a:prstGeom>
+              <a:noFill/>
+            </p:spPr>
+            <p:txBody>
+              <a:bodyPr wrap="none" lIns="0" tIns="0" rIns="0" bIns="0" rtlCol="0">
+                <a:spAutoFit/>
+              </a:bodyPr>
+              <a:lstStyle/>
+              <a:p>
+                <a:pPr/>
+                <a14:m>
+                  <m:oMathPara xmlns:m="http://schemas.openxmlformats.org/officeDocument/2006/math">
+                    <m:oMathParaPr>
+                      <m:jc m:val="center"/>
+                    </m:oMathParaPr>
+                    <m:oMath xmlns:m="http://schemas.openxmlformats.org/officeDocument/2006/math">
+                      <m:sSub>
+                        <m:sSubPr>
+                          <m:ctrlPr>
+                            <a:rPr kumimoji="1" lang="en-US" altLang="ko-KR" b="0" i="1" smtClean="0">
+                              <a:latin typeface="Cambria Math" panose="02040503050406030204" pitchFamily="18" charset="0"/>
+                            </a:rPr>
+                          </m:ctrlPr>
+                        </m:sSubPr>
+                        <m:e>
+                          <m:r>
+                            <a:rPr kumimoji="1" lang="en-US" altLang="ko-KR" b="0" i="1" smtClean="0">
+                              <a:latin typeface="Cambria Math" panose="02040503050406030204" pitchFamily="18" charset="0"/>
+                            </a:rPr>
+                            <m:t>h</m:t>
+                          </m:r>
+                        </m:e>
+                        <m:sub>
+                          <m:r>
+                            <a:rPr kumimoji="1" lang="en-US" altLang="ko-KR" b="0" i="1" smtClean="0">
+                              <a:latin typeface="Cambria Math" panose="02040503050406030204" pitchFamily="18" charset="0"/>
+                            </a:rPr>
+                            <m:t>𝑖</m:t>
+                          </m:r>
+                        </m:sub>
+                      </m:sSub>
+                      <m:r>
+                        <a:rPr kumimoji="1" lang="en-US" altLang="ko-KR" b="0" i="1" smtClean="0">
+                          <a:latin typeface="Cambria Math" panose="02040503050406030204" pitchFamily="18" charset="0"/>
+                        </a:rPr>
+                        <m:t>=[</m:t>
+                      </m:r>
+                      <m:sSubSup>
+                        <m:sSubSupPr>
+                          <m:ctrlPr>
+                            <a:rPr kumimoji="1" lang="en-US" altLang="ko-KR" b="0" i="1" smtClean="0">
+                              <a:latin typeface="Cambria Math" panose="02040503050406030204" pitchFamily="18" charset="0"/>
+                            </a:rPr>
+                          </m:ctrlPr>
+                        </m:sSubSupPr>
+                        <m:e>
+                          <m:r>
+                            <a:rPr kumimoji="1" lang="en-US" altLang="ko-KR" b="0" i="1" smtClean="0">
+                              <a:latin typeface="Cambria Math" panose="02040503050406030204" pitchFamily="18" charset="0"/>
+                            </a:rPr>
+                            <m:t>𝑓</m:t>
+                          </m:r>
+                        </m:e>
+                        <m:sub>
+                          <m:r>
+                            <a:rPr kumimoji="1" lang="en-US" altLang="ko-KR" b="0" i="1" smtClean="0">
+                              <a:latin typeface="Cambria Math" panose="02040503050406030204" pitchFamily="18" charset="0"/>
+                            </a:rPr>
+                            <m:t>𝑖</m:t>
+                          </m:r>
+                        </m:sub>
+                        <m:sup>
+                          <m:r>
+                            <a:rPr kumimoji="1" lang="en-US" altLang="ko-KR" b="0" i="1" smtClean="0">
+                              <a:latin typeface="Cambria Math" panose="02040503050406030204" pitchFamily="18" charset="0"/>
+                            </a:rPr>
+                            <m:t>𝑚</m:t>
+                          </m:r>
+                        </m:sup>
+                      </m:sSubSup>
+                      <m:r>
+                        <a:rPr kumimoji="1" lang="en-US" altLang="ko-KR" b="0" i="1" smtClean="0">
+                          <a:latin typeface="Cambria Math" panose="02040503050406030204" pitchFamily="18" charset="0"/>
+                        </a:rPr>
+                        <m:t>,</m:t>
+                      </m:r>
+                      <m:sSubSup>
+                        <m:sSubSupPr>
+                          <m:ctrlPr>
+                            <a:rPr kumimoji="1" lang="en-US" altLang="ko-KR" b="0" i="1" smtClean="0">
+                              <a:latin typeface="Cambria Math" panose="02040503050406030204" pitchFamily="18" charset="0"/>
+                            </a:rPr>
+                          </m:ctrlPr>
+                        </m:sSubSupPr>
+                        <m:e>
+                          <m:r>
+                            <a:rPr kumimoji="1" lang="en-US" altLang="ko-KR" b="0" i="1" smtClean="0">
+                              <a:latin typeface="Cambria Math" panose="02040503050406030204" pitchFamily="18" charset="0"/>
+                            </a:rPr>
+                            <m:t>𝑓</m:t>
+                          </m:r>
+                        </m:e>
+                        <m:sub>
+                          <m:r>
+                            <a:rPr kumimoji="1" lang="en-US" altLang="ko-KR" b="0" i="1" smtClean="0">
+                              <a:latin typeface="Cambria Math" panose="02040503050406030204" pitchFamily="18" charset="0"/>
+                            </a:rPr>
+                            <m:t>𝑖</m:t>
+                          </m:r>
+                        </m:sub>
+                        <m:sup>
+                          <m:r>
+                            <a:rPr kumimoji="1" lang="en-US" altLang="ko-KR" b="0" i="1" smtClean="0">
+                              <a:latin typeface="Cambria Math" panose="02040503050406030204" pitchFamily="18" charset="0"/>
+                            </a:rPr>
+                            <m:t>𝑢</m:t>
+                          </m:r>
+                        </m:sup>
+                      </m:sSubSup>
+                      <m:r>
+                        <a:rPr kumimoji="1" lang="en-US" altLang="ko-KR" b="0" i="1" smtClean="0">
+                          <a:latin typeface="Cambria Math" panose="02040503050406030204" pitchFamily="18" charset="0"/>
+                        </a:rPr>
+                        <m:t>]</m:t>
+                      </m:r>
+                    </m:oMath>
+                  </m:oMathPara>
+                </a14:m>
+                <a:endParaRPr kumimoji="1" lang="ko-KR" altLang="en-US" dirty="0"/>
+              </a:p>
+            </p:txBody>
+          </p:sp>
+        </mc:Choice>
+        <mc:Fallback>
+          <p:sp>
+            <p:nvSpPr>
+              <p:cNvPr id="53" name="TextBox 52">
+                <a:extLst>
+                  <a:ext uri="{FF2B5EF4-FFF2-40B4-BE49-F238E27FC236}">
+                    <a16:creationId xmlns:a16="http://schemas.microsoft.com/office/drawing/2014/main" id="{67794532-5180-BB16-920C-7AF63989B9A9}"/>
+                  </a:ext>
+                </a:extLst>
+              </p:cNvPr>
+              <p:cNvSpPr txBox="1">
+                <a:spLocks noRot="1" noChangeAspect="1" noMove="1" noResize="1" noEditPoints="1" noAdjustHandles="1" noChangeArrowheads="1" noChangeShapeType="1" noTextEdit="1"/>
+              </p:cNvSpPr>
+              <p:nvPr/>
+            </p:nvSpPr>
+            <p:spPr>
+              <a:xfrm>
+                <a:off x="8275989" y="2633548"/>
+                <a:ext cx="1405193" cy="278025"/>
+              </a:xfrm>
+              <a:prstGeom prst="rect">
+                <a:avLst/>
+              </a:prstGeom>
+              <a:blipFill>
+                <a:blip r:embed="rId12"/>
+                <a:stretch>
+                  <a:fillRect l="-2679" t="-4348" r="-4464" b="-34783"/>
+                </a:stretch>
+              </a:blipFill>
+            </p:spPr>
+            <p:txBody>
+              <a:bodyPr/>
+              <a:lstStyle/>
+              <a:p>
+                <a:r>
+                  <a:rPr lang="ko-KR" altLang="en-US">
+                    <a:noFill/>
+                  </a:rPr>
+                  <a:t> </a:t>
+                </a:r>
+              </a:p>
+            </p:txBody>
+          </p:sp>
+        </mc:Fallback>
+      </mc:AlternateContent>
+      <p:sp>
+        <p:nvSpPr>
+          <p:cNvPr id="54" name="직사각형 53">
+            <a:extLst>
+              <a:ext uri="{FF2B5EF4-FFF2-40B4-BE49-F238E27FC236}">
+                <a16:creationId xmlns:a16="http://schemas.microsoft.com/office/drawing/2014/main" id="{FB065A37-E160-E7A3-31C4-99F2396D0BB9}"/>
+              </a:ext>
+            </a:extLst>
+          </p:cNvPr>
+          <p:cNvSpPr/>
+          <p:nvPr/>
+        </p:nvSpPr>
+        <p:spPr>
+          <a:xfrm>
+            <a:off x="8420878" y="2927048"/>
+            <a:ext cx="304800" cy="1233054"/>
+          </a:xfrm>
+          <a:prstGeom prst="rect">
+            <a:avLst/>
+          </a:prstGeom>
+          <a:solidFill>
+            <a:srgbClr val="0081A7"/>
+          </a:solidFill>
+          <a:ln>
+            <a:noFill/>
+          </a:ln>
+        </p:spPr>
+        <p:style>
+          <a:lnRef idx="2">
+            <a:schemeClr val="accent1">
+              <a:shade val="15000"/>
+            </a:schemeClr>
+          </a:lnRef>
+          <a:fillRef idx="1">
+            <a:schemeClr val="accent1"/>
+          </a:fillRef>
+          <a:effectRef idx="0">
+            <a:schemeClr val="accent1"/>
+          </a:effectRef>
+          <a:fontRef idx="minor">
+            <a:schemeClr val="lt1"/>
+          </a:fontRef>
+        </p:style>
+        <p:txBody>
+          <a:bodyPr rtlCol="0" anchor="ctr"/>
+          <a:lstStyle/>
+          <a:p>
+            <a:pPr algn="ctr"/>
+            <a:endParaRPr kumimoji="1" lang="ko-KR" altLang="en-US" dirty="0"/>
+          </a:p>
+        </p:txBody>
+      </p:sp>
+      <p:sp>
+        <p:nvSpPr>
+          <p:cNvPr id="55" name="TextBox 54">
+            <a:extLst>
+              <a:ext uri="{FF2B5EF4-FFF2-40B4-BE49-F238E27FC236}">
+                <a16:creationId xmlns:a16="http://schemas.microsoft.com/office/drawing/2014/main" id="{883C16B4-9D64-A6DE-AA9D-7B7FC7A779F8}"/>
+              </a:ext>
+            </a:extLst>
+          </p:cNvPr>
+          <p:cNvSpPr txBox="1"/>
+          <p:nvPr/>
+        </p:nvSpPr>
+        <p:spPr>
+          <a:xfrm>
+            <a:off x="9145619" y="3174243"/>
+            <a:ext cx="1071127" cy="369332"/>
+          </a:xfrm>
+          <a:prstGeom prst="rect">
+            <a:avLst/>
+          </a:prstGeom>
+          <a:noFill/>
+        </p:spPr>
+        <p:txBody>
+          <a:bodyPr wrap="none" rtlCol="0">
+            <a:spAutoFit/>
+          </a:bodyPr>
+          <a:lstStyle/>
+          <a:p>
+            <a:r>
+              <a:rPr kumimoji="1" lang="en-US" altLang="ko-KR" dirty="0">
+                <a:latin typeface="S-Core Dream 4 Regular" panose="020B0503030302020204" pitchFamily="34" charset="-127"/>
+                <a:ea typeface="S-Core Dream 4 Regular" panose="020B0503030302020204" pitchFamily="34" charset="-127"/>
+              </a:rPr>
+              <a:t>Classify</a:t>
+            </a:r>
+            <a:endParaRPr kumimoji="1" lang="ko-KR" altLang="en-US" dirty="0">
+              <a:latin typeface="S-Core Dream 4 Regular" panose="020B0503030302020204" pitchFamily="34" charset="-127"/>
+              <a:ea typeface="S-Core Dream 4 Regular" panose="020B0503030302020204" pitchFamily="34" charset="-127"/>
+            </a:endParaRPr>
+          </a:p>
+        </p:txBody>
+      </p:sp>
+      <p:cxnSp>
+        <p:nvCxnSpPr>
+          <p:cNvPr id="56" name="직선 화살표 연결선 55">
+            <a:extLst>
+              <a:ext uri="{FF2B5EF4-FFF2-40B4-BE49-F238E27FC236}">
+                <a16:creationId xmlns:a16="http://schemas.microsoft.com/office/drawing/2014/main" id="{6D2FA38B-7216-6598-D283-0746A55A9E5A}"/>
+              </a:ext>
+            </a:extLst>
+          </p:cNvPr>
+          <p:cNvCxnSpPr>
+            <a:stCxn id="54" idx="3"/>
+          </p:cNvCxnSpPr>
+          <p:nvPr/>
+        </p:nvCxnSpPr>
+        <p:spPr>
+          <a:xfrm>
+            <a:off x="8725678" y="3543575"/>
+            <a:ext cx="1911010" cy="0"/>
+          </a:xfrm>
+          <a:prstGeom prst="straightConnector1">
+            <a:avLst/>
+          </a:prstGeom>
+          <a:ln w="28575">
+            <a:tailEnd type="triangle"/>
+          </a:ln>
+        </p:spPr>
+        <p:style>
+          <a:lnRef idx="1">
+            <a:schemeClr val="accent1"/>
+          </a:lnRef>
+          <a:fillRef idx="0">
+            <a:schemeClr val="accent1"/>
+          </a:fillRef>
+          <a:effectRef idx="0">
+            <a:schemeClr val="accent1"/>
+          </a:effectRef>
+          <a:fontRef idx="minor">
+            <a:schemeClr val="tx1"/>
+          </a:fontRef>
+        </p:style>
+      </p:cxnSp>
+      <p:cxnSp>
+        <p:nvCxnSpPr>
+          <p:cNvPr id="58" name="직선 화살표 연결선 57">
+            <a:extLst>
+              <a:ext uri="{FF2B5EF4-FFF2-40B4-BE49-F238E27FC236}">
+                <a16:creationId xmlns:a16="http://schemas.microsoft.com/office/drawing/2014/main" id="{F88F2132-28E1-E7C3-AEA9-40C342E648BA}"/>
+              </a:ext>
+            </a:extLst>
+          </p:cNvPr>
+          <p:cNvCxnSpPr>
+            <a:cxnSpLocks/>
+            <a:stCxn id="46" idx="3"/>
+            <a:endCxn id="54" idx="1"/>
+          </p:cNvCxnSpPr>
+          <p:nvPr/>
+        </p:nvCxnSpPr>
+        <p:spPr>
+          <a:xfrm>
+            <a:off x="7814778" y="2812077"/>
+            <a:ext cx="606100" cy="731498"/>
+          </a:xfrm>
+          <a:prstGeom prst="straightConnector1">
+            <a:avLst/>
+          </a:prstGeom>
+          <a:ln w="28575">
+            <a:tailEnd type="triangle"/>
+          </a:ln>
+        </p:spPr>
+        <p:style>
+          <a:lnRef idx="1">
+            <a:schemeClr val="accent1"/>
+          </a:lnRef>
+          <a:fillRef idx="0">
+            <a:schemeClr val="accent1"/>
+          </a:fillRef>
+          <a:effectRef idx="0">
+            <a:schemeClr val="accent1"/>
+          </a:effectRef>
+          <a:fontRef idx="minor">
+            <a:schemeClr val="tx1"/>
+          </a:fontRef>
+        </p:style>
+      </p:cxnSp>
+      <p:cxnSp>
+        <p:nvCxnSpPr>
+          <p:cNvPr id="62" name="직선 화살표 연결선 61">
+            <a:extLst>
+              <a:ext uri="{FF2B5EF4-FFF2-40B4-BE49-F238E27FC236}">
+                <a16:creationId xmlns:a16="http://schemas.microsoft.com/office/drawing/2014/main" id="{559AF150-2F5C-0DFD-71AE-D644FA483A5A}"/>
+              </a:ext>
+            </a:extLst>
+          </p:cNvPr>
+          <p:cNvCxnSpPr>
+            <a:cxnSpLocks/>
+            <a:stCxn id="18" idx="3"/>
+            <a:endCxn id="54" idx="1"/>
+          </p:cNvCxnSpPr>
+          <p:nvPr/>
+        </p:nvCxnSpPr>
+        <p:spPr>
+          <a:xfrm flipV="1">
+            <a:off x="7821259" y="3543575"/>
+            <a:ext cx="599619" cy="695741"/>
+          </a:xfrm>
+          <a:prstGeom prst="straightConnector1">
+            <a:avLst/>
+          </a:prstGeom>
+          <a:ln w="28575">
+            <a:tailEnd type="triangle"/>
+          </a:ln>
+        </p:spPr>
+        <p:style>
+          <a:lnRef idx="1">
+            <a:schemeClr val="accent1"/>
+          </a:lnRef>
+          <a:fillRef idx="0">
+            <a:schemeClr val="accent1"/>
+          </a:fillRef>
+          <a:effectRef idx="0">
+            <a:schemeClr val="accent1"/>
+          </a:effectRef>
+          <a:fontRef idx="minor">
+            <a:schemeClr val="tx1"/>
+          </a:fontRef>
+        </p:style>
+      </p:cxnSp>
+      <mc:AlternateContent xmlns:mc="http://schemas.openxmlformats.org/markup-compatibility/2006">
+        <mc:Choice xmlns:a14="http://schemas.microsoft.com/office/drawing/2010/main" Requires="a14">
+          <p:sp>
+            <p:nvSpPr>
+              <p:cNvPr id="18" name="TextBox 17">
+                <a:extLst>
+                  <a:ext uri="{FF2B5EF4-FFF2-40B4-BE49-F238E27FC236}">
+                    <a16:creationId xmlns:a16="http://schemas.microsoft.com/office/drawing/2014/main" id="{69294A1A-1861-47F3-FCCB-2F3B5F09095D}"/>
+                  </a:ext>
+                </a:extLst>
+              </p:cNvPr>
+              <p:cNvSpPr txBox="1"/>
+              <p:nvPr/>
+            </p:nvSpPr>
+            <p:spPr>
+              <a:xfrm>
+                <a:off x="5857902" y="4100303"/>
+                <a:ext cx="1963357" cy="278025"/>
+              </a:xfrm>
+              <a:prstGeom prst="rect">
+                <a:avLst/>
+              </a:prstGeom>
+              <a:noFill/>
+            </p:spPr>
+            <p:txBody>
+              <a:bodyPr wrap="square" lIns="0" tIns="0" rIns="0" bIns="0" rtlCol="0">
+                <a:spAutoFit/>
+              </a:bodyPr>
+              <a:lstStyle/>
+              <a:p>
+                <a:pPr/>
+                <a14:m>
+                  <m:oMathPara xmlns:m="http://schemas.openxmlformats.org/officeDocument/2006/math">
+                    <m:oMathParaPr>
+                      <m:jc m:val="center"/>
+                    </m:oMathParaPr>
+                    <m:oMath xmlns:m="http://schemas.openxmlformats.org/officeDocument/2006/math">
+                      <m:sSubSup>
+                        <m:sSubSupPr>
+                          <m:ctrlPr>
+                            <a:rPr kumimoji="1" lang="en-US" altLang="ko-KR" b="0" i="1" smtClean="0">
+                              <a:latin typeface="Cambria Math" panose="02040503050406030204" pitchFamily="18" charset="0"/>
+                            </a:rPr>
+                          </m:ctrlPr>
+                        </m:sSubSupPr>
+                        <m:e>
+                          <m:r>
+                            <a:rPr kumimoji="1" lang="en-US" altLang="ko-KR" b="0" i="1" smtClean="0">
+                              <a:latin typeface="Cambria Math" panose="02040503050406030204" pitchFamily="18" charset="0"/>
+                            </a:rPr>
+                            <m:t>𝑓</m:t>
+                          </m:r>
+                        </m:e>
+                        <m:sub>
+                          <m:r>
+                            <a:rPr kumimoji="1" lang="en-US" altLang="ko-KR" b="0" i="1" smtClean="0">
+                              <a:latin typeface="Cambria Math" panose="02040503050406030204" pitchFamily="18" charset="0"/>
+                            </a:rPr>
+                            <m:t>𝑖</m:t>
+                          </m:r>
+                        </m:sub>
+                        <m:sup>
+                          <m:r>
+                            <a:rPr kumimoji="1" lang="en-US" altLang="ko-KR" b="0" i="1" smtClean="0">
+                              <a:latin typeface="Cambria Math" panose="02040503050406030204" pitchFamily="18" charset="0"/>
+                            </a:rPr>
+                            <m:t>𝑢</m:t>
+                          </m:r>
+                        </m:sup>
+                      </m:sSubSup>
+                      <m:r>
+                        <a:rPr kumimoji="1" lang="en-US" altLang="ko-KR" b="0" i="1" smtClean="0">
+                          <a:latin typeface="Cambria Math" panose="02040503050406030204" pitchFamily="18" charset="0"/>
+                        </a:rPr>
+                        <m:t>=[</m:t>
+                      </m:r>
+                      <m:sSubSup>
+                        <m:sSubSupPr>
+                          <m:ctrlPr>
+                            <a:rPr kumimoji="1" lang="en-US" altLang="ko-KR" b="0" i="1" smtClean="0">
+                              <a:latin typeface="Cambria Math" panose="02040503050406030204" pitchFamily="18" charset="0"/>
+                            </a:rPr>
+                          </m:ctrlPr>
+                        </m:sSubSupPr>
+                        <m:e>
+                          <m:r>
+                            <a:rPr kumimoji="1" lang="en-US" altLang="ko-KR" b="0" i="1" smtClean="0">
+                              <a:latin typeface="Cambria Math" panose="02040503050406030204" pitchFamily="18" charset="0"/>
+                            </a:rPr>
+                            <m:t>𝑣</m:t>
+                          </m:r>
+                        </m:e>
+                        <m:sub>
+                          <m:r>
+                            <a:rPr kumimoji="1" lang="en-US" altLang="ko-KR" b="0" i="1" smtClean="0">
+                              <a:latin typeface="Cambria Math" panose="02040503050406030204" pitchFamily="18" charset="0"/>
+                            </a:rPr>
+                            <m:t>𝑖</m:t>
+                          </m:r>
+                        </m:sub>
+                        <m:sup>
+                          <m:r>
+                            <a:rPr kumimoji="1" lang="en-US" altLang="ko-KR" b="0" i="1" smtClean="0">
+                              <a:latin typeface="Cambria Math" panose="02040503050406030204" pitchFamily="18" charset="0"/>
+                            </a:rPr>
+                            <m:t>𝑢</m:t>
+                          </m:r>
+                        </m:sup>
+                      </m:sSubSup>
+                      <m:r>
+                        <a:rPr kumimoji="1" lang="en-US" altLang="ko-KR" b="0" i="1" smtClean="0">
+                          <a:latin typeface="Cambria Math" panose="02040503050406030204" pitchFamily="18" charset="0"/>
+                        </a:rPr>
+                        <m:t>,</m:t>
+                      </m:r>
+                      <m:sSubSup>
+                        <m:sSubSupPr>
+                          <m:ctrlPr>
+                            <a:rPr kumimoji="1" lang="en-US" altLang="ko-KR" b="0" i="1" smtClean="0">
+                              <a:latin typeface="Cambria Math" panose="02040503050406030204" pitchFamily="18" charset="0"/>
+                            </a:rPr>
+                          </m:ctrlPr>
+                        </m:sSubSupPr>
+                        <m:e>
+                          <m:r>
+                            <a:rPr kumimoji="1" lang="en-US" altLang="ko-KR" b="0" i="1" smtClean="0">
+                              <a:latin typeface="Cambria Math" panose="02040503050406030204" pitchFamily="18" charset="0"/>
+                            </a:rPr>
+                            <m:t>𝑎</m:t>
+                          </m:r>
+                        </m:e>
+                        <m:sub>
+                          <m:r>
+                            <a:rPr kumimoji="1" lang="en-US" altLang="ko-KR" b="0" i="1" smtClean="0">
+                              <a:latin typeface="Cambria Math" panose="02040503050406030204" pitchFamily="18" charset="0"/>
+                            </a:rPr>
+                            <m:t>𝑖</m:t>
+                          </m:r>
+                        </m:sub>
+                        <m:sup>
+                          <m:r>
+                            <a:rPr kumimoji="1" lang="en-US" altLang="ko-KR" b="0" i="1" smtClean="0">
+                              <a:latin typeface="Cambria Math" panose="02040503050406030204" pitchFamily="18" charset="0"/>
+                            </a:rPr>
+                            <m:t>𝑢</m:t>
+                          </m:r>
+                        </m:sup>
+                      </m:sSubSup>
+                      <m:r>
+                        <a:rPr kumimoji="1" lang="en-US" altLang="ko-KR" b="0" i="1" smtClean="0">
+                          <a:latin typeface="Cambria Math" panose="02040503050406030204" pitchFamily="18" charset="0"/>
+                        </a:rPr>
+                        <m:t>,</m:t>
+                      </m:r>
+                      <m:sSubSup>
+                        <m:sSubSupPr>
+                          <m:ctrlPr>
+                            <a:rPr kumimoji="1" lang="en-US" altLang="ko-KR" b="0" i="1" smtClean="0">
+                              <a:latin typeface="Cambria Math" panose="02040503050406030204" pitchFamily="18" charset="0"/>
+                            </a:rPr>
+                          </m:ctrlPr>
+                        </m:sSubSupPr>
+                        <m:e>
+                          <m:r>
+                            <a:rPr kumimoji="1" lang="en-US" altLang="ko-KR" b="0" i="1" smtClean="0">
+                              <a:latin typeface="Cambria Math" panose="02040503050406030204" pitchFamily="18" charset="0"/>
+                            </a:rPr>
+                            <m:t>𝑡</m:t>
+                          </m:r>
+                        </m:e>
+                        <m:sub>
+                          <m:r>
+                            <a:rPr kumimoji="1" lang="en-US" altLang="ko-KR" b="0" i="1" smtClean="0">
+                              <a:latin typeface="Cambria Math" panose="02040503050406030204" pitchFamily="18" charset="0"/>
+                            </a:rPr>
+                            <m:t>𝑖</m:t>
+                          </m:r>
+                        </m:sub>
+                        <m:sup>
+                          <m:r>
+                            <a:rPr kumimoji="1" lang="en-US" altLang="ko-KR" b="0" i="1" smtClean="0">
+                              <a:latin typeface="Cambria Math" panose="02040503050406030204" pitchFamily="18" charset="0"/>
+                            </a:rPr>
+                            <m:t>𝑢</m:t>
+                          </m:r>
+                        </m:sup>
+                      </m:sSubSup>
+                      <m:r>
+                        <a:rPr kumimoji="1" lang="en-US" altLang="ko-KR" b="0" i="1" smtClean="0">
+                          <a:latin typeface="Cambria Math" panose="02040503050406030204" pitchFamily="18" charset="0"/>
+                        </a:rPr>
+                        <m:t>] </m:t>
+                      </m:r>
+                    </m:oMath>
+                  </m:oMathPara>
+                </a14:m>
+                <a:endParaRPr kumimoji="1" lang="ko-KR" altLang="en-US" dirty="0"/>
+              </a:p>
+            </p:txBody>
+          </p:sp>
+        </mc:Choice>
+        <mc:Fallback>
+          <p:sp>
+            <p:nvSpPr>
+              <p:cNvPr id="18" name="TextBox 17">
+                <a:extLst>
+                  <a:ext uri="{FF2B5EF4-FFF2-40B4-BE49-F238E27FC236}">
+                    <a16:creationId xmlns:a16="http://schemas.microsoft.com/office/drawing/2014/main" id="{69294A1A-1861-47F3-FCCB-2F3B5F09095D}"/>
+                  </a:ext>
+                </a:extLst>
+              </p:cNvPr>
+              <p:cNvSpPr txBox="1">
+                <a:spLocks noRot="1" noChangeAspect="1" noMove="1" noResize="1" noEditPoints="1" noAdjustHandles="1" noChangeArrowheads="1" noChangeShapeType="1" noTextEdit="1"/>
+              </p:cNvSpPr>
+              <p:nvPr/>
+            </p:nvSpPr>
+            <p:spPr>
+              <a:xfrm>
+                <a:off x="5857902" y="4100303"/>
+                <a:ext cx="1963357" cy="278025"/>
+              </a:xfrm>
+              <a:prstGeom prst="rect">
+                <a:avLst/>
+              </a:prstGeom>
+              <a:blipFill>
+                <a:blip r:embed="rId13"/>
+                <a:stretch>
+                  <a:fillRect t="-9091" b="-40909"/>
+                </a:stretch>
+              </a:blipFill>
+            </p:spPr>
+            <p:txBody>
+              <a:bodyPr/>
+              <a:lstStyle/>
+              <a:p>
+                <a:r>
+                  <a:rPr lang="ko-KR" altLang="en-US">
+                    <a:noFill/>
+                  </a:rPr>
+                  <a:t> </a:t>
+                </a:r>
+              </a:p>
+            </p:txBody>
+          </p:sp>
+        </mc:Fallback>
+      </mc:AlternateContent>
+      <p:cxnSp>
+        <p:nvCxnSpPr>
+          <p:cNvPr id="49" name="직선 화살표 연결선 48">
+            <a:extLst>
+              <a:ext uri="{FF2B5EF4-FFF2-40B4-BE49-F238E27FC236}">
+                <a16:creationId xmlns:a16="http://schemas.microsoft.com/office/drawing/2014/main" id="{84EB3ABC-2B93-F8CA-0EC4-3A96B21E8D6A}"/>
+              </a:ext>
+            </a:extLst>
+          </p:cNvPr>
+          <p:cNvCxnSpPr>
+            <a:stCxn id="31" idx="3"/>
+            <a:endCxn id="43" idx="1"/>
+          </p:cNvCxnSpPr>
+          <p:nvPr/>
+        </p:nvCxnSpPr>
+        <p:spPr>
+          <a:xfrm>
+            <a:off x="4834350" y="1167862"/>
+            <a:ext cx="716034" cy="1572557"/>
+          </a:xfrm>
+          <a:prstGeom prst="straightConnector1">
+            <a:avLst/>
+          </a:prstGeom>
+          <a:ln w="28575">
+            <a:solidFill>
+              <a:srgbClr val="93A201"/>
+            </a:solidFill>
+            <a:tailEnd type="triangle"/>
+          </a:ln>
+        </p:spPr>
+        <p:style>
+          <a:lnRef idx="1">
+            <a:schemeClr val="accent1"/>
+          </a:lnRef>
+          <a:fillRef idx="0">
+            <a:schemeClr val="accent1"/>
+          </a:fillRef>
+          <a:effectRef idx="0">
+            <a:schemeClr val="accent1"/>
+          </a:effectRef>
+          <a:fontRef idx="minor">
+            <a:schemeClr val="tx1"/>
+          </a:fontRef>
+        </p:style>
+      </p:cxnSp>
+      <p:cxnSp>
+        <p:nvCxnSpPr>
+          <p:cNvPr id="59" name="직선 화살표 연결선 58">
+            <a:extLst>
+              <a:ext uri="{FF2B5EF4-FFF2-40B4-BE49-F238E27FC236}">
+                <a16:creationId xmlns:a16="http://schemas.microsoft.com/office/drawing/2014/main" id="{CFE497D5-3825-F454-909A-841A9346BD7D}"/>
+              </a:ext>
+            </a:extLst>
+          </p:cNvPr>
+          <p:cNvCxnSpPr>
+            <a:stCxn id="35" idx="3"/>
+            <a:endCxn id="43" idx="1"/>
+          </p:cNvCxnSpPr>
+          <p:nvPr/>
+        </p:nvCxnSpPr>
+        <p:spPr>
+          <a:xfrm flipV="1">
+            <a:off x="4829731" y="2740419"/>
+            <a:ext cx="720653" cy="458772"/>
+          </a:xfrm>
+          <a:prstGeom prst="straightConnector1">
+            <a:avLst/>
+          </a:prstGeom>
+          <a:ln w="28575">
+            <a:solidFill>
+              <a:srgbClr val="93A201"/>
+            </a:solidFill>
+            <a:tailEnd type="triangle"/>
+          </a:ln>
+        </p:spPr>
+        <p:style>
+          <a:lnRef idx="1">
+            <a:schemeClr val="accent1"/>
+          </a:lnRef>
+          <a:fillRef idx="0">
+            <a:schemeClr val="accent1"/>
+          </a:fillRef>
+          <a:effectRef idx="0">
+            <a:schemeClr val="accent1"/>
+          </a:effectRef>
+          <a:fontRef idx="minor">
+            <a:schemeClr val="tx1"/>
+          </a:fontRef>
+        </p:style>
+      </p:cxnSp>
+      <p:cxnSp>
+        <p:nvCxnSpPr>
+          <p:cNvPr id="63" name="직선 화살표 연결선 62">
+            <a:extLst>
+              <a:ext uri="{FF2B5EF4-FFF2-40B4-BE49-F238E27FC236}">
+                <a16:creationId xmlns:a16="http://schemas.microsoft.com/office/drawing/2014/main" id="{AAE75544-C868-E800-9677-3F59275B5388}"/>
+              </a:ext>
+            </a:extLst>
+          </p:cNvPr>
+          <p:cNvCxnSpPr>
+            <a:stCxn id="37" idx="3"/>
+            <a:endCxn id="43" idx="1"/>
+          </p:cNvCxnSpPr>
+          <p:nvPr/>
+        </p:nvCxnSpPr>
+        <p:spPr>
+          <a:xfrm flipV="1">
+            <a:off x="4800171" y="2740419"/>
+            <a:ext cx="750213" cy="2490101"/>
+          </a:xfrm>
+          <a:prstGeom prst="straightConnector1">
+            <a:avLst/>
+          </a:prstGeom>
+          <a:ln w="28575">
+            <a:solidFill>
+              <a:srgbClr val="93A201"/>
+            </a:solidFill>
+            <a:tailEnd type="triangle"/>
+          </a:ln>
+        </p:spPr>
+        <p:style>
+          <a:lnRef idx="1">
+            <a:schemeClr val="accent1"/>
+          </a:lnRef>
+          <a:fillRef idx="0">
+            <a:schemeClr val="accent1"/>
+          </a:fillRef>
+          <a:effectRef idx="0">
+            <a:schemeClr val="accent1"/>
+          </a:effectRef>
+          <a:fontRef idx="minor">
+            <a:schemeClr val="tx1"/>
+          </a:fontRef>
+        </p:style>
+      </p:cxnSp>
+      <p:cxnSp>
+        <p:nvCxnSpPr>
+          <p:cNvPr id="69" name="직선 화살표 연결선 68">
+            <a:extLst>
+              <a:ext uri="{FF2B5EF4-FFF2-40B4-BE49-F238E27FC236}">
+                <a16:creationId xmlns:a16="http://schemas.microsoft.com/office/drawing/2014/main" id="{BE1B8A79-3794-05FF-7CBC-A2FB0E9CDA2A}"/>
+              </a:ext>
+            </a:extLst>
+          </p:cNvPr>
+          <p:cNvCxnSpPr>
+            <a:stCxn id="38" idx="3"/>
+            <a:endCxn id="45" idx="1"/>
+          </p:cNvCxnSpPr>
+          <p:nvPr/>
+        </p:nvCxnSpPr>
+        <p:spPr>
+          <a:xfrm>
+            <a:off x="4882437" y="1881048"/>
+            <a:ext cx="667815" cy="2424190"/>
+          </a:xfrm>
+          <a:prstGeom prst="straightConnector1">
+            <a:avLst/>
+          </a:prstGeom>
+          <a:ln w="28575">
+            <a:solidFill>
+              <a:schemeClr val="accent2">
+                <a:lumMod val="60000"/>
+                <a:lumOff val="40000"/>
+              </a:schemeClr>
+            </a:solidFill>
+            <a:tailEnd type="triangle"/>
+          </a:ln>
+        </p:spPr>
+        <p:style>
+          <a:lnRef idx="1">
+            <a:schemeClr val="accent1"/>
+          </a:lnRef>
+          <a:fillRef idx="0">
+            <a:schemeClr val="accent1"/>
+          </a:fillRef>
+          <a:effectRef idx="0">
+            <a:schemeClr val="accent1"/>
+          </a:effectRef>
+          <a:fontRef idx="minor">
+            <a:schemeClr val="tx1"/>
+          </a:fontRef>
+        </p:style>
+      </p:cxnSp>
+      <p:cxnSp>
+        <p:nvCxnSpPr>
+          <p:cNvPr id="71" name="직선 화살표 연결선 70">
+            <a:extLst>
+              <a:ext uri="{FF2B5EF4-FFF2-40B4-BE49-F238E27FC236}">
+                <a16:creationId xmlns:a16="http://schemas.microsoft.com/office/drawing/2014/main" id="{D1DB2A63-45FA-32AE-EE94-402EA87AE95D}"/>
+              </a:ext>
+            </a:extLst>
+          </p:cNvPr>
+          <p:cNvCxnSpPr>
+            <a:stCxn id="41" idx="3"/>
+            <a:endCxn id="45" idx="1"/>
+          </p:cNvCxnSpPr>
+          <p:nvPr/>
+        </p:nvCxnSpPr>
+        <p:spPr>
+          <a:xfrm>
+            <a:off x="4870274" y="3901460"/>
+            <a:ext cx="679978" cy="403778"/>
+          </a:xfrm>
+          <a:prstGeom prst="straightConnector1">
+            <a:avLst/>
+          </a:prstGeom>
+          <a:ln w="28575">
+            <a:solidFill>
+              <a:schemeClr val="accent2">
+                <a:lumMod val="60000"/>
+                <a:lumOff val="40000"/>
+              </a:schemeClr>
+            </a:solidFill>
+            <a:tailEnd type="triangle"/>
+          </a:ln>
+        </p:spPr>
+        <p:style>
+          <a:lnRef idx="1">
+            <a:schemeClr val="accent1"/>
+          </a:lnRef>
+          <a:fillRef idx="0">
+            <a:schemeClr val="accent1"/>
+          </a:fillRef>
+          <a:effectRef idx="0">
+            <a:schemeClr val="accent1"/>
+          </a:effectRef>
+          <a:fontRef idx="minor">
+            <a:schemeClr val="tx1"/>
+          </a:fontRef>
+        </p:style>
+      </p:cxnSp>
+      <p:cxnSp>
+        <p:nvCxnSpPr>
+          <p:cNvPr id="73" name="직선 화살표 연결선 72">
+            <a:extLst>
+              <a:ext uri="{FF2B5EF4-FFF2-40B4-BE49-F238E27FC236}">
+                <a16:creationId xmlns:a16="http://schemas.microsoft.com/office/drawing/2014/main" id="{523680BA-4F36-C400-4F65-687BB838B242}"/>
+              </a:ext>
+            </a:extLst>
+          </p:cNvPr>
+          <p:cNvCxnSpPr>
+            <a:stCxn id="42" idx="3"/>
+            <a:endCxn id="45" idx="1"/>
+          </p:cNvCxnSpPr>
+          <p:nvPr/>
+        </p:nvCxnSpPr>
+        <p:spPr>
+          <a:xfrm flipV="1">
+            <a:off x="4833169" y="4305238"/>
+            <a:ext cx="717083" cy="1616634"/>
+          </a:xfrm>
+          <a:prstGeom prst="straightConnector1">
+            <a:avLst/>
+          </a:prstGeom>
+          <a:ln w="28575">
+            <a:solidFill>
+              <a:schemeClr val="accent2">
+                <a:lumMod val="60000"/>
+                <a:lumOff val="40000"/>
+              </a:schemeClr>
+            </a:solidFill>
+            <a:tailEnd type="triangle"/>
+          </a:ln>
+        </p:spPr>
+        <p:style>
+          <a:lnRef idx="1">
+            <a:schemeClr val="accent1"/>
+          </a:lnRef>
+          <a:fillRef idx="0">
+            <a:schemeClr val="accent1"/>
+          </a:fillRef>
+          <a:effectRef idx="0">
+            <a:schemeClr val="accent1"/>
+          </a:effectRef>
+          <a:fontRef idx="minor">
+            <a:schemeClr val="tx1"/>
+          </a:fontRef>
+        </p:style>
+      </p:cxnSp>
+    </p:spTree>
+    <p:extLst>
+      <p:ext uri="{BB962C8B-B14F-4D97-AF65-F5344CB8AC3E}">
+        <p14:creationId xmlns:p14="http://schemas.microsoft.com/office/powerpoint/2010/main" val="3941191567"/>
+      </p:ext>
+    </p:extLst>
+  </p:cSld>
+  <p:clrMapOvr>
+    <a:masterClrMapping/>
+  </p:clrMapOvr>
+</p:sld>
+</file>
+
+<file path=ppt/slides/slide8.xml><?xml version="1.0" encoding="utf-8"?>
 <p:sld xmlns:a="http://schemas.openxmlformats.org/drawingml/2006/main" xmlns:r="http://schemas.openxmlformats.org/officeDocument/2006/relationships" xmlns:p="http://schemas.openxmlformats.org/presentationml/2006/main">
   <p:cSld>
     <p:bg>
@@ -29522,7 +33228,7 @@
 </p:sld>
 </file>
 
-<file path=ppt/slides/slide8.xml><?xml version="1.0" encoding="utf-8"?>
+<file path=ppt/slides/slide9.xml><?xml version="1.0" encoding="utf-8"?>
 <p:sld xmlns:a="http://schemas.openxmlformats.org/drawingml/2006/main" xmlns:r="http://schemas.openxmlformats.org/officeDocument/2006/relationships" xmlns:p="http://schemas.openxmlformats.org/presentationml/2006/main">
   <p:cSld>
     <p:bg>
@@ -30336,829 +34042,6 @@
     <p:extLst>
       <p:ext uri="{BB962C8B-B14F-4D97-AF65-F5344CB8AC3E}">
         <p14:creationId xmlns:p14="http://schemas.microsoft.com/office/powerpoint/2010/main" val="1215024600"/>
-      </p:ext>
-    </p:extLst>
-  </p:cSld>
-  <p:clrMapOvr>
-    <a:masterClrMapping/>
-  </p:clrMapOvr>
-</p:sld>
-</file>
-
-<file path=ppt/slides/slide9.xml><?xml version="1.0" encoding="utf-8"?>
-<p:sld xmlns:a="http://schemas.openxmlformats.org/drawingml/2006/main" xmlns:r="http://schemas.openxmlformats.org/officeDocument/2006/relationships" xmlns:p="http://schemas.openxmlformats.org/presentationml/2006/main">
-  <p:cSld>
-    <p:bg>
-      <p:bgPr>
-        <a:solidFill>
-          <a:schemeClr val="bg1"/>
-        </a:solidFill>
-        <a:effectLst/>
-      </p:bgPr>
-    </p:bg>
-    <p:spTree>
-      <p:nvGrpSpPr>
-        <p:cNvPr id="1" name=""/>
-        <p:cNvGrpSpPr/>
-        <p:nvPr/>
-      </p:nvGrpSpPr>
-      <p:grpSpPr>
-        <a:xfrm>
-          <a:off x="0" y="0"/>
-          <a:ext cx="0" cy="0"/>
-          <a:chOff x="0" y="0"/>
-          <a:chExt cx="0" cy="0"/>
-        </a:xfrm>
-      </p:grpSpPr>
-      <p:sp>
-        <p:nvSpPr>
-          <p:cNvPr id="2" name="직사각형 1">
-            <a:extLst>
-              <a:ext uri="{FF2B5EF4-FFF2-40B4-BE49-F238E27FC236}">
-                <a16:creationId xmlns:a16="http://schemas.microsoft.com/office/drawing/2014/main" id="{436BE8C2-0A42-4D62-A0FF-810C364FBA98}"/>
-              </a:ext>
-            </a:extLst>
-          </p:cNvPr>
-          <p:cNvSpPr/>
-          <p:nvPr/>
-        </p:nvSpPr>
-        <p:spPr>
-          <a:xfrm>
-            <a:off x="0" y="6705764"/>
-            <a:ext cx="12192000" cy="152236"/>
-          </a:xfrm>
-          <a:prstGeom prst="rect">
-            <a:avLst/>
-          </a:prstGeom>
-          <a:solidFill>
-            <a:srgbClr val="00AFB9"/>
-          </a:solidFill>
-          <a:ln>
-            <a:noFill/>
-          </a:ln>
-        </p:spPr>
-        <p:style>
-          <a:lnRef idx="2">
-            <a:schemeClr val="accent1">
-              <a:shade val="50000"/>
-            </a:schemeClr>
-          </a:lnRef>
-          <a:fillRef idx="1">
-            <a:schemeClr val="accent1"/>
-          </a:fillRef>
-          <a:effectRef idx="0">
-            <a:schemeClr val="accent1"/>
-          </a:effectRef>
-          <a:fontRef idx="minor">
-            <a:schemeClr val="lt1"/>
-          </a:fontRef>
-        </p:style>
-        <p:txBody>
-          <a:bodyPr rtlCol="0" anchor="ctr"/>
-          <a:lstStyle/>
-          <a:p>
-            <a:pPr algn="ctr"/>
-            <a:endParaRPr lang="ko-KR" altLang="en-US" dirty="0"/>
-          </a:p>
-        </p:txBody>
-      </p:sp>
-      <p:sp>
-        <p:nvSpPr>
-          <p:cNvPr id="32" name="사각형: 둥근 모서리 31">
-            <a:extLst>
-              <a:ext uri="{FF2B5EF4-FFF2-40B4-BE49-F238E27FC236}">
-                <a16:creationId xmlns:a16="http://schemas.microsoft.com/office/drawing/2014/main" id="{A4F1A65B-F4DD-4F2D-A55E-9AE50D65236B}"/>
-              </a:ext>
-            </a:extLst>
-          </p:cNvPr>
-          <p:cNvSpPr/>
-          <p:nvPr/>
-        </p:nvSpPr>
-        <p:spPr>
-          <a:xfrm>
-            <a:off x="174450" y="381727"/>
-            <a:ext cx="57833" cy="230825"/>
-          </a:xfrm>
-          <a:prstGeom prst="roundRect">
-            <a:avLst>
-              <a:gd name="adj" fmla="val 27647"/>
-            </a:avLst>
-          </a:prstGeom>
-          <a:solidFill>
-            <a:srgbClr val="FED9B7"/>
-          </a:solidFill>
-          <a:ln w="9525">
-            <a:noFill/>
-          </a:ln>
-        </p:spPr>
-        <p:style>
-          <a:lnRef idx="1">
-            <a:schemeClr val="accent1"/>
-          </a:lnRef>
-          <a:fillRef idx="0">
-            <a:schemeClr val="accent1"/>
-          </a:fillRef>
-          <a:effectRef idx="0">
-            <a:schemeClr val="accent1"/>
-          </a:effectRef>
-          <a:fontRef idx="minor">
-            <a:schemeClr val="tx1"/>
-          </a:fontRef>
-        </p:style>
-        <p:txBody>
-          <a:bodyPr rtlCol="0" anchor="ctr"/>
-          <a:lstStyle/>
-          <a:p>
-            <a:pPr algn="ctr"/>
-            <a:endParaRPr lang="ko-KR" altLang="en-US" dirty="0"/>
-          </a:p>
-        </p:txBody>
-      </p:sp>
-      <p:sp>
-        <p:nvSpPr>
-          <p:cNvPr id="15" name="직사각형 14">
-            <a:extLst>
-              <a:ext uri="{FF2B5EF4-FFF2-40B4-BE49-F238E27FC236}">
-                <a16:creationId xmlns:a16="http://schemas.microsoft.com/office/drawing/2014/main" id="{4AE5C8F8-DDFE-4160-9FFD-B5F02225DE0B}"/>
-              </a:ext>
-            </a:extLst>
-          </p:cNvPr>
-          <p:cNvSpPr/>
-          <p:nvPr/>
-        </p:nvSpPr>
-        <p:spPr>
-          <a:xfrm>
-            <a:off x="0" y="2"/>
-            <a:ext cx="12192000" cy="152234"/>
-          </a:xfrm>
-          <a:prstGeom prst="rect">
-            <a:avLst/>
-          </a:prstGeom>
-          <a:solidFill>
-            <a:srgbClr val="00AFB9"/>
-          </a:solidFill>
-          <a:ln>
-            <a:noFill/>
-          </a:ln>
-        </p:spPr>
-        <p:style>
-          <a:lnRef idx="2">
-            <a:schemeClr val="accent1">
-              <a:shade val="50000"/>
-            </a:schemeClr>
-          </a:lnRef>
-          <a:fillRef idx="1">
-            <a:schemeClr val="accent1"/>
-          </a:fillRef>
-          <a:effectRef idx="0">
-            <a:schemeClr val="accent1"/>
-          </a:effectRef>
-          <a:fontRef idx="minor">
-            <a:schemeClr val="lt1"/>
-          </a:fontRef>
-        </p:style>
-        <p:txBody>
-          <a:bodyPr rtlCol="0" anchor="ctr"/>
-          <a:lstStyle/>
-          <a:p>
-            <a:pPr algn="ctr"/>
-            <a:endParaRPr lang="ko-KR" altLang="en-US" dirty="0"/>
-          </a:p>
-        </p:txBody>
-      </p:sp>
-      <p:sp>
-        <p:nvSpPr>
-          <p:cNvPr id="20" name="TextBox 19">
-            <a:extLst>
-              <a:ext uri="{FF2B5EF4-FFF2-40B4-BE49-F238E27FC236}">
-                <a16:creationId xmlns:a16="http://schemas.microsoft.com/office/drawing/2014/main" id="{DD30E053-010D-4727-8220-5C457994ECE0}"/>
-              </a:ext>
-            </a:extLst>
-          </p:cNvPr>
-          <p:cNvSpPr txBox="1"/>
-          <p:nvPr/>
-        </p:nvSpPr>
-        <p:spPr>
-          <a:xfrm>
-            <a:off x="232282" y="312473"/>
-            <a:ext cx="3120517" cy="369332"/>
-          </a:xfrm>
-          <a:prstGeom prst="rect">
-            <a:avLst/>
-          </a:prstGeom>
-          <a:noFill/>
-        </p:spPr>
-        <p:txBody>
-          <a:bodyPr wrap="square">
-            <a:spAutoFit/>
-          </a:bodyPr>
-          <a:lstStyle/>
-          <a:p>
-            <a:pPr marL="0" marR="0" lvl="0" indent="0" defTabSz="914400" rtl="0" eaLnBrk="1" fontAlgn="auto" latinLnBrk="1" hangingPunct="1">
-              <a:lnSpc>
-                <a:spcPct val="100000"/>
-              </a:lnSpc>
-              <a:spcBef>
-                <a:spcPts val="0"/>
-              </a:spcBef>
-              <a:spcAft>
-                <a:spcPts val="0"/>
-              </a:spcAft>
-              <a:buClrTx/>
-              <a:buSzTx/>
-              <a:buFontTx/>
-              <a:buNone/>
-              <a:tabLst/>
-              <a:defRPr/>
-            </a:pPr>
-            <a:r>
-              <a:rPr kumimoji="0" lang="en-US" altLang="ko-KR" b="0" i="0" u="none" strike="noStrike" kern="1200" cap="none" normalizeH="0" baseline="0" noProof="0" dirty="0">
-                <a:ln>
-                  <a:noFill/>
-                </a:ln>
-                <a:solidFill>
-                  <a:prstClr val="black"/>
-                </a:solidFill>
-                <a:effectLst/>
-                <a:uLnTx/>
-                <a:uFillTx/>
-                <a:latin typeface="에스코어 드림 8 Heavy" panose="020B0903030302020204" pitchFamily="34" charset="-127"/>
-                <a:ea typeface="에스코어 드림 8 Heavy" panose="020B0903030302020204" pitchFamily="34" charset="-127"/>
-                <a:cs typeface="코트라 고딕체" panose="02020603020101020101" pitchFamily="18" charset="-127"/>
-              </a:rPr>
-              <a:t>First Pipeline</a:t>
-            </a:r>
-          </a:p>
-        </p:txBody>
-      </p:sp>
-      <p:sp>
-        <p:nvSpPr>
-          <p:cNvPr id="3" name="TextBox 2">
-            <a:extLst>
-              <a:ext uri="{FF2B5EF4-FFF2-40B4-BE49-F238E27FC236}">
-                <a16:creationId xmlns:a16="http://schemas.microsoft.com/office/drawing/2014/main" id="{A10A948F-B87F-2EBF-05BB-8CDE3F902684}"/>
-              </a:ext>
-            </a:extLst>
-          </p:cNvPr>
-          <p:cNvSpPr txBox="1"/>
-          <p:nvPr/>
-        </p:nvSpPr>
-        <p:spPr>
-          <a:xfrm>
-            <a:off x="623455" y="1339735"/>
-            <a:ext cx="1025957" cy="369332"/>
-          </a:xfrm>
-          <a:prstGeom prst="rect">
-            <a:avLst/>
-          </a:prstGeom>
-          <a:noFill/>
-        </p:spPr>
-        <p:txBody>
-          <a:bodyPr wrap="square" rtlCol="0">
-            <a:spAutoFit/>
-          </a:bodyPr>
-          <a:lstStyle/>
-          <a:p>
-            <a:r>
-              <a:rPr kumimoji="1" lang="en-US" altLang="ko-KR" dirty="0">
-                <a:latin typeface="S-Core Dream 4 Regular" panose="020B0503030302020204" pitchFamily="34" charset="-127"/>
-                <a:ea typeface="S-Core Dream 4 Regular" panose="020B0503030302020204" pitchFamily="34" charset="-127"/>
-              </a:rPr>
-              <a:t>Video</a:t>
-            </a:r>
-            <a:endParaRPr kumimoji="1" lang="ko-KR" altLang="en-US" dirty="0">
-              <a:latin typeface="S-Core Dream 4 Regular" panose="020B0503030302020204" pitchFamily="34" charset="-127"/>
-              <a:ea typeface="S-Core Dream 4 Regular" panose="020B0503030302020204" pitchFamily="34" charset="-127"/>
-            </a:endParaRPr>
-          </a:p>
-        </p:txBody>
-      </p:sp>
-      <p:sp>
-        <p:nvSpPr>
-          <p:cNvPr id="5" name="TextBox 4">
-            <a:extLst>
-              <a:ext uri="{FF2B5EF4-FFF2-40B4-BE49-F238E27FC236}">
-                <a16:creationId xmlns:a16="http://schemas.microsoft.com/office/drawing/2014/main" id="{65CC3A4C-3430-04B6-32E1-41B27CD68829}"/>
-              </a:ext>
-            </a:extLst>
-          </p:cNvPr>
-          <p:cNvSpPr txBox="1"/>
-          <p:nvPr/>
-        </p:nvSpPr>
-        <p:spPr>
-          <a:xfrm>
-            <a:off x="623452" y="3359539"/>
-            <a:ext cx="1025957" cy="369332"/>
-          </a:xfrm>
-          <a:prstGeom prst="rect">
-            <a:avLst/>
-          </a:prstGeom>
-          <a:noFill/>
-        </p:spPr>
-        <p:txBody>
-          <a:bodyPr wrap="square" rtlCol="0">
-            <a:spAutoFit/>
-          </a:bodyPr>
-          <a:lstStyle/>
-          <a:p>
-            <a:r>
-              <a:rPr kumimoji="1" lang="en-US" altLang="ko-KR" dirty="0">
-                <a:latin typeface="S-Core Dream 4 Regular" panose="020B0503030302020204" pitchFamily="34" charset="-127"/>
-                <a:ea typeface="S-Core Dream 4 Regular" panose="020B0503030302020204" pitchFamily="34" charset="-127"/>
-              </a:rPr>
-              <a:t>Audio</a:t>
-            </a:r>
-            <a:endParaRPr kumimoji="1" lang="ko-KR" altLang="en-US" dirty="0">
-              <a:latin typeface="S-Core Dream 4 Regular" panose="020B0503030302020204" pitchFamily="34" charset="-127"/>
-              <a:ea typeface="S-Core Dream 4 Regular" panose="020B0503030302020204" pitchFamily="34" charset="-127"/>
-            </a:endParaRPr>
-          </a:p>
-        </p:txBody>
-      </p:sp>
-      <p:sp>
-        <p:nvSpPr>
-          <p:cNvPr id="6" name="TextBox 5">
-            <a:extLst>
-              <a:ext uri="{FF2B5EF4-FFF2-40B4-BE49-F238E27FC236}">
-                <a16:creationId xmlns:a16="http://schemas.microsoft.com/office/drawing/2014/main" id="{90149C9D-EA9E-9AB2-3728-50C0718A190E}"/>
-              </a:ext>
-            </a:extLst>
-          </p:cNvPr>
-          <p:cNvSpPr txBox="1"/>
-          <p:nvPr/>
-        </p:nvSpPr>
-        <p:spPr>
-          <a:xfrm>
-            <a:off x="623453" y="5379344"/>
-            <a:ext cx="1025957" cy="369332"/>
-          </a:xfrm>
-          <a:prstGeom prst="rect">
-            <a:avLst/>
-          </a:prstGeom>
-          <a:noFill/>
-        </p:spPr>
-        <p:txBody>
-          <a:bodyPr wrap="square" rtlCol="0">
-            <a:spAutoFit/>
-          </a:bodyPr>
-          <a:lstStyle/>
-          <a:p>
-            <a:r>
-              <a:rPr kumimoji="1" lang="en-US" altLang="ko-KR" dirty="0">
-                <a:latin typeface="S-Core Dream 4 Regular" panose="020B0503030302020204" pitchFamily="34" charset="-127"/>
-                <a:ea typeface="S-Core Dream 4 Regular" panose="020B0503030302020204" pitchFamily="34" charset="-127"/>
-              </a:rPr>
-              <a:t>Text</a:t>
-            </a:r>
-            <a:endParaRPr kumimoji="1" lang="ko-KR" altLang="en-US" dirty="0">
-              <a:latin typeface="S-Core Dream 4 Regular" panose="020B0503030302020204" pitchFamily="34" charset="-127"/>
-              <a:ea typeface="S-Core Dream 4 Regular" panose="020B0503030302020204" pitchFamily="34" charset="-127"/>
-            </a:endParaRPr>
-          </a:p>
-        </p:txBody>
-      </p:sp>
-      <p:sp>
-        <p:nvSpPr>
-          <p:cNvPr id="7" name="수동 작업 6">
-            <a:extLst>
-              <a:ext uri="{FF2B5EF4-FFF2-40B4-BE49-F238E27FC236}">
-                <a16:creationId xmlns:a16="http://schemas.microsoft.com/office/drawing/2014/main" id="{E0FA231E-A104-CE20-20F1-0F7C0F9DEB4B}"/>
-              </a:ext>
-            </a:extLst>
-          </p:cNvPr>
-          <p:cNvSpPr/>
-          <p:nvPr/>
-        </p:nvSpPr>
-        <p:spPr>
-          <a:xfrm rot="16200000">
-            <a:off x="1915686" y="833716"/>
-            <a:ext cx="848813" cy="1381368"/>
-          </a:xfrm>
-          <a:prstGeom prst="flowChartManualOperation">
-            <a:avLst/>
-          </a:prstGeom>
-          <a:solidFill>
-            <a:srgbClr val="00AFB9"/>
-          </a:solidFill>
-          <a:ln>
-            <a:noFill/>
-          </a:ln>
-        </p:spPr>
-        <p:style>
-          <a:lnRef idx="2">
-            <a:schemeClr val="accent1">
-              <a:shade val="15000"/>
-            </a:schemeClr>
-          </a:lnRef>
-          <a:fillRef idx="1">
-            <a:schemeClr val="accent1"/>
-          </a:fillRef>
-          <a:effectRef idx="0">
-            <a:schemeClr val="accent1"/>
-          </a:effectRef>
-          <a:fontRef idx="minor">
-            <a:schemeClr val="lt1"/>
-          </a:fontRef>
-        </p:style>
-        <p:txBody>
-          <a:bodyPr rtlCol="0" anchor="ctr"/>
-          <a:lstStyle/>
-          <a:p>
-            <a:pPr algn="ctr"/>
-            <a:endParaRPr kumimoji="1" lang="ko-KR" altLang="en-US" dirty="0"/>
-          </a:p>
-        </p:txBody>
-      </p:sp>
-      <p:sp>
-        <p:nvSpPr>
-          <p:cNvPr id="8" name="수동 작업 7">
-            <a:extLst>
-              <a:ext uri="{FF2B5EF4-FFF2-40B4-BE49-F238E27FC236}">
-                <a16:creationId xmlns:a16="http://schemas.microsoft.com/office/drawing/2014/main" id="{1DA875DC-DFBC-5B80-1A8E-DA921100B8FD}"/>
-              </a:ext>
-            </a:extLst>
-          </p:cNvPr>
-          <p:cNvSpPr/>
-          <p:nvPr/>
-        </p:nvSpPr>
-        <p:spPr>
-          <a:xfrm rot="16200000">
-            <a:off x="1915686" y="2853520"/>
-            <a:ext cx="848813" cy="1381368"/>
-          </a:xfrm>
-          <a:prstGeom prst="flowChartManualOperation">
-            <a:avLst/>
-          </a:prstGeom>
-          <a:solidFill>
-            <a:srgbClr val="F07167"/>
-          </a:solidFill>
-          <a:ln>
-            <a:noFill/>
-          </a:ln>
-        </p:spPr>
-        <p:style>
-          <a:lnRef idx="2">
-            <a:schemeClr val="accent1">
-              <a:shade val="15000"/>
-            </a:schemeClr>
-          </a:lnRef>
-          <a:fillRef idx="1">
-            <a:schemeClr val="accent1"/>
-          </a:fillRef>
-          <a:effectRef idx="0">
-            <a:schemeClr val="accent1"/>
-          </a:effectRef>
-          <a:fontRef idx="minor">
-            <a:schemeClr val="lt1"/>
-          </a:fontRef>
-        </p:style>
-        <p:txBody>
-          <a:bodyPr rtlCol="0" anchor="ctr"/>
-          <a:lstStyle/>
-          <a:p>
-            <a:pPr algn="ctr"/>
-            <a:endParaRPr kumimoji="1" lang="ko-KR" altLang="en-US"/>
-          </a:p>
-        </p:txBody>
-      </p:sp>
-      <p:sp>
-        <p:nvSpPr>
-          <p:cNvPr id="9" name="수동 작업 8">
-            <a:extLst>
-              <a:ext uri="{FF2B5EF4-FFF2-40B4-BE49-F238E27FC236}">
-                <a16:creationId xmlns:a16="http://schemas.microsoft.com/office/drawing/2014/main" id="{0B0E7FE4-4E7F-4B2F-68EB-8A389552283A}"/>
-              </a:ext>
-            </a:extLst>
-          </p:cNvPr>
-          <p:cNvSpPr/>
-          <p:nvPr/>
-        </p:nvSpPr>
-        <p:spPr>
-          <a:xfrm rot="16200000">
-            <a:off x="1915686" y="4873324"/>
-            <a:ext cx="848813" cy="1381368"/>
-          </a:xfrm>
-          <a:prstGeom prst="flowChartManualOperation">
-            <a:avLst/>
-          </a:prstGeom>
-          <a:solidFill>
-            <a:srgbClr val="DFCF00"/>
-          </a:solidFill>
-          <a:ln>
-            <a:noFill/>
-          </a:ln>
-        </p:spPr>
-        <p:style>
-          <a:lnRef idx="2">
-            <a:schemeClr val="accent1">
-              <a:shade val="15000"/>
-            </a:schemeClr>
-          </a:lnRef>
-          <a:fillRef idx="1">
-            <a:schemeClr val="accent1"/>
-          </a:fillRef>
-          <a:effectRef idx="0">
-            <a:schemeClr val="accent1"/>
-          </a:effectRef>
-          <a:fontRef idx="minor">
-            <a:schemeClr val="lt1"/>
-          </a:fontRef>
-        </p:style>
-        <p:txBody>
-          <a:bodyPr rtlCol="0" anchor="ctr"/>
-          <a:lstStyle/>
-          <a:p>
-            <a:pPr algn="ctr"/>
-            <a:endParaRPr kumimoji="1" lang="ko-KR" altLang="en-US"/>
-          </a:p>
-        </p:txBody>
-      </p:sp>
-      <p:sp>
-        <p:nvSpPr>
-          <p:cNvPr id="10" name="TextBox 9">
-            <a:extLst>
-              <a:ext uri="{FF2B5EF4-FFF2-40B4-BE49-F238E27FC236}">
-                <a16:creationId xmlns:a16="http://schemas.microsoft.com/office/drawing/2014/main" id="{659445F1-09BF-CCDC-2168-3126710560DC}"/>
-              </a:ext>
-            </a:extLst>
-          </p:cNvPr>
-          <p:cNvSpPr txBox="1"/>
-          <p:nvPr/>
-        </p:nvSpPr>
-        <p:spPr>
-          <a:xfrm>
-            <a:off x="1740039" y="730661"/>
-            <a:ext cx="1290738" cy="369332"/>
-          </a:xfrm>
-          <a:prstGeom prst="rect">
-            <a:avLst/>
-          </a:prstGeom>
-          <a:noFill/>
-        </p:spPr>
-        <p:txBody>
-          <a:bodyPr wrap="none" rtlCol="0">
-            <a:spAutoFit/>
-          </a:bodyPr>
-          <a:lstStyle/>
-          <a:p>
-            <a:r>
-              <a:rPr kumimoji="1" lang="en-US" altLang="ko-KR" dirty="0">
-                <a:latin typeface="S-Core Dream 4 Regular" panose="020B0503030302020204" pitchFamily="34" charset="-127"/>
-                <a:ea typeface="S-Core Dream 4 Regular" panose="020B0503030302020204" pitchFamily="34" charset="-127"/>
-              </a:rPr>
-              <a:t>swin3D/B</a:t>
-            </a:r>
-            <a:endParaRPr kumimoji="1" lang="ko-KR" altLang="en-US" dirty="0">
-              <a:latin typeface="S-Core Dream 4 Regular" panose="020B0503030302020204" pitchFamily="34" charset="-127"/>
-              <a:ea typeface="S-Core Dream 4 Regular" panose="020B0503030302020204" pitchFamily="34" charset="-127"/>
-            </a:endParaRPr>
-          </a:p>
-        </p:txBody>
-      </p:sp>
-      <p:sp>
-        <p:nvSpPr>
-          <p:cNvPr id="11" name="TextBox 10">
-            <a:extLst>
-              <a:ext uri="{FF2B5EF4-FFF2-40B4-BE49-F238E27FC236}">
-                <a16:creationId xmlns:a16="http://schemas.microsoft.com/office/drawing/2014/main" id="{4D598C64-1C80-5160-6328-EEA374F85FCF}"/>
-              </a:ext>
-            </a:extLst>
-          </p:cNvPr>
-          <p:cNvSpPr txBox="1"/>
-          <p:nvPr/>
-        </p:nvSpPr>
-        <p:spPr>
-          <a:xfrm>
-            <a:off x="1740039" y="2750465"/>
-            <a:ext cx="631904" cy="369332"/>
-          </a:xfrm>
-          <a:prstGeom prst="rect">
-            <a:avLst/>
-          </a:prstGeom>
-          <a:noFill/>
-        </p:spPr>
-        <p:txBody>
-          <a:bodyPr wrap="none" rtlCol="0">
-            <a:spAutoFit/>
-          </a:bodyPr>
-          <a:lstStyle/>
-          <a:p>
-            <a:r>
-              <a:rPr kumimoji="1" lang="en-US" altLang="ko-KR" dirty="0">
-                <a:latin typeface="S-Core Dream 4 Regular" panose="020B0503030302020204" pitchFamily="34" charset="-127"/>
-                <a:ea typeface="S-Core Dream 4 Regular" panose="020B0503030302020204" pitchFamily="34" charset="-127"/>
-              </a:rPr>
-              <a:t>AST</a:t>
-            </a:r>
-            <a:endParaRPr kumimoji="1" lang="ko-KR" altLang="en-US" dirty="0">
-              <a:latin typeface="S-Core Dream 4 Regular" panose="020B0503030302020204" pitchFamily="34" charset="-127"/>
-              <a:ea typeface="S-Core Dream 4 Regular" panose="020B0503030302020204" pitchFamily="34" charset="-127"/>
-            </a:endParaRPr>
-          </a:p>
-        </p:txBody>
-      </p:sp>
-      <p:sp>
-        <p:nvSpPr>
-          <p:cNvPr id="14" name="TextBox 13">
-            <a:extLst>
-              <a:ext uri="{FF2B5EF4-FFF2-40B4-BE49-F238E27FC236}">
-                <a16:creationId xmlns:a16="http://schemas.microsoft.com/office/drawing/2014/main" id="{0848E21F-8C93-657F-7BED-9748C349554D}"/>
-              </a:ext>
-            </a:extLst>
-          </p:cNvPr>
-          <p:cNvSpPr txBox="1"/>
-          <p:nvPr/>
-        </p:nvSpPr>
-        <p:spPr>
-          <a:xfrm>
-            <a:off x="1740039" y="4817913"/>
-            <a:ext cx="1218603" cy="369332"/>
-          </a:xfrm>
-          <a:prstGeom prst="rect">
-            <a:avLst/>
-          </a:prstGeom>
-          <a:noFill/>
-        </p:spPr>
-        <p:txBody>
-          <a:bodyPr wrap="none" rtlCol="0">
-            <a:spAutoFit/>
-          </a:bodyPr>
-          <a:lstStyle/>
-          <a:p>
-            <a:r>
-              <a:rPr kumimoji="1" lang="en-US" altLang="ko-KR" dirty="0" err="1">
-                <a:latin typeface="S-Core Dream 4 Regular" panose="020B0503030302020204" pitchFamily="34" charset="-127"/>
-                <a:ea typeface="S-Core Dream 4 Regular" panose="020B0503030302020204" pitchFamily="34" charset="-127"/>
-              </a:rPr>
-              <a:t>DeBERTa</a:t>
-            </a:r>
-            <a:endParaRPr kumimoji="1" lang="ko-KR" altLang="en-US" dirty="0">
-              <a:latin typeface="S-Core Dream 4 Regular" panose="020B0503030302020204" pitchFamily="34" charset="-127"/>
-              <a:ea typeface="S-Core Dream 4 Regular" panose="020B0503030302020204" pitchFamily="34" charset="-127"/>
-            </a:endParaRPr>
-          </a:p>
-        </p:txBody>
-      </p:sp>
-      <p:sp>
-        <p:nvSpPr>
-          <p:cNvPr id="16" name="직사각형 15">
-            <a:extLst>
-              <a:ext uri="{FF2B5EF4-FFF2-40B4-BE49-F238E27FC236}">
-                <a16:creationId xmlns:a16="http://schemas.microsoft.com/office/drawing/2014/main" id="{6D35B790-288F-B2C7-6DAD-76ACD2ADD7BE}"/>
-              </a:ext>
-            </a:extLst>
-          </p:cNvPr>
-          <p:cNvSpPr/>
-          <p:nvPr/>
-        </p:nvSpPr>
-        <p:spPr>
-          <a:xfrm>
-            <a:off x="4056730" y="907873"/>
-            <a:ext cx="304800" cy="1233054"/>
-          </a:xfrm>
-          <a:prstGeom prst="rect">
-            <a:avLst/>
-          </a:prstGeom>
-          <a:solidFill>
-            <a:srgbClr val="0081A7"/>
-          </a:solidFill>
-          <a:ln>
-            <a:noFill/>
-          </a:ln>
-        </p:spPr>
-        <p:style>
-          <a:lnRef idx="2">
-            <a:schemeClr val="accent1">
-              <a:shade val="15000"/>
-            </a:schemeClr>
-          </a:lnRef>
-          <a:fillRef idx="1">
-            <a:schemeClr val="accent1"/>
-          </a:fillRef>
-          <a:effectRef idx="0">
-            <a:schemeClr val="accent1"/>
-          </a:effectRef>
-          <a:fontRef idx="minor">
-            <a:schemeClr val="lt1"/>
-          </a:fontRef>
-        </p:style>
-        <p:txBody>
-          <a:bodyPr rtlCol="0" anchor="ctr"/>
-          <a:lstStyle/>
-          <a:p>
-            <a:pPr algn="ctr"/>
-            <a:endParaRPr kumimoji="1" lang="ko-KR" altLang="en-US"/>
-          </a:p>
-        </p:txBody>
-      </p:sp>
-      <p:sp>
-        <p:nvSpPr>
-          <p:cNvPr id="19" name="직사각형 18">
-            <a:extLst>
-              <a:ext uri="{FF2B5EF4-FFF2-40B4-BE49-F238E27FC236}">
-                <a16:creationId xmlns:a16="http://schemas.microsoft.com/office/drawing/2014/main" id="{C2BA5249-EFE4-DE72-6C1D-B5132416BC78}"/>
-              </a:ext>
-            </a:extLst>
-          </p:cNvPr>
-          <p:cNvSpPr/>
-          <p:nvPr/>
-        </p:nvSpPr>
-        <p:spPr>
-          <a:xfrm>
-            <a:off x="4056730" y="2927677"/>
-            <a:ext cx="304800" cy="1233054"/>
-          </a:xfrm>
-          <a:prstGeom prst="rect">
-            <a:avLst/>
-          </a:prstGeom>
-          <a:solidFill>
-            <a:srgbClr val="0081A7"/>
-          </a:solidFill>
-          <a:ln>
-            <a:noFill/>
-          </a:ln>
-        </p:spPr>
-        <p:style>
-          <a:lnRef idx="2">
-            <a:schemeClr val="accent1">
-              <a:shade val="15000"/>
-            </a:schemeClr>
-          </a:lnRef>
-          <a:fillRef idx="1">
-            <a:schemeClr val="accent1"/>
-          </a:fillRef>
-          <a:effectRef idx="0">
-            <a:schemeClr val="accent1"/>
-          </a:effectRef>
-          <a:fontRef idx="minor">
-            <a:schemeClr val="lt1"/>
-          </a:fontRef>
-        </p:style>
-        <p:txBody>
-          <a:bodyPr rtlCol="0" anchor="ctr"/>
-          <a:lstStyle/>
-          <a:p>
-            <a:pPr algn="ctr"/>
-            <a:endParaRPr kumimoji="1" lang="ko-KR" altLang="en-US"/>
-          </a:p>
-        </p:txBody>
-      </p:sp>
-      <p:sp>
-        <p:nvSpPr>
-          <p:cNvPr id="21" name="직사각형 20">
-            <a:extLst>
-              <a:ext uri="{FF2B5EF4-FFF2-40B4-BE49-F238E27FC236}">
-                <a16:creationId xmlns:a16="http://schemas.microsoft.com/office/drawing/2014/main" id="{DACD0D26-1BE5-B181-035A-70CB1E022176}"/>
-              </a:ext>
-            </a:extLst>
-          </p:cNvPr>
-          <p:cNvSpPr/>
-          <p:nvPr/>
-        </p:nvSpPr>
-        <p:spPr>
-          <a:xfrm>
-            <a:off x="4056730" y="4950941"/>
-            <a:ext cx="304800" cy="1233054"/>
-          </a:xfrm>
-          <a:prstGeom prst="rect">
-            <a:avLst/>
-          </a:prstGeom>
-          <a:solidFill>
-            <a:srgbClr val="0081A7"/>
-          </a:solidFill>
-          <a:ln>
-            <a:noFill/>
-          </a:ln>
-        </p:spPr>
-        <p:style>
-          <a:lnRef idx="2">
-            <a:schemeClr val="accent1">
-              <a:shade val="15000"/>
-            </a:schemeClr>
-          </a:lnRef>
-          <a:fillRef idx="1">
-            <a:schemeClr val="accent1"/>
-          </a:fillRef>
-          <a:effectRef idx="0">
-            <a:schemeClr val="accent1"/>
-          </a:effectRef>
-          <a:fontRef idx="minor">
-            <a:schemeClr val="lt1"/>
-          </a:fontRef>
-        </p:style>
-        <p:txBody>
-          <a:bodyPr rtlCol="0" anchor="ctr"/>
-          <a:lstStyle/>
-          <a:p>
-            <a:pPr algn="ctr"/>
-            <a:endParaRPr kumimoji="1" lang="ko-KR" altLang="en-US"/>
-          </a:p>
-        </p:txBody>
-      </p:sp>
-    </p:spTree>
-    <p:extLst>
-      <p:ext uri="{BB962C8B-B14F-4D97-AF65-F5344CB8AC3E}">
-        <p14:creationId xmlns:p14="http://schemas.microsoft.com/office/powerpoint/2010/main" val="3111951328"/>
       </p:ext>
     </p:extLst>
   </p:cSld>
